--- a/js_ppt/10강. JQuery2 .pptx
+++ b/js_ppt/10강. JQuery2 .pptx
@@ -5,7 +5,7 @@
     <p:sldMasterId id="2147483648" r:id="rId1"/>
   </p:sldMasterIdLst>
   <p:notesMasterIdLst>
-    <p:notesMasterId r:id="rId41"/>
+    <p:notesMasterId r:id="rId45"/>
   </p:notesMasterIdLst>
   <p:sldIdLst>
     <p:sldId id="256" r:id="rId2"/>
@@ -27,26 +27,30 @@
     <p:sldId id="446" r:id="rId18"/>
     <p:sldId id="414" r:id="rId19"/>
     <p:sldId id="421" r:id="rId20"/>
-    <p:sldId id="422" r:id="rId21"/>
-    <p:sldId id="423" r:id="rId22"/>
-    <p:sldId id="424" r:id="rId23"/>
-    <p:sldId id="425" r:id="rId24"/>
-    <p:sldId id="426" r:id="rId25"/>
-    <p:sldId id="427" r:id="rId26"/>
-    <p:sldId id="449" r:id="rId27"/>
-    <p:sldId id="450" r:id="rId28"/>
-    <p:sldId id="451" r:id="rId29"/>
-    <p:sldId id="452" r:id="rId30"/>
-    <p:sldId id="453" r:id="rId31"/>
-    <p:sldId id="454" r:id="rId32"/>
-    <p:sldId id="428" r:id="rId33"/>
-    <p:sldId id="429" r:id="rId34"/>
-    <p:sldId id="430" r:id="rId35"/>
-    <p:sldId id="432" r:id="rId36"/>
-    <p:sldId id="431" r:id="rId37"/>
-    <p:sldId id="433" r:id="rId38"/>
-    <p:sldId id="434" r:id="rId39"/>
-    <p:sldId id="435" r:id="rId40"/>
+    <p:sldId id="455" r:id="rId21"/>
+    <p:sldId id="422" r:id="rId22"/>
+    <p:sldId id="456" r:id="rId23"/>
+    <p:sldId id="457" r:id="rId24"/>
+    <p:sldId id="458" r:id="rId25"/>
+    <p:sldId id="459" r:id="rId26"/>
+    <p:sldId id="460" r:id="rId27"/>
+    <p:sldId id="461" r:id="rId28"/>
+    <p:sldId id="462" r:id="rId29"/>
+    <p:sldId id="463" r:id="rId30"/>
+    <p:sldId id="449" r:id="rId31"/>
+    <p:sldId id="450" r:id="rId32"/>
+    <p:sldId id="451" r:id="rId33"/>
+    <p:sldId id="452" r:id="rId34"/>
+    <p:sldId id="453" r:id="rId35"/>
+    <p:sldId id="454" r:id="rId36"/>
+    <p:sldId id="428" r:id="rId37"/>
+    <p:sldId id="429" r:id="rId38"/>
+    <p:sldId id="430" r:id="rId39"/>
+    <p:sldId id="432" r:id="rId40"/>
+    <p:sldId id="431" r:id="rId41"/>
+    <p:sldId id="433" r:id="rId42"/>
+    <p:sldId id="434" r:id="rId43"/>
+    <p:sldId id="435" r:id="rId44"/>
   </p:sldIdLst>
   <p:sldSz cx="9906000" cy="6858000" type="A4"/>
   <p:notesSz cx="6858000" cy="9144000"/>
@@ -246,7 +250,7 @@
           <a:p>
             <a:fld id="{7665CDAC-D627-4E87-877A-1B781DD4CADC}" type="datetimeFigureOut">
               <a:rPr lang="ko-KR" altLang="en-US" smtClean="0"/>
-              <a:t>2023-04-12</a:t>
+              <a:t>2023-04-14</a:t>
             </a:fld>
             <a:endParaRPr lang="ko-KR" altLang="en-US"/>
           </a:p>
@@ -660,7 +664,7 @@
           <a:p>
             <a:fld id="{C25BCFD5-C4DF-4EBC-B718-C69ED2FBDE6F}" type="datetime1">
               <a:rPr lang="ko-KR" altLang="en-US" smtClean="0"/>
-              <a:t>2023-04-12</a:t>
+              <a:t>2023-04-14</a:t>
             </a:fld>
             <a:endParaRPr lang="ko-KR" altLang="en-US"/>
           </a:p>
@@ -1078,7 +1082,7 @@
           <a:p>
             <a:fld id="{AB448CD7-D367-43D5-B461-ACE552E75063}" type="datetime1">
               <a:rPr lang="ko-KR" altLang="en-US" smtClean="0"/>
-              <a:t>2023-04-12</a:t>
+              <a:t>2023-04-14</a:t>
             </a:fld>
             <a:endParaRPr lang="ko-KR" altLang="en-US"/>
           </a:p>
@@ -1258,7 +1262,7 @@
           <a:p>
             <a:fld id="{B6E49E79-7361-4780-8BEF-7EDE3708298A}" type="datetime1">
               <a:rPr lang="ko-KR" altLang="en-US" smtClean="0"/>
-              <a:t>2023-04-12</a:t>
+              <a:t>2023-04-14</a:t>
             </a:fld>
             <a:endParaRPr lang="ko-KR" altLang="en-US"/>
           </a:p>
@@ -1432,7 +1436,7 @@
           <a:p>
             <a:fld id="{A4D42E3C-B70B-437C-85CF-1286301B9CBA}" type="datetime1">
               <a:rPr lang="ko-KR" altLang="en-US" smtClean="0"/>
-              <a:t>2023-04-12</a:t>
+              <a:t>2023-04-14</a:t>
             </a:fld>
             <a:endParaRPr lang="ko-KR" altLang="en-US"/>
           </a:p>
@@ -1678,7 +1682,7 @@
           <a:p>
             <a:fld id="{B3369A20-5B3D-4D98-A822-26B93D177A40}" type="datetime1">
               <a:rPr lang="ko-KR" altLang="en-US" smtClean="0"/>
-              <a:t>2023-04-12</a:t>
+              <a:t>2023-04-14</a:t>
             </a:fld>
             <a:endParaRPr lang="ko-KR" altLang="en-US"/>
           </a:p>
@@ -1966,7 +1970,7 @@
           <a:p>
             <a:fld id="{685CD4CE-9E43-4F70-A9D8-A2130CA7D92A}" type="datetime1">
               <a:rPr lang="ko-KR" altLang="en-US" smtClean="0"/>
-              <a:t>2023-04-12</a:t>
+              <a:t>2023-04-14</a:t>
             </a:fld>
             <a:endParaRPr lang="ko-KR" altLang="en-US"/>
           </a:p>
@@ -2388,7 +2392,7 @@
           <a:p>
             <a:fld id="{F752BD92-DA3E-4A0B-90C9-7DE5E15B6E96}" type="datetime1">
               <a:rPr lang="ko-KR" altLang="en-US" smtClean="0"/>
-              <a:t>2023-04-12</a:t>
+              <a:t>2023-04-14</a:t>
             </a:fld>
             <a:endParaRPr lang="ko-KR" altLang="en-US"/>
           </a:p>
@@ -2506,7 +2510,7 @@
           <a:p>
             <a:fld id="{8EA2B83A-F366-424E-B742-340ACF856BB5}" type="datetime1">
               <a:rPr lang="ko-KR" altLang="en-US" smtClean="0"/>
-              <a:t>2023-04-12</a:t>
+              <a:t>2023-04-14</a:t>
             </a:fld>
             <a:endParaRPr lang="ko-KR" altLang="en-US"/>
           </a:p>
@@ -2601,7 +2605,7 @@
           <a:p>
             <a:fld id="{9A49D68B-5DBD-48E9-A8D4-FCBC4B3DD9C6}" type="datetime1">
               <a:rPr lang="ko-KR" altLang="en-US" smtClean="0"/>
-              <a:t>2023-04-12</a:t>
+              <a:t>2023-04-14</a:t>
             </a:fld>
             <a:endParaRPr lang="ko-KR" altLang="en-US"/>
           </a:p>
@@ -2878,7 +2882,7 @@
           <a:p>
             <a:fld id="{4CAB534F-7D16-467B-9320-91F98915D181}" type="datetime1">
               <a:rPr lang="ko-KR" altLang="en-US" smtClean="0"/>
-              <a:t>2023-04-12</a:t>
+              <a:t>2023-04-14</a:t>
             </a:fld>
             <a:endParaRPr lang="ko-KR" altLang="en-US"/>
           </a:p>
@@ -3131,7 +3135,7 @@
           <a:p>
             <a:fld id="{A390A91F-2F8D-4486-A69D-D680F95444B0}" type="datetime1">
               <a:rPr lang="ko-KR" altLang="en-US" smtClean="0"/>
-              <a:t>2023-04-12</a:t>
+              <a:t>2023-04-14</a:t>
             </a:fld>
             <a:endParaRPr lang="ko-KR" altLang="en-US"/>
           </a:p>
@@ -3311,7 +3315,7 @@
           <a:p>
             <a:fld id="{2238BBEA-E8DD-414A-BF68-FC2AFA7CFF2D}" type="datetime1">
               <a:rPr lang="ko-KR" altLang="en-US" smtClean="0"/>
-              <a:t>2023-04-12</a:t>
+              <a:t>2023-04-14</a:t>
             </a:fld>
             <a:endParaRPr lang="ko-KR" altLang="en-US"/>
           </a:p>
@@ -7324,6 +7328,51 @@
           </a:ln>
         </p:spPr>
       </p:pic>
+      <p:sp>
+        <p:nvSpPr>
+          <p:cNvPr id="6" name="TextBox 5"/>
+          <p:cNvSpPr txBox="1"/>
+          <p:nvPr/>
+        </p:nvSpPr>
+        <p:spPr>
+          <a:xfrm>
+            <a:off x="6537176" y="2348880"/>
+            <a:ext cx="2016224" cy="374571"/>
+          </a:xfrm>
+          <a:prstGeom prst="roundRect">
+            <a:avLst/>
+          </a:prstGeom>
+          <a:ln w="19050"/>
+        </p:spPr>
+        <p:style>
+          <a:lnRef idx="2">
+            <a:schemeClr val="accent1"/>
+          </a:lnRef>
+          <a:fillRef idx="1">
+            <a:schemeClr val="lt1"/>
+          </a:fillRef>
+          <a:effectRef idx="0">
+            <a:schemeClr val="accent1"/>
+          </a:effectRef>
+          <a:fontRef idx="minor">
+            <a:schemeClr val="dk1"/>
+          </a:fontRef>
+        </p:style>
+        <p:txBody>
+          <a:bodyPr wrap="square" rtlCol="0">
+            <a:spAutoFit/>
+          </a:bodyPr>
+          <a:lstStyle/>
+          <a:p>
+            <a:pPr algn="ctr"/>
+            <a:r>
+              <a:rPr lang="en-US" altLang="ko-KR" sz="1600" dirty="0" smtClean="0"/>
+              <a:t>jq_mouse.html</a:t>
+            </a:r>
+            <a:endParaRPr lang="ko-KR" altLang="en-US" sz="1600" dirty="0"/>
+          </a:p>
+        </p:txBody>
+      </p:sp>
     </p:spTree>
     <p:extLst>
       <p:ext uri="{BB962C8B-B14F-4D97-AF65-F5344CB8AC3E}">
@@ -7791,7 +7840,7 @@
         </p:blipFill>
         <p:spPr>
           <a:xfrm>
-            <a:off x="704528" y="2060848"/>
+            <a:off x="776536" y="2636912"/>
             <a:ext cx="4638108" cy="2664297"/>
           </a:xfrm>
           <a:prstGeom prst="rect">
@@ -7843,6 +7892,51 @@
           </a:ln>
         </p:spPr>
       </p:pic>
+      <p:sp>
+        <p:nvSpPr>
+          <p:cNvPr id="8" name="TextBox 7"/>
+          <p:cNvSpPr txBox="1"/>
+          <p:nvPr/>
+        </p:nvSpPr>
+        <p:spPr>
+          <a:xfrm>
+            <a:off x="3395111" y="2060848"/>
+            <a:ext cx="2016224" cy="374571"/>
+          </a:xfrm>
+          <a:prstGeom prst="roundRect">
+            <a:avLst/>
+          </a:prstGeom>
+          <a:ln w="19050"/>
+        </p:spPr>
+        <p:style>
+          <a:lnRef idx="2">
+            <a:schemeClr val="accent1"/>
+          </a:lnRef>
+          <a:fillRef idx="1">
+            <a:schemeClr val="lt1"/>
+          </a:fillRef>
+          <a:effectRef idx="0">
+            <a:schemeClr val="accent1"/>
+          </a:effectRef>
+          <a:fontRef idx="minor">
+            <a:schemeClr val="dk1"/>
+          </a:fontRef>
+        </p:style>
+        <p:txBody>
+          <a:bodyPr wrap="square" rtlCol="0">
+            <a:spAutoFit/>
+          </a:bodyPr>
+          <a:lstStyle/>
+          <a:p>
+            <a:pPr algn="ctr"/>
+            <a:r>
+              <a:rPr lang="en-US" altLang="ko-KR" sz="1600" dirty="0" smtClean="0"/>
+              <a:t>jq_key.html</a:t>
+            </a:r>
+            <a:endParaRPr lang="ko-KR" altLang="en-US" sz="1600" dirty="0"/>
+          </a:p>
+        </p:txBody>
+      </p:sp>
     </p:spTree>
     <p:extLst>
       <p:ext uri="{BB962C8B-B14F-4D97-AF65-F5344CB8AC3E}">
@@ -7950,7 +8044,7 @@
           <p:nvPr>
             <p:extLst>
               <p:ext uri="{D42A27DB-BD31-4B8C-83A1-F6EECF244321}">
-                <p14:modId xmlns:p14="http://schemas.microsoft.com/office/powerpoint/2010/main" val="1474230678"/>
+                <p14:modId xmlns:p14="http://schemas.microsoft.com/office/powerpoint/2010/main" val="3361068768"/>
               </p:ext>
             </p:extLst>
           </p:nvPr>
@@ -8288,7 +8382,15 @@
                             <a:schemeClr val="tx1"/>
                           </a:solidFill>
                         </a:rPr>
-                        <a:t>Width: “toggle”</a:t>
+                        <a:t>width</a:t>
+                      </a:r>
+                      <a:r>
+                        <a:rPr lang="en-US" altLang="ko-KR" sz="1600" b="0" dirty="0" smtClean="0">
+                          <a:solidFill>
+                            <a:schemeClr val="tx1"/>
+                          </a:solidFill>
+                        </a:rPr>
+                        <a:t>: “toggle”</a:t>
                       </a:r>
                       <a:r>
                         <a:rPr lang="ko-KR" altLang="en-US" sz="1600" b="0" dirty="0" smtClean="0">
@@ -8595,20 +8697,12 @@
                         <a:t>  </a:t>
                       </a:r>
                       <a:r>
-                        <a:rPr lang="en-US" altLang="ko-KR" sz="1600" b="0" baseline="0" dirty="0" err="1" smtClean="0">
-                          <a:solidFill>
-                            <a:schemeClr val="tx1"/>
-                          </a:solidFill>
-                        </a:rPr>
-                        <a:t>Div</a:t>
-                      </a:r>
-                      <a:r>
                         <a:rPr lang="en-US" altLang="ko-KR" sz="1600" b="0" baseline="0" dirty="0" smtClean="0">
                           <a:solidFill>
                             <a:schemeClr val="tx1"/>
                           </a:solidFill>
                         </a:rPr>
-                        <a:t> </a:t>
+                        <a:t>div </a:t>
                       </a:r>
                       <a:r>
                         <a:rPr lang="ko-KR" altLang="en-US" sz="1600" b="0" baseline="0" dirty="0" smtClean="0">
@@ -8864,19 +8958,7 @@
             </a:pPr>
             <a:r>
               <a:rPr lang="ko-KR" altLang="en-US" sz="2000" b="1" dirty="0" smtClean="0"/>
-              <a:t>기본 </a:t>
-            </a:r>
-            <a:r>
-              <a:rPr lang="ko-KR" altLang="en-US" sz="2000" b="1" dirty="0" smtClean="0"/>
-              <a:t>객체</a:t>
-            </a:r>
-            <a:r>
-              <a:rPr lang="ko-KR" altLang="en-US" sz="2000" b="1" dirty="0" smtClean="0"/>
-              <a:t> </a:t>
-            </a:r>
-            <a:r>
-              <a:rPr lang="ko-KR" altLang="en-US" sz="2000" b="1" dirty="0" smtClean="0"/>
-              <a:t>함수</a:t>
+              <a:t>기본 객체 함수</a:t>
             </a:r>
             <a:endParaRPr lang="en-US" altLang="ko-KR" sz="2000" b="1" dirty="0" smtClean="0"/>
           </a:p>
@@ -10034,7 +10116,7 @@
         <p:spPr>
           <a:xfrm>
             <a:off x="848544" y="1299456"/>
-            <a:ext cx="8568952" cy="454292"/>
+            <a:ext cx="8568952" cy="507831"/>
           </a:xfrm>
           <a:prstGeom prst="rect">
             <a:avLst/>
@@ -10058,14 +10140,19 @@
             </a:r>
             <a:r>
               <a:rPr lang="en-US" altLang="ko-KR" b="1" dirty="0" smtClean="0"/>
-              <a:t>nimate(), stop()</a:t>
-            </a:r>
+              <a:t>nimate(), stop</a:t>
+            </a:r>
+            <a:r>
+              <a:rPr lang="en-US" altLang="ko-KR" b="1" dirty="0" smtClean="0"/>
+              <a:t>(), delay()</a:t>
+            </a:r>
+            <a:endParaRPr lang="en-US" altLang="ko-KR" b="1" dirty="0" smtClean="0"/>
           </a:p>
         </p:txBody>
       </p:sp>
       <p:pic>
         <p:nvPicPr>
-          <p:cNvPr id="3" name="그림 2"/>
+          <p:cNvPr id="7" name="그림 6"/>
           <p:cNvPicPr>
             <a:picLocks noChangeAspect="1"/>
           </p:cNvPicPr>
@@ -10085,8 +10172,8 @@
         </p:blipFill>
         <p:spPr>
           <a:xfrm>
-            <a:off x="1352600" y="1916832"/>
-            <a:ext cx="1874683" cy="3863675"/>
+            <a:off x="4304928" y="3226096"/>
+            <a:ext cx="4427604" cy="1242168"/>
           </a:xfrm>
           <a:prstGeom prst="rect">
             <a:avLst/>
@@ -10094,7 +10181,7 @@
           <a:ln>
             <a:solidFill>
               <a:schemeClr val="bg1">
-                <a:lumMod val="85000"/>
+                <a:lumMod val="95000"/>
               </a:schemeClr>
             </a:solidFill>
           </a:ln>
@@ -10102,7 +10189,7 @@
       </p:pic>
       <p:pic>
         <p:nvPicPr>
-          <p:cNvPr id="6" name="그림 5"/>
+          <p:cNvPr id="3" name="그림 2"/>
           <p:cNvPicPr>
             <a:picLocks noChangeAspect="1"/>
           </p:cNvPicPr>
@@ -10122,8 +10209,8 @@
         </p:blipFill>
         <p:spPr>
           <a:xfrm>
-            <a:off x="3656856" y="1901697"/>
-            <a:ext cx="4945809" cy="4534293"/>
+            <a:off x="1352600" y="2086808"/>
+            <a:ext cx="2491956" cy="3520745"/>
           </a:xfrm>
           <a:prstGeom prst="rect">
             <a:avLst/>
@@ -10137,10 +10224,59 @@
           </a:ln>
         </p:spPr>
       </p:pic>
+      <p:sp>
+        <p:nvSpPr>
+          <p:cNvPr id="8" name="TextBox 7"/>
+          <p:cNvSpPr txBox="1"/>
+          <p:nvPr/>
+        </p:nvSpPr>
+        <p:spPr>
+          <a:xfrm>
+            <a:off x="6249144" y="2564904"/>
+            <a:ext cx="2016224" cy="374571"/>
+          </a:xfrm>
+          <a:prstGeom prst="roundRect">
+            <a:avLst/>
+          </a:prstGeom>
+          <a:ln w="19050"/>
+        </p:spPr>
+        <p:style>
+          <a:lnRef idx="2">
+            <a:schemeClr val="accent1"/>
+          </a:lnRef>
+          <a:fillRef idx="1">
+            <a:schemeClr val="lt1"/>
+          </a:fillRef>
+          <a:effectRef idx="0">
+            <a:schemeClr val="accent1"/>
+          </a:effectRef>
+          <a:fontRef idx="minor">
+            <a:schemeClr val="dk1"/>
+          </a:fontRef>
+        </p:style>
+        <p:txBody>
+          <a:bodyPr wrap="square" rtlCol="0">
+            <a:spAutoFit/>
+          </a:bodyPr>
+          <a:lstStyle/>
+          <a:p>
+            <a:pPr algn="ctr"/>
+            <a:r>
+              <a:rPr lang="en-US" altLang="ko-KR" sz="1600" dirty="0" smtClean="0"/>
+              <a:t>j</a:t>
+            </a:r>
+            <a:r>
+              <a:rPr lang="en-US" altLang="ko-KR" sz="1600" dirty="0" smtClean="0"/>
+              <a:t>q_animate1.html</a:t>
+            </a:r>
+            <a:endParaRPr lang="ko-KR" altLang="en-US" sz="1600" dirty="0"/>
+          </a:p>
+        </p:txBody>
+      </p:sp>
     </p:spTree>
     <p:extLst>
       <p:ext uri="{BB962C8B-B14F-4D97-AF65-F5344CB8AC3E}">
-        <p14:creationId xmlns:p14="http://schemas.microsoft.com/office/powerpoint/2010/main" val="694620542"/>
+        <p14:creationId xmlns:p14="http://schemas.microsoft.com/office/powerpoint/2010/main" val="3905175203"/>
       </p:ext>
     </p:extLst>
   </p:cSld>
@@ -10198,12 +10334,8 @@
           <a:p>
             <a:pPr algn="ctr"/>
             <a:r>
-              <a:rPr lang="en-US" altLang="ko-KR" sz="2800" dirty="0" err="1" smtClean="0"/>
-              <a:t>Swiper</a:t>
-            </a:r>
-            <a:r>
               <a:rPr lang="en-US" altLang="ko-KR" sz="2800" dirty="0" smtClean="0"/>
-              <a:t> </a:t>
+              <a:t>jQuery </a:t>
             </a:r>
             <a:r>
               <a:rPr lang="ko-KR" altLang="en-US" sz="2800" dirty="0" smtClean="0"/>
@@ -10248,7 +10380,7 @@
         <p:spPr>
           <a:xfrm>
             <a:off x="848544" y="1299456"/>
-            <a:ext cx="8568952" cy="454292"/>
+            <a:ext cx="8568952" cy="507831"/>
           </a:xfrm>
           <a:prstGeom prst="rect">
             <a:avLst/>
@@ -10267,24 +10399,16 @@
               </a:lnSpc>
             </a:pPr>
             <a:r>
-              <a:rPr lang="en-US" altLang="ko-KR" b="1" dirty="0" err="1" smtClean="0"/>
-              <a:t>Swiper</a:t>
+              <a:rPr lang="en-US" altLang="ko-KR" b="1" dirty="0"/>
+              <a:t>a</a:t>
             </a:r>
             <a:r>
               <a:rPr lang="en-US" altLang="ko-KR" b="1" dirty="0" smtClean="0"/>
-              <a:t> – </a:t>
-            </a:r>
-            <a:r>
-              <a:rPr lang="ko-KR" altLang="en-US" b="1" dirty="0" smtClean="0"/>
-              <a:t>이미지 슬라이드</a:t>
+              <a:t>nimate(), stop</a:t>
             </a:r>
             <a:r>
               <a:rPr lang="en-US" altLang="ko-KR" b="1" dirty="0" smtClean="0"/>
-              <a:t>, </a:t>
-            </a:r>
-            <a:r>
-              <a:rPr lang="ko-KR" altLang="en-US" b="1" dirty="0" err="1" smtClean="0"/>
-              <a:t>페이징</a:t>
+              <a:t>(), delay()</a:t>
             </a:r>
             <a:endParaRPr lang="en-US" altLang="ko-KR" b="1" dirty="0" smtClean="0"/>
           </a:p>
@@ -10292,7 +10416,7 @@
       </p:sp>
       <p:pic>
         <p:nvPicPr>
-          <p:cNvPr id="7" name="그림 6"/>
+          <p:cNvPr id="8" name="그림 7"/>
           <p:cNvPicPr>
             <a:picLocks noChangeAspect="1"/>
           </p:cNvPicPr>
@@ -10312,18 +10436,25 @@
         </p:blipFill>
         <p:spPr>
           <a:xfrm>
-            <a:off x="848544" y="1916832"/>
-            <a:ext cx="8280920" cy="3227403"/>
+            <a:off x="1318798" y="1916832"/>
+            <a:ext cx="5509737" cy="3482642"/>
           </a:xfrm>
           <a:prstGeom prst="rect">
             <a:avLst/>
           </a:prstGeom>
+          <a:ln>
+            <a:solidFill>
+              <a:schemeClr val="bg1">
+                <a:lumMod val="85000"/>
+              </a:schemeClr>
+            </a:solidFill>
+          </a:ln>
         </p:spPr>
       </p:pic>
     </p:spTree>
     <p:extLst>
       <p:ext uri="{BB962C8B-B14F-4D97-AF65-F5344CB8AC3E}">
-        <p14:creationId xmlns:p14="http://schemas.microsoft.com/office/powerpoint/2010/main" val="439261856"/>
+        <p14:creationId xmlns:p14="http://schemas.microsoft.com/office/powerpoint/2010/main" val="694620542"/>
       </p:ext>
     </p:extLst>
   </p:cSld>
@@ -10381,12 +10512,8 @@
           <a:p>
             <a:pPr algn="ctr"/>
             <a:r>
-              <a:rPr lang="en-US" altLang="ko-KR" sz="2800" dirty="0" err="1" smtClean="0"/>
-              <a:t>Swiper</a:t>
-            </a:r>
-            <a:r>
               <a:rPr lang="en-US" altLang="ko-KR" sz="2800" dirty="0" smtClean="0"/>
-              <a:t> </a:t>
+              <a:t>jQuery </a:t>
             </a:r>
             <a:r>
               <a:rPr lang="ko-KR" altLang="en-US" sz="2800" dirty="0" smtClean="0"/>
@@ -10422,83 +10549,46 @@
           </a:p>
         </p:txBody>
       </p:sp>
-      <p:sp>
-        <p:nvSpPr>
-          <p:cNvPr id="5" name="TextBox 4"/>
-          <p:cNvSpPr txBox="1"/>
+      <p:pic>
+        <p:nvPicPr>
+          <p:cNvPr id="3" name="그림 2"/>
+          <p:cNvPicPr>
+            <a:picLocks noChangeAspect="1"/>
+          </p:cNvPicPr>
           <p:nvPr/>
-        </p:nvSpPr>
-        <p:spPr>
-          <a:xfrm>
-            <a:off x="848544" y="1299456"/>
-            <a:ext cx="8568952" cy="923330"/>
+        </p:nvPicPr>
+        <p:blipFill>
+          <a:blip r:embed="rId2">
+            <a:extLst>
+              <a:ext uri="{28A0092B-C50C-407E-A947-70E740481C1C}">
+                <a14:useLocalDpi xmlns:a14="http://schemas.microsoft.com/office/drawing/2010/main" val="0"/>
+              </a:ext>
+            </a:extLst>
+          </a:blip>
+          <a:stretch>
+            <a:fillRect/>
+          </a:stretch>
+        </p:blipFill>
+        <p:spPr>
+          <a:xfrm>
+            <a:off x="1712640" y="1556792"/>
+            <a:ext cx="1691787" cy="4198984"/>
           </a:xfrm>
           <a:prstGeom prst="rect">
             <a:avLst/>
           </a:prstGeom>
-          <a:noFill/>
-        </p:spPr>
-        <p:txBody>
-          <a:bodyPr wrap="square" rtlCol="0">
-            <a:spAutoFit/>
-          </a:bodyPr>
-          <a:lstStyle/>
-          <a:p>
-            <a:pPr>
-              <a:lnSpc>
-                <a:spcPct val="150000"/>
-              </a:lnSpc>
-            </a:pPr>
-            <a:r>
-              <a:rPr lang="en-US" altLang="ko-KR" b="1" dirty="0" err="1" smtClean="0"/>
-              <a:t>Swiper</a:t>
-            </a:r>
-            <a:r>
-              <a:rPr lang="en-US" altLang="ko-KR" b="1" dirty="0" smtClean="0"/>
-              <a:t> </a:t>
-            </a:r>
-            <a:r>
-              <a:rPr lang="ko-KR" altLang="en-US" b="1" dirty="0" smtClean="0"/>
-              <a:t>사이트 </a:t>
-            </a:r>
-            <a:r>
-              <a:rPr lang="en-US" altLang="ko-KR" b="1" dirty="0" smtClean="0"/>
-              <a:t>&gt; </a:t>
-            </a:r>
-            <a:r>
-              <a:rPr lang="en-US" altLang="ko-KR" b="1" dirty="0"/>
-              <a:t>Demos : </a:t>
-            </a:r>
-            <a:r>
-              <a:rPr lang="en-US" altLang="ko-KR" b="1" dirty="0">
-                <a:hlinkClick r:id="rId2"/>
-              </a:rPr>
-              <a:t>https://</a:t>
-            </a:r>
-            <a:r>
-              <a:rPr lang="en-US" altLang="ko-KR" b="1" dirty="0" smtClean="0">
-                <a:hlinkClick r:id="rId2"/>
-              </a:rPr>
-              <a:t>swiperjs.com/demos</a:t>
-            </a:r>
-            <a:endParaRPr lang="en-US" altLang="ko-KR" b="1" dirty="0" smtClean="0"/>
-          </a:p>
-          <a:p>
-            <a:pPr>
-              <a:lnSpc>
-                <a:spcPct val="150000"/>
-              </a:lnSpc>
-            </a:pPr>
-            <a:r>
-              <a:rPr lang="en-US" altLang="ko-KR" b="1" dirty="0" smtClean="0"/>
-              <a:t>Pagination &gt; core &gt; copy </a:t>
-            </a:r>
-          </a:p>
-        </p:txBody>
-      </p:sp>
+          <a:ln>
+            <a:solidFill>
+              <a:schemeClr val="bg1">
+                <a:lumMod val="85000"/>
+              </a:schemeClr>
+            </a:solidFill>
+          </a:ln>
+        </p:spPr>
+      </p:pic>
       <p:pic>
         <p:nvPicPr>
-          <p:cNvPr id="3" name="그림 2"/>
+          <p:cNvPr id="6" name="그림 5"/>
           <p:cNvPicPr>
             <a:picLocks noChangeAspect="1"/>
           </p:cNvPicPr>
@@ -10518,8 +10608,8 @@
         </p:blipFill>
         <p:spPr>
           <a:xfrm>
-            <a:off x="1146521" y="2276872"/>
-            <a:ext cx="7566326" cy="4248472"/>
+            <a:off x="3944888" y="2852936"/>
+            <a:ext cx="5082980" cy="1981372"/>
           </a:xfrm>
           <a:prstGeom prst="rect">
             <a:avLst/>
@@ -10533,10 +10623,59 @@
           </a:ln>
         </p:spPr>
       </p:pic>
+      <p:sp>
+        <p:nvSpPr>
+          <p:cNvPr id="9" name="TextBox 8"/>
+          <p:cNvSpPr txBox="1"/>
+          <p:nvPr/>
+        </p:nvSpPr>
+        <p:spPr>
+          <a:xfrm>
+            <a:off x="6837209" y="2348880"/>
+            <a:ext cx="2016224" cy="374571"/>
+          </a:xfrm>
+          <a:prstGeom prst="roundRect">
+            <a:avLst/>
+          </a:prstGeom>
+          <a:ln w="19050"/>
+        </p:spPr>
+        <p:style>
+          <a:lnRef idx="2">
+            <a:schemeClr val="accent1"/>
+          </a:lnRef>
+          <a:fillRef idx="1">
+            <a:schemeClr val="lt1"/>
+          </a:fillRef>
+          <a:effectRef idx="0">
+            <a:schemeClr val="accent1"/>
+          </a:effectRef>
+          <a:fontRef idx="minor">
+            <a:schemeClr val="dk1"/>
+          </a:fontRef>
+        </p:style>
+        <p:txBody>
+          <a:bodyPr wrap="square" rtlCol="0">
+            <a:spAutoFit/>
+          </a:bodyPr>
+          <a:lstStyle/>
+          <a:p>
+            <a:pPr algn="ctr"/>
+            <a:r>
+              <a:rPr lang="en-US" altLang="ko-KR" sz="1600" dirty="0" smtClean="0"/>
+              <a:t>j</a:t>
+            </a:r>
+            <a:r>
+              <a:rPr lang="en-US" altLang="ko-KR" sz="1600" dirty="0" smtClean="0"/>
+              <a:t>q_animate2.html</a:t>
+            </a:r>
+            <a:endParaRPr lang="ko-KR" altLang="en-US" sz="1600" dirty="0"/>
+          </a:p>
+        </p:txBody>
+      </p:sp>
     </p:spTree>
     <p:extLst>
       <p:ext uri="{BB962C8B-B14F-4D97-AF65-F5344CB8AC3E}">
-        <p14:creationId xmlns:p14="http://schemas.microsoft.com/office/powerpoint/2010/main" val="2050710687"/>
+        <p14:creationId xmlns:p14="http://schemas.microsoft.com/office/powerpoint/2010/main" val="1741522062"/>
       </p:ext>
     </p:extLst>
   </p:cSld>
@@ -10594,12 +10733,8 @@
           <a:p>
             <a:pPr algn="ctr"/>
             <a:r>
-              <a:rPr lang="en-US" altLang="ko-KR" sz="2800" dirty="0" err="1" smtClean="0"/>
-              <a:t>Swiper</a:t>
-            </a:r>
-            <a:r>
               <a:rPr lang="en-US" altLang="ko-KR" sz="2800" dirty="0" smtClean="0"/>
-              <a:t> </a:t>
+              <a:t>jQuery </a:t>
             </a:r>
             <a:r>
               <a:rPr lang="ko-KR" altLang="en-US" sz="2800" dirty="0" smtClean="0"/>
@@ -10637,7 +10772,7 @@
       </p:sp>
       <p:pic>
         <p:nvPicPr>
-          <p:cNvPr id="6" name="그림 5"/>
+          <p:cNvPr id="5" name="그림 4"/>
           <p:cNvPicPr>
             <a:picLocks noChangeAspect="1"/>
           </p:cNvPicPr>
@@ -10657,8 +10792,8 @@
         </p:blipFill>
         <p:spPr>
           <a:xfrm>
-            <a:off x="1640632" y="1196751"/>
-            <a:ext cx="3096344" cy="5533628"/>
+            <a:off x="1280592" y="1700808"/>
+            <a:ext cx="7254869" cy="3703641"/>
           </a:xfrm>
           <a:prstGeom prst="rect">
             <a:avLst/>
@@ -10672,47 +10807,10 @@
           </a:ln>
         </p:spPr>
       </p:pic>
-      <p:pic>
-        <p:nvPicPr>
-          <p:cNvPr id="7" name="그림 6"/>
-          <p:cNvPicPr>
-            <a:picLocks noChangeAspect="1"/>
-          </p:cNvPicPr>
-          <p:nvPr/>
-        </p:nvPicPr>
-        <p:blipFill>
-          <a:blip r:embed="rId3">
-            <a:extLst>
-              <a:ext uri="{28A0092B-C50C-407E-A947-70E740481C1C}">
-                <a14:useLocalDpi xmlns:a14="http://schemas.microsoft.com/office/drawing/2010/main" val="0"/>
-              </a:ext>
-            </a:extLst>
-          </a:blip>
-          <a:stretch>
-            <a:fillRect/>
-          </a:stretch>
-        </p:blipFill>
-        <p:spPr>
-          <a:xfrm>
-            <a:off x="5212804" y="1556792"/>
-            <a:ext cx="3535987" cy="4572397"/>
-          </a:xfrm>
-          <a:prstGeom prst="rect">
-            <a:avLst/>
-          </a:prstGeom>
-          <a:ln>
-            <a:solidFill>
-              <a:schemeClr val="bg1">
-                <a:lumMod val="85000"/>
-              </a:schemeClr>
-            </a:solidFill>
-          </a:ln>
-        </p:spPr>
-      </p:pic>
     </p:spTree>
     <p:extLst>
       <p:ext uri="{BB962C8B-B14F-4D97-AF65-F5344CB8AC3E}">
-        <p14:creationId xmlns:p14="http://schemas.microsoft.com/office/powerpoint/2010/main" val="4145801961"/>
+        <p14:creationId xmlns:p14="http://schemas.microsoft.com/office/powerpoint/2010/main" val="14509241"/>
       </p:ext>
     </p:extLst>
   </p:cSld>
@@ -10770,8 +10868,12 @@
           <a:p>
             <a:pPr algn="ctr"/>
             <a:r>
-              <a:rPr lang="en-US" altLang="ko-KR" sz="2800" dirty="0" err="1" smtClean="0"/>
-              <a:t>Swiper</a:t>
+              <a:rPr lang="ko-KR" altLang="en-US" sz="2800" dirty="0" smtClean="0"/>
+              <a:t>스크</a:t>
+            </a:r>
+            <a:r>
+              <a:rPr lang="ko-KR" altLang="en-US" sz="2800" dirty="0"/>
+              <a:t>롤</a:t>
             </a:r>
             <a:r>
               <a:rPr lang="en-US" altLang="ko-KR" sz="2800" dirty="0" smtClean="0"/>
@@ -10779,12 +10881,13 @@
             </a:r>
             <a:r>
               <a:rPr lang="ko-KR" altLang="en-US" sz="2800" dirty="0" smtClean="0"/>
-              <a:t>효</a:t>
-            </a:r>
-            <a:r>
-              <a:rPr lang="ko-KR" altLang="en-US" sz="2800" dirty="0"/>
-              <a:t>과</a:t>
-            </a:r>
+              <a:t>관련 </a:t>
+            </a:r>
+            <a:r>
+              <a:rPr lang="ko-KR" altLang="en-US" sz="2800" dirty="0" err="1" smtClean="0"/>
+              <a:t>메서드</a:t>
+            </a:r>
+            <a:endParaRPr lang="ko-KR" altLang="en-US" sz="2800" dirty="0"/>
           </a:p>
         </p:txBody>
       </p:sp>
@@ -10811,47 +10914,563 @@
           </a:p>
         </p:txBody>
       </p:sp>
-      <p:pic>
-        <p:nvPicPr>
-          <p:cNvPr id="3" name="그림 2"/>
-          <p:cNvPicPr>
-            <a:picLocks noChangeAspect="1"/>
-          </p:cNvPicPr>
-          <p:nvPr/>
-        </p:nvPicPr>
-        <p:blipFill>
-          <a:blip r:embed="rId2">
-            <a:extLst>
-              <a:ext uri="{28A0092B-C50C-407E-A947-70E740481C1C}">
-                <a14:useLocalDpi xmlns:a14="http://schemas.microsoft.com/office/drawing/2010/main" val="0"/>
-              </a:ext>
-            </a:extLst>
-          </a:blip>
-          <a:stretch>
-            <a:fillRect/>
-          </a:stretch>
-        </p:blipFill>
-        <p:spPr>
-          <a:xfrm>
-            <a:off x="1568624" y="1135773"/>
-            <a:ext cx="6391553" cy="5317563"/>
-          </a:xfrm>
-          <a:prstGeom prst="rect">
-            <a:avLst/>
-          </a:prstGeom>
-          <a:ln>
-            <a:solidFill>
-              <a:schemeClr val="bg1">
-                <a:lumMod val="85000"/>
-              </a:schemeClr>
-            </a:solidFill>
-          </a:ln>
-        </p:spPr>
-      </p:pic>
+      <p:graphicFrame>
+        <p:nvGraphicFramePr>
+          <p:cNvPr id="12" name="표 11"/>
+          <p:cNvGraphicFramePr>
+            <a:graphicFrameLocks noGrp="1"/>
+          </p:cNvGraphicFramePr>
+          <p:nvPr>
+            <p:extLst/>
+          </p:nvPr>
+        </p:nvGraphicFramePr>
+        <p:xfrm>
+          <a:off x="920552" y="1484784"/>
+          <a:ext cx="8424937" cy="2476275"/>
+        </p:xfrm>
+        <a:graphic>
+          <a:graphicData uri="http://schemas.openxmlformats.org/drawingml/2006/table">
+            <a:tbl>
+              <a:tblPr firstRow="1" bandRow="1">
+                <a:tableStyleId>{5940675A-B579-460E-94D1-54222C63F5DA}</a:tableStyleId>
+              </a:tblPr>
+              <a:tblGrid>
+                <a:gridCol w="1512168">
+                  <a:extLst>
+                    <a:ext uri="{9D8B030D-6E8A-4147-A177-3AD203B41FA5}">
+                      <a16:colId xmlns:a16="http://schemas.microsoft.com/office/drawing/2014/main" val="20000"/>
+                    </a:ext>
+                  </a:extLst>
+                </a:gridCol>
+                <a:gridCol w="2566572">
+                  <a:extLst>
+                    <a:ext uri="{9D8B030D-6E8A-4147-A177-3AD203B41FA5}">
+                      <a16:colId xmlns:a16="http://schemas.microsoft.com/office/drawing/2014/main" val="20001"/>
+                    </a:ext>
+                  </a:extLst>
+                </a:gridCol>
+                <a:gridCol w="4346197">
+                  <a:extLst>
+                    <a:ext uri="{9D8B030D-6E8A-4147-A177-3AD203B41FA5}">
+                      <a16:colId xmlns:a16="http://schemas.microsoft.com/office/drawing/2014/main" val="20002"/>
+                    </a:ext>
+                  </a:extLst>
+                </a:gridCol>
+              </a:tblGrid>
+              <a:tr h="495255">
+                <a:tc>
+                  <a:txBody>
+                    <a:bodyPr/>
+                    <a:lstStyle/>
+                    <a:p>
+                      <a:pPr algn="ctr" latinLnBrk="1"/>
+                      <a:r>
+                        <a:rPr lang="ko-KR" altLang="en-US" sz="1600" dirty="0" err="1" smtClean="0"/>
+                        <a:t>메서드</a:t>
+                      </a:r>
+                      <a:r>
+                        <a:rPr lang="ko-KR" altLang="en-US" sz="1600" dirty="0" smtClean="0"/>
+                        <a:t> 종류</a:t>
+                      </a:r>
+                      <a:endParaRPr lang="ko-KR" altLang="en-US" sz="1600" dirty="0"/>
+                    </a:p>
+                  </a:txBody>
+                  <a:tcPr anchor="ctr">
+                    <a:lnL w="12700" cmpd="sng">
+                      <a:noFill/>
+                    </a:lnL>
+                    <a:solidFill>
+                      <a:schemeClr val="bg1">
+                        <a:lumMod val="95000"/>
+                      </a:schemeClr>
+                    </a:solidFill>
+                  </a:tcPr>
+                </a:tc>
+                <a:tc>
+                  <a:txBody>
+                    <a:bodyPr/>
+                    <a:lstStyle/>
+                    <a:p>
+                      <a:pPr algn="ctr" latinLnBrk="1"/>
+                      <a:r>
+                        <a:rPr lang="ko-KR" altLang="en-US" sz="1600" dirty="0" smtClean="0"/>
+                        <a:t>표기</a:t>
+                      </a:r>
+                      <a:endParaRPr lang="ko-KR" altLang="en-US" sz="1600" dirty="0"/>
+                    </a:p>
+                  </a:txBody>
+                  <a:tcPr anchor="ctr">
+                    <a:solidFill>
+                      <a:schemeClr val="bg1">
+                        <a:lumMod val="95000"/>
+                      </a:schemeClr>
+                    </a:solidFill>
+                  </a:tcPr>
+                </a:tc>
+                <a:tc>
+                  <a:txBody>
+                    <a:bodyPr/>
+                    <a:lstStyle/>
+                    <a:p>
+                      <a:pPr algn="ctr" latinLnBrk="1"/>
+                      <a:r>
+                        <a:rPr lang="ko-KR" altLang="en-US" sz="1600" dirty="0" smtClean="0"/>
+                        <a:t>설명</a:t>
+                      </a:r>
+                      <a:endParaRPr lang="ko-KR" altLang="en-US" sz="1600" dirty="0"/>
+                    </a:p>
+                  </a:txBody>
+                  <a:tcPr anchor="ctr">
+                    <a:lnR w="12700" cmpd="sng">
+                      <a:noFill/>
+                    </a:lnR>
+                    <a:solidFill>
+                      <a:schemeClr val="bg1">
+                        <a:lumMod val="95000"/>
+                      </a:schemeClr>
+                    </a:solidFill>
+                  </a:tcPr>
+                </a:tc>
+                <a:extLst>
+                  <a:ext uri="{0D108BD9-81ED-4DB2-BD59-A6C34878D82A}">
+                    <a16:rowId xmlns:a16="http://schemas.microsoft.com/office/drawing/2014/main" val="10000"/>
+                  </a:ext>
+                </a:extLst>
+              </a:tr>
+              <a:tr h="495255">
+                <a:tc rowSpan="2">
+                  <a:txBody>
+                    <a:bodyPr/>
+                    <a:lstStyle/>
+                    <a:p>
+                      <a:pPr algn="l" latinLnBrk="1"/>
+                      <a:r>
+                        <a:rPr lang="en-US" altLang="ko-KR" sz="1600" dirty="0" err="1" smtClean="0"/>
+                        <a:t>scrollTop</a:t>
+                      </a:r>
+                      <a:r>
+                        <a:rPr lang="en-US" altLang="ko-KR" sz="1600" dirty="0" smtClean="0"/>
+                        <a:t>()</a:t>
+                      </a:r>
+                    </a:p>
+                  </a:txBody>
+                  <a:tcPr anchor="ctr">
+                    <a:lnL w="12700" cmpd="sng">
+                      <a:noFill/>
+                    </a:lnL>
+                  </a:tcPr>
+                </a:tc>
+                <a:tc>
+                  <a:txBody>
+                    <a:bodyPr/>
+                    <a:lstStyle/>
+                    <a:p>
+                      <a:pPr algn="l" latinLnBrk="1"/>
+                      <a:r>
+                        <a:rPr lang="en-US" altLang="ko-KR" sz="1600" dirty="0" smtClean="0"/>
+                        <a:t>$(“div”).</a:t>
+                      </a:r>
+                      <a:r>
+                        <a:rPr lang="en-US" altLang="ko-KR" sz="1600" dirty="0" err="1" smtClean="0"/>
+                        <a:t>scrollTop</a:t>
+                      </a:r>
+                      <a:r>
+                        <a:rPr lang="en-US" altLang="ko-KR" sz="1600" dirty="0" smtClean="0"/>
+                        <a:t>()</a:t>
+                      </a:r>
+                    </a:p>
+                  </a:txBody>
+                  <a:tcPr anchor="ctr"/>
+                </a:tc>
+                <a:tc>
+                  <a:txBody>
+                    <a:bodyPr/>
+                    <a:lstStyle/>
+                    <a:p>
+                      <a:pPr algn="l" latinLnBrk="1"/>
+                      <a:r>
+                        <a:rPr lang="en-US" altLang="ko-KR" sz="1600" dirty="0" smtClean="0"/>
+                        <a:t>div</a:t>
+                      </a:r>
+                      <a:r>
+                        <a:rPr lang="en-US" altLang="ko-KR" sz="1600" baseline="0" dirty="0" smtClean="0"/>
+                        <a:t> </a:t>
+                      </a:r>
+                      <a:r>
+                        <a:rPr lang="ko-KR" altLang="en-US" sz="1600" baseline="0" dirty="0" smtClean="0"/>
+                        <a:t>요소의 </a:t>
+                      </a:r>
+                      <a:r>
+                        <a:rPr lang="en-US" altLang="ko-KR" sz="1600" baseline="0" dirty="0" err="1" smtClean="0"/>
+                        <a:t>scrollTop</a:t>
+                      </a:r>
+                      <a:r>
+                        <a:rPr lang="en-US" altLang="ko-KR" sz="1600" baseline="0" dirty="0" smtClean="0"/>
+                        <a:t> </a:t>
+                      </a:r>
+                      <a:r>
+                        <a:rPr lang="ko-KR" altLang="en-US" sz="1600" baseline="0" dirty="0" smtClean="0"/>
+                        <a:t>값을 취득함</a:t>
+                      </a:r>
+                      <a:endParaRPr lang="ko-KR" altLang="en-US" sz="1600" dirty="0"/>
+                    </a:p>
+                  </a:txBody>
+                  <a:tcPr anchor="ctr">
+                    <a:lnR w="12700" cmpd="sng">
+                      <a:noFill/>
+                    </a:lnR>
+                  </a:tcPr>
+                </a:tc>
+                <a:extLst>
+                  <a:ext uri="{0D108BD9-81ED-4DB2-BD59-A6C34878D82A}">
+                    <a16:rowId xmlns:a16="http://schemas.microsoft.com/office/drawing/2014/main" val="10001"/>
+                  </a:ext>
+                </a:extLst>
+              </a:tr>
+              <a:tr h="495255">
+                <a:tc vMerge="1">
+                  <a:txBody>
+                    <a:bodyPr/>
+                    <a:lstStyle/>
+                    <a:p>
+                      <a:pPr algn="l" latinLnBrk="1"/>
+                      <a:endParaRPr lang="en-US" altLang="ko-KR" sz="1600" dirty="0" smtClean="0"/>
+                    </a:p>
+                  </a:txBody>
+                  <a:tcPr anchor="ctr">
+                    <a:lnL w="12700" cmpd="sng">
+                      <a:noFill/>
+                    </a:lnL>
+                  </a:tcPr>
+                </a:tc>
+                <a:tc>
+                  <a:txBody>
+                    <a:bodyPr/>
+                    <a:lstStyle/>
+                    <a:p>
+                      <a:pPr marL="0" marR="0" indent="0" algn="l" defTabSz="914400" rtl="0" eaLnBrk="1" fontAlgn="auto" latinLnBrk="1" hangingPunct="1">
+                        <a:lnSpc>
+                          <a:spcPct val="100000"/>
+                        </a:lnSpc>
+                        <a:spcBef>
+                          <a:spcPts val="0"/>
+                        </a:spcBef>
+                        <a:spcAft>
+                          <a:spcPts val="0"/>
+                        </a:spcAft>
+                        <a:buClrTx/>
+                        <a:buSzTx/>
+                        <a:buFontTx/>
+                        <a:buNone/>
+                        <a:tabLst/>
+                        <a:defRPr/>
+                      </a:pPr>
+                      <a:r>
+                        <a:rPr lang="en-US" altLang="ko-KR" sz="1600" dirty="0" smtClean="0"/>
+                        <a:t>$(“div”).</a:t>
+                      </a:r>
+                      <a:r>
+                        <a:rPr lang="en-US" altLang="ko-KR" sz="1600" dirty="0" err="1" smtClean="0"/>
+                        <a:t>scrollTop</a:t>
+                      </a:r>
+                      <a:r>
+                        <a:rPr lang="en-US" altLang="ko-KR" sz="1600" dirty="0" smtClean="0"/>
+                        <a:t>(100)</a:t>
+                      </a:r>
+                    </a:p>
+                  </a:txBody>
+                  <a:tcPr anchor="ctr"/>
+                </a:tc>
+                <a:tc>
+                  <a:txBody>
+                    <a:bodyPr/>
+                    <a:lstStyle/>
+                    <a:p>
+                      <a:pPr marL="0" marR="0" indent="0" algn="l" defTabSz="914400" rtl="0" eaLnBrk="1" fontAlgn="auto" latinLnBrk="1" hangingPunct="1">
+                        <a:lnSpc>
+                          <a:spcPct val="100000"/>
+                        </a:lnSpc>
+                        <a:spcBef>
+                          <a:spcPts val="0"/>
+                        </a:spcBef>
+                        <a:spcAft>
+                          <a:spcPts val="0"/>
+                        </a:spcAft>
+                        <a:buClrTx/>
+                        <a:buSzTx/>
+                        <a:buFontTx/>
+                        <a:buNone/>
+                        <a:tabLst/>
+                        <a:defRPr/>
+                      </a:pPr>
+                      <a:r>
+                        <a:rPr lang="en-US" altLang="ko-KR" sz="1600" dirty="0" smtClean="0"/>
+                        <a:t>div</a:t>
+                      </a:r>
+                      <a:r>
+                        <a:rPr lang="en-US" altLang="ko-KR" sz="1600" baseline="0" dirty="0" smtClean="0"/>
+                        <a:t> </a:t>
+                      </a:r>
+                      <a:r>
+                        <a:rPr lang="ko-KR" altLang="en-US" sz="1600" baseline="0" dirty="0" smtClean="0"/>
+                        <a:t>요소의 </a:t>
+                      </a:r>
+                      <a:r>
+                        <a:rPr lang="en-US" altLang="ko-KR" sz="1600" baseline="0" dirty="0" err="1" smtClean="0"/>
+                        <a:t>scrollTop</a:t>
+                      </a:r>
+                      <a:r>
+                        <a:rPr lang="en-US" altLang="ko-KR" sz="1600" baseline="0" dirty="0" smtClean="0"/>
+                        <a:t> </a:t>
+                      </a:r>
+                      <a:r>
+                        <a:rPr lang="ko-KR" altLang="en-US" sz="1600" baseline="0" dirty="0" smtClean="0"/>
+                        <a:t>값을 </a:t>
+                      </a:r>
+                      <a:r>
+                        <a:rPr lang="en-US" altLang="ko-KR" sz="1600" baseline="0" dirty="0" smtClean="0"/>
+                        <a:t>100</a:t>
+                      </a:r>
+                      <a:r>
+                        <a:rPr lang="ko-KR" altLang="en-US" sz="1600" baseline="0" dirty="0" smtClean="0"/>
+                        <a:t>으로 변경함</a:t>
+                      </a:r>
+                      <a:endParaRPr lang="ko-KR" altLang="en-US" sz="1600" dirty="0" smtClean="0"/>
+                    </a:p>
+                  </a:txBody>
+                  <a:tcPr anchor="ctr">
+                    <a:lnR w="12700" cmpd="sng">
+                      <a:noFill/>
+                    </a:lnR>
+                  </a:tcPr>
+                </a:tc>
+                <a:extLst>
+                  <a:ext uri="{0D108BD9-81ED-4DB2-BD59-A6C34878D82A}">
+                    <a16:rowId xmlns:a16="http://schemas.microsoft.com/office/drawing/2014/main" val="10002"/>
+                  </a:ext>
+                </a:extLst>
+              </a:tr>
+              <a:tr h="495255">
+                <a:tc rowSpan="2">
+                  <a:txBody>
+                    <a:bodyPr/>
+                    <a:lstStyle/>
+                    <a:p>
+                      <a:pPr algn="l" latinLnBrk="1"/>
+                      <a:r>
+                        <a:rPr lang="en-US" altLang="ko-KR" sz="1600" dirty="0" err="1" smtClean="0"/>
+                        <a:t>scrollLeft</a:t>
+                      </a:r>
+                      <a:r>
+                        <a:rPr lang="en-US" altLang="ko-KR" sz="1600" dirty="0" smtClean="0"/>
+                        <a:t>()</a:t>
+                      </a:r>
+                    </a:p>
+                  </a:txBody>
+                  <a:tcPr anchor="ctr">
+                    <a:lnL w="12700" cmpd="sng">
+                      <a:noFill/>
+                    </a:lnL>
+                  </a:tcPr>
+                </a:tc>
+                <a:tc>
+                  <a:txBody>
+                    <a:bodyPr/>
+                    <a:lstStyle/>
+                    <a:p>
+                      <a:pPr algn="l" latinLnBrk="1"/>
+                      <a:r>
+                        <a:rPr lang="en-US" altLang="ko-KR" sz="1600" dirty="0" smtClean="0"/>
+                        <a:t>$(“div”).</a:t>
+                      </a:r>
+                      <a:r>
+                        <a:rPr lang="en-US" altLang="ko-KR" sz="1600" dirty="0" err="1" smtClean="0"/>
+                        <a:t>scrollLeft</a:t>
+                      </a:r>
+                      <a:r>
+                        <a:rPr lang="en-US" altLang="ko-KR" sz="1600" dirty="0" smtClean="0"/>
+                        <a:t>()</a:t>
+                      </a:r>
+                    </a:p>
+                  </a:txBody>
+                  <a:tcPr anchor="ctr"/>
+                </a:tc>
+                <a:tc>
+                  <a:txBody>
+                    <a:bodyPr/>
+                    <a:lstStyle/>
+                    <a:p>
+                      <a:pPr algn="l" latinLnBrk="1"/>
+                      <a:r>
+                        <a:rPr lang="en-US" altLang="ko-KR" sz="1600" dirty="0" smtClean="0"/>
+                        <a:t>div</a:t>
+                      </a:r>
+                      <a:r>
+                        <a:rPr lang="en-US" altLang="ko-KR" sz="1600" baseline="0" dirty="0" smtClean="0"/>
+                        <a:t> </a:t>
+                      </a:r>
+                      <a:r>
+                        <a:rPr lang="ko-KR" altLang="en-US" sz="1600" baseline="0" dirty="0" smtClean="0"/>
+                        <a:t>요소의 </a:t>
+                      </a:r>
+                      <a:r>
+                        <a:rPr lang="en-US" altLang="ko-KR" sz="1600" baseline="0" dirty="0" err="1" smtClean="0"/>
+                        <a:t>scrollLeft</a:t>
+                      </a:r>
+                      <a:r>
+                        <a:rPr lang="en-US" altLang="ko-KR" sz="1600" baseline="0" dirty="0" smtClean="0"/>
+                        <a:t> </a:t>
+                      </a:r>
+                      <a:r>
+                        <a:rPr lang="ko-KR" altLang="en-US" sz="1600" baseline="0" dirty="0" smtClean="0"/>
+                        <a:t>값을 취득함</a:t>
+                      </a:r>
+                      <a:endParaRPr lang="ko-KR" altLang="en-US" sz="1600" dirty="0"/>
+                    </a:p>
+                  </a:txBody>
+                  <a:tcPr anchor="ctr">
+                    <a:lnR w="12700" cmpd="sng">
+                      <a:noFill/>
+                    </a:lnR>
+                  </a:tcPr>
+                </a:tc>
+                <a:extLst>
+                  <a:ext uri="{0D108BD9-81ED-4DB2-BD59-A6C34878D82A}">
+                    <a16:rowId xmlns:a16="http://schemas.microsoft.com/office/drawing/2014/main" val="10003"/>
+                  </a:ext>
+                </a:extLst>
+              </a:tr>
+              <a:tr h="495255">
+                <a:tc vMerge="1">
+                  <a:txBody>
+                    <a:bodyPr/>
+                    <a:lstStyle/>
+                    <a:p>
+                      <a:pPr algn="l" latinLnBrk="1"/>
+                      <a:endParaRPr lang="en-US" altLang="ko-KR" sz="1600" dirty="0" smtClean="0"/>
+                    </a:p>
+                  </a:txBody>
+                  <a:tcPr anchor="ctr">
+                    <a:lnL w="12700" cmpd="sng">
+                      <a:noFill/>
+                    </a:lnL>
+                  </a:tcPr>
+                </a:tc>
+                <a:tc>
+                  <a:txBody>
+                    <a:bodyPr/>
+                    <a:lstStyle/>
+                    <a:p>
+                      <a:pPr marL="0" marR="0" indent="0" algn="l" defTabSz="914400" rtl="0" eaLnBrk="1" fontAlgn="auto" latinLnBrk="1" hangingPunct="1">
+                        <a:lnSpc>
+                          <a:spcPct val="100000"/>
+                        </a:lnSpc>
+                        <a:spcBef>
+                          <a:spcPts val="0"/>
+                        </a:spcBef>
+                        <a:spcAft>
+                          <a:spcPts val="0"/>
+                        </a:spcAft>
+                        <a:buClrTx/>
+                        <a:buSzTx/>
+                        <a:buFontTx/>
+                        <a:buNone/>
+                        <a:tabLst/>
+                        <a:defRPr/>
+                      </a:pPr>
+                      <a:r>
+                        <a:rPr lang="en-US" altLang="ko-KR" sz="1600" dirty="0" smtClean="0"/>
+                        <a:t>$(“div”).</a:t>
+                      </a:r>
+                      <a:r>
+                        <a:rPr lang="en-US" altLang="ko-KR" sz="1600" dirty="0" err="1" smtClean="0"/>
+                        <a:t>scrollLeft</a:t>
+                      </a:r>
+                      <a:r>
+                        <a:rPr lang="en-US" altLang="ko-KR" sz="1600" dirty="0" smtClean="0"/>
+                        <a:t>(50)</a:t>
+                      </a:r>
+                    </a:p>
+                  </a:txBody>
+                  <a:tcPr anchor="ctr"/>
+                </a:tc>
+                <a:tc>
+                  <a:txBody>
+                    <a:bodyPr/>
+                    <a:lstStyle/>
+                    <a:p>
+                      <a:pPr marL="0" marR="0" indent="0" algn="l" defTabSz="914400" rtl="0" eaLnBrk="1" fontAlgn="auto" latinLnBrk="1" hangingPunct="1">
+                        <a:lnSpc>
+                          <a:spcPct val="100000"/>
+                        </a:lnSpc>
+                        <a:spcBef>
+                          <a:spcPts val="0"/>
+                        </a:spcBef>
+                        <a:spcAft>
+                          <a:spcPts val="0"/>
+                        </a:spcAft>
+                        <a:buClrTx/>
+                        <a:buSzTx/>
+                        <a:buFontTx/>
+                        <a:buNone/>
+                        <a:tabLst/>
+                        <a:defRPr/>
+                      </a:pPr>
+                      <a:r>
+                        <a:rPr lang="en-US" altLang="ko-KR" sz="1600" dirty="0" smtClean="0"/>
+                        <a:t>div</a:t>
+                      </a:r>
+                      <a:r>
+                        <a:rPr lang="en-US" altLang="ko-KR" sz="1600" baseline="0" dirty="0" smtClean="0"/>
+                        <a:t> </a:t>
+                      </a:r>
+                      <a:r>
+                        <a:rPr lang="ko-KR" altLang="en-US" sz="1600" baseline="0" dirty="0" smtClean="0"/>
+                        <a:t>요소의 </a:t>
+                      </a:r>
+                      <a:r>
+                        <a:rPr lang="en-US" altLang="ko-KR" sz="1600" baseline="0" dirty="0" err="1" smtClean="0"/>
+                        <a:t>scrollLeft</a:t>
+                      </a:r>
+                      <a:r>
+                        <a:rPr lang="en-US" altLang="ko-KR" sz="1600" baseline="0" dirty="0" smtClean="0"/>
+                        <a:t> </a:t>
+                      </a:r>
+                      <a:r>
+                        <a:rPr lang="ko-KR" altLang="en-US" sz="1600" baseline="0" dirty="0" smtClean="0"/>
+                        <a:t>값을 </a:t>
+                      </a:r>
+                      <a:r>
+                        <a:rPr lang="en-US" altLang="ko-KR" sz="1600" baseline="0" dirty="0" smtClean="0"/>
+                        <a:t>50</a:t>
+                      </a:r>
+                      <a:r>
+                        <a:rPr lang="ko-KR" altLang="en-US" sz="1600" baseline="0" dirty="0" smtClean="0"/>
+                        <a:t>으로 변경함</a:t>
+                      </a:r>
+                      <a:endParaRPr lang="ko-KR" altLang="en-US" sz="1600" dirty="0" smtClean="0"/>
+                    </a:p>
+                  </a:txBody>
+                  <a:tcPr anchor="ctr">
+                    <a:lnR w="12700" cmpd="sng">
+                      <a:noFill/>
+                    </a:lnR>
+                  </a:tcPr>
+                </a:tc>
+                <a:extLst>
+                  <a:ext uri="{0D108BD9-81ED-4DB2-BD59-A6C34878D82A}">
+                    <a16:rowId xmlns:a16="http://schemas.microsoft.com/office/drawing/2014/main" val="10004"/>
+                  </a:ext>
+                </a:extLst>
+              </a:tr>
+            </a:tbl>
+          </a:graphicData>
+        </a:graphic>
+      </p:graphicFrame>
     </p:spTree>
     <p:extLst>
       <p:ext uri="{BB962C8B-B14F-4D97-AF65-F5344CB8AC3E}">
-        <p14:creationId xmlns:p14="http://schemas.microsoft.com/office/powerpoint/2010/main" val="4212826093"/>
+        <p14:creationId xmlns:p14="http://schemas.microsoft.com/office/powerpoint/2010/main" val="2011472363"/>
       </p:ext>
     </p:extLst>
   </p:cSld>
@@ -10909,8 +11528,12 @@
           <a:p>
             <a:pPr algn="ctr"/>
             <a:r>
-              <a:rPr lang="en-US" altLang="ko-KR" sz="2800" dirty="0" err="1" smtClean="0"/>
-              <a:t>Swiper</a:t>
+              <a:rPr lang="ko-KR" altLang="en-US" sz="2800" dirty="0" smtClean="0"/>
+              <a:t>스크</a:t>
+            </a:r>
+            <a:r>
+              <a:rPr lang="ko-KR" altLang="en-US" sz="2800" dirty="0"/>
+              <a:t>롤</a:t>
             </a:r>
             <a:r>
               <a:rPr lang="en-US" altLang="ko-KR" sz="2800" dirty="0" smtClean="0"/>
@@ -10918,12 +11541,13 @@
             </a:r>
             <a:r>
               <a:rPr lang="ko-KR" altLang="en-US" sz="2800" dirty="0" smtClean="0"/>
-              <a:t>효</a:t>
-            </a:r>
-            <a:r>
-              <a:rPr lang="ko-KR" altLang="en-US" sz="2800" dirty="0"/>
-              <a:t>과</a:t>
-            </a:r>
+              <a:t>관련 </a:t>
+            </a:r>
+            <a:r>
+              <a:rPr lang="ko-KR" altLang="en-US" sz="2800" dirty="0" err="1" smtClean="0"/>
+              <a:t>메서드</a:t>
+            </a:r>
+            <a:endParaRPr lang="ko-KR" altLang="en-US" sz="2800" dirty="0"/>
           </a:p>
         </p:txBody>
       </p:sp>
@@ -10950,58 +11574,9 @@
           </a:p>
         </p:txBody>
       </p:sp>
-      <p:sp>
-        <p:nvSpPr>
-          <p:cNvPr id="5" name="TextBox 4"/>
-          <p:cNvSpPr txBox="1"/>
-          <p:nvPr/>
-        </p:nvSpPr>
-        <p:spPr>
-          <a:xfrm>
-            <a:off x="848544" y="1299456"/>
-            <a:ext cx="8568952" cy="869790"/>
-          </a:xfrm>
-          <a:prstGeom prst="rect">
-            <a:avLst/>
-          </a:prstGeom>
-          <a:noFill/>
-        </p:spPr>
-        <p:txBody>
-          <a:bodyPr wrap="square" rtlCol="0">
-            <a:spAutoFit/>
-          </a:bodyPr>
-          <a:lstStyle/>
-          <a:p>
-            <a:pPr>
-              <a:lnSpc>
-                <a:spcPct val="150000"/>
-              </a:lnSpc>
-            </a:pPr>
-            <a:r>
-              <a:rPr lang="en-US" altLang="ko-KR" b="1" dirty="0" err="1" smtClean="0"/>
-              <a:t>Swiper</a:t>
-            </a:r>
-            <a:r>
-              <a:rPr lang="en-US" altLang="ko-KR" b="1" dirty="0" smtClean="0"/>
-              <a:t> </a:t>
-            </a:r>
-          </a:p>
-          <a:p>
-            <a:pPr>
-              <a:lnSpc>
-                <a:spcPct val="150000"/>
-              </a:lnSpc>
-            </a:pPr>
-            <a:r>
-              <a:rPr lang="en-US" altLang="ko-KR" b="1" dirty="0" smtClean="0"/>
-              <a:t>Pagination &gt; progress</a:t>
-            </a:r>
-          </a:p>
-        </p:txBody>
-      </p:sp>
       <p:pic>
         <p:nvPicPr>
-          <p:cNvPr id="6" name="그림 5"/>
+          <p:cNvPr id="3" name="그림 2"/>
           <p:cNvPicPr>
             <a:picLocks noChangeAspect="1"/>
           </p:cNvPicPr>
@@ -11021,18 +11596,62 @@
         </p:blipFill>
         <p:spPr>
           <a:xfrm>
-            <a:off x="615982" y="2276872"/>
-            <a:ext cx="8801514" cy="3059954"/>
+            <a:off x="1352600" y="2185114"/>
+            <a:ext cx="6804660" cy="3649520"/>
           </a:xfrm>
           <a:prstGeom prst="rect">
             <a:avLst/>
           </a:prstGeom>
+          <a:ln>
+            <a:solidFill>
+              <a:schemeClr val="bg1">
+                <a:lumMod val="85000"/>
+              </a:schemeClr>
+            </a:solidFill>
+          </a:ln>
         </p:spPr>
       </p:pic>
+      <p:sp>
+        <p:nvSpPr>
+          <p:cNvPr id="6" name="TextBox 5"/>
+          <p:cNvSpPr txBox="1"/>
+          <p:nvPr/>
+        </p:nvSpPr>
+        <p:spPr>
+          <a:xfrm>
+            <a:off x="1136576" y="1374884"/>
+            <a:ext cx="6120680" cy="454292"/>
+          </a:xfrm>
+          <a:prstGeom prst="rect">
+            <a:avLst/>
+          </a:prstGeom>
+          <a:noFill/>
+        </p:spPr>
+        <p:txBody>
+          <a:bodyPr wrap="square" rtlCol="0">
+            <a:spAutoFit/>
+          </a:bodyPr>
+          <a:lstStyle/>
+          <a:p>
+            <a:pPr marL="285750" indent="-285750">
+              <a:lnSpc>
+                <a:spcPct val="150000"/>
+              </a:lnSpc>
+              <a:buFont typeface="Wingdings" panose="05000000000000000000" pitchFamily="2" charset="2"/>
+              <a:buChar char="Ø"/>
+            </a:pPr>
+            <a:r>
+              <a:rPr lang="ko-KR" altLang="en-US" b="1" dirty="0" smtClean="0"/>
+              <a:t>스크롤을 내리면 상단 이동 버튼이 나타나는 효과</a:t>
+            </a:r>
+            <a:endParaRPr lang="en-US" altLang="ko-KR" b="1" dirty="0" smtClean="0"/>
+          </a:p>
+        </p:txBody>
+      </p:sp>
     </p:spTree>
     <p:extLst>
       <p:ext uri="{BB962C8B-B14F-4D97-AF65-F5344CB8AC3E}">
-        <p14:creationId xmlns:p14="http://schemas.microsoft.com/office/powerpoint/2010/main" val="2119929971"/>
+        <p14:creationId xmlns:p14="http://schemas.microsoft.com/office/powerpoint/2010/main" val="1459596945"/>
       </p:ext>
     </p:extLst>
   </p:cSld>
@@ -11091,7 +11710,23 @@
             <a:pPr algn="ctr"/>
             <a:r>
               <a:rPr lang="ko-KR" altLang="en-US" sz="2800" dirty="0" smtClean="0"/>
-              <a:t>스톱워치 프로그램</a:t>
+              <a:t>스크</a:t>
+            </a:r>
+            <a:r>
+              <a:rPr lang="ko-KR" altLang="en-US" sz="2800" dirty="0"/>
+              <a:t>롤</a:t>
+            </a:r>
+            <a:r>
+              <a:rPr lang="en-US" altLang="ko-KR" sz="2800" dirty="0" smtClean="0"/>
+              <a:t> </a:t>
+            </a:r>
+            <a:r>
+              <a:rPr lang="ko-KR" altLang="en-US" sz="2800" dirty="0" smtClean="0"/>
+              <a:t>관련 </a:t>
+            </a:r>
+            <a:r>
+              <a:rPr lang="ko-KR" altLang="en-US" sz="2800" dirty="0" err="1" smtClean="0"/>
+              <a:t>메서드</a:t>
             </a:r>
             <a:endParaRPr lang="ko-KR" altLang="en-US" sz="2800" dirty="0"/>
           </a:p>
@@ -11120,97 +11755,9 @@
           </a:p>
         </p:txBody>
       </p:sp>
-      <p:sp>
-        <p:nvSpPr>
-          <p:cNvPr id="5" name="TextBox 4"/>
-          <p:cNvSpPr txBox="1"/>
-          <p:nvPr/>
-        </p:nvSpPr>
-        <p:spPr>
-          <a:xfrm>
-            <a:off x="920552" y="1196752"/>
-            <a:ext cx="4949118" cy="494494"/>
-          </a:xfrm>
-          <a:prstGeom prst="rect">
-            <a:avLst/>
-          </a:prstGeom>
-          <a:noFill/>
-        </p:spPr>
-        <p:txBody>
-          <a:bodyPr wrap="square" rtlCol="0">
-            <a:spAutoFit/>
-          </a:bodyPr>
-          <a:lstStyle/>
-          <a:p>
-            <a:pPr>
-              <a:lnSpc>
-                <a:spcPct val="150000"/>
-              </a:lnSpc>
-            </a:pPr>
-            <a:r>
-              <a:rPr lang="en-US" altLang="ko-KR" sz="2000" b="1" dirty="0"/>
-              <a:t>s</a:t>
-            </a:r>
-            <a:r>
-              <a:rPr lang="en-US" altLang="ko-KR" sz="2000" b="1" dirty="0" smtClean="0"/>
-              <a:t>topwatch </a:t>
-            </a:r>
-            <a:r>
-              <a:rPr lang="ko-KR" altLang="en-US" sz="2000" b="1" dirty="0" smtClean="0"/>
-              <a:t>만들기</a:t>
-            </a:r>
-            <a:endParaRPr lang="en-US" altLang="ko-KR" sz="2000" b="1" dirty="0" smtClean="0"/>
-          </a:p>
-        </p:txBody>
-      </p:sp>
-      <p:sp>
-        <p:nvSpPr>
-          <p:cNvPr id="9" name="TextBox 8"/>
-          <p:cNvSpPr txBox="1"/>
-          <p:nvPr/>
-        </p:nvSpPr>
-        <p:spPr>
-          <a:xfrm>
-            <a:off x="7241109" y="2636912"/>
-            <a:ext cx="2016224" cy="374571"/>
-          </a:xfrm>
-          <a:prstGeom prst="roundRect">
-            <a:avLst/>
-          </a:prstGeom>
-          <a:ln w="19050"/>
-        </p:spPr>
-        <p:style>
-          <a:lnRef idx="2">
-            <a:schemeClr val="accent1"/>
-          </a:lnRef>
-          <a:fillRef idx="1">
-            <a:schemeClr val="lt1"/>
-          </a:fillRef>
-          <a:effectRef idx="0">
-            <a:schemeClr val="accent1"/>
-          </a:effectRef>
-          <a:fontRef idx="minor">
-            <a:schemeClr val="dk1"/>
-          </a:fontRef>
-        </p:style>
-        <p:txBody>
-          <a:bodyPr wrap="square" rtlCol="0">
-            <a:spAutoFit/>
-          </a:bodyPr>
-          <a:lstStyle/>
-          <a:p>
-            <a:pPr algn="ctr"/>
-            <a:r>
-              <a:rPr lang="en-US" altLang="ko-KR" sz="1600" dirty="0" smtClean="0"/>
-              <a:t>stopwatch.html</a:t>
-            </a:r>
-            <a:endParaRPr lang="ko-KR" altLang="en-US" sz="1600" dirty="0"/>
-          </a:p>
-        </p:txBody>
-      </p:sp>
       <p:pic>
         <p:nvPicPr>
-          <p:cNvPr id="8" name="그림 7"/>
+          <p:cNvPr id="5" name="그림 4"/>
           <p:cNvPicPr>
             <a:picLocks noChangeAspect="1"/>
           </p:cNvPicPr>
@@ -11230,17 +11777,24 @@
         </p:blipFill>
         <p:spPr>
           <a:xfrm>
-            <a:off x="3188895" y="1683788"/>
-            <a:ext cx="2448272" cy="1479299"/>
+            <a:off x="704528" y="1628800"/>
+            <a:ext cx="5085521" cy="4104456"/>
           </a:xfrm>
           <a:prstGeom prst="rect">
             <a:avLst/>
           </a:prstGeom>
+          <a:ln>
+            <a:solidFill>
+              <a:schemeClr val="bg1">
+                <a:lumMod val="85000"/>
+              </a:schemeClr>
+            </a:solidFill>
+          </a:ln>
         </p:spPr>
       </p:pic>
       <p:pic>
         <p:nvPicPr>
-          <p:cNvPr id="10" name="그림 9"/>
+          <p:cNvPr id="6" name="그림 5"/>
           <p:cNvPicPr>
             <a:picLocks noChangeAspect="1"/>
           </p:cNvPicPr>
@@ -11260,8 +11814,8 @@
         </p:blipFill>
         <p:spPr>
           <a:xfrm>
-            <a:off x="704528" y="3094007"/>
-            <a:ext cx="8611347" cy="983065"/>
+            <a:off x="6177136" y="1412776"/>
+            <a:ext cx="3098818" cy="4742703"/>
           </a:xfrm>
           <a:prstGeom prst="rect">
             <a:avLst/>
@@ -11278,7 +11832,7 @@
     </p:spTree>
     <p:extLst>
       <p:ext uri="{BB962C8B-B14F-4D97-AF65-F5344CB8AC3E}">
-        <p14:creationId xmlns:p14="http://schemas.microsoft.com/office/powerpoint/2010/main" val="1309856775"/>
+        <p14:creationId xmlns:p14="http://schemas.microsoft.com/office/powerpoint/2010/main" val="2869290663"/>
       </p:ext>
     </p:extLst>
   </p:cSld>
@@ -11337,7 +11891,23 @@
             <a:pPr algn="ctr"/>
             <a:r>
               <a:rPr lang="ko-KR" altLang="en-US" sz="2800" dirty="0" smtClean="0"/>
-              <a:t>스톱워치 프로그램</a:t>
+              <a:t>스크</a:t>
+            </a:r>
+            <a:r>
+              <a:rPr lang="ko-KR" altLang="en-US" sz="2800" dirty="0"/>
+              <a:t>롤</a:t>
+            </a:r>
+            <a:r>
+              <a:rPr lang="en-US" altLang="ko-KR" sz="2800" dirty="0" smtClean="0"/>
+              <a:t> </a:t>
+            </a:r>
+            <a:r>
+              <a:rPr lang="ko-KR" altLang="en-US" sz="2800" dirty="0" smtClean="0"/>
+              <a:t>관련 </a:t>
+            </a:r>
+            <a:r>
+              <a:rPr lang="ko-KR" altLang="en-US" sz="2800" dirty="0" err="1" smtClean="0"/>
+              <a:t>메서드</a:t>
             </a:r>
             <a:endParaRPr lang="ko-KR" altLang="en-US" sz="2800" dirty="0"/>
           </a:p>
@@ -11368,14 +11938,14 @@
       </p:sp>
       <p:sp>
         <p:nvSpPr>
-          <p:cNvPr id="5" name="TextBox 4"/>
+          <p:cNvPr id="6" name="TextBox 5"/>
           <p:cNvSpPr txBox="1"/>
           <p:nvPr/>
         </p:nvSpPr>
         <p:spPr>
           <a:xfrm>
-            <a:off x="920552" y="1196752"/>
-            <a:ext cx="4949118" cy="494494"/>
+            <a:off x="1136576" y="1374884"/>
+            <a:ext cx="6120680" cy="454292"/>
           </a:xfrm>
           <a:prstGeom prst="rect">
             <a:avLst/>
@@ -11388,30 +11958,24 @@
           </a:bodyPr>
           <a:lstStyle/>
           <a:p>
-            <a:pPr>
+            <a:pPr marL="285750" indent="-285750">
               <a:lnSpc>
                 <a:spcPct val="150000"/>
               </a:lnSpc>
+              <a:buFont typeface="Wingdings" panose="05000000000000000000" pitchFamily="2" charset="2"/>
+              <a:buChar char="Ø"/>
             </a:pPr>
             <a:r>
-              <a:rPr lang="en-US" altLang="ko-KR" sz="2000" b="1" dirty="0"/>
-              <a:t>s</a:t>
-            </a:r>
-            <a:r>
-              <a:rPr lang="en-US" altLang="ko-KR" sz="2000" b="1" dirty="0" smtClean="0"/>
-              <a:t>topwatch </a:t>
-            </a:r>
-            <a:r>
-              <a:rPr lang="ko-KR" altLang="en-US" sz="2000" b="1" dirty="0" smtClean="0"/>
-              <a:t>만들기</a:t>
-            </a:r>
-            <a:endParaRPr lang="en-US" altLang="ko-KR" sz="2000" b="1" dirty="0" smtClean="0"/>
+              <a:rPr lang="ko-KR" altLang="en-US" b="1" dirty="0" smtClean="0"/>
+              <a:t>스크롤의 좌표 위치 보기</a:t>
+            </a:r>
+            <a:endParaRPr lang="en-US" altLang="ko-KR" b="1" dirty="0" smtClean="0"/>
           </a:p>
         </p:txBody>
       </p:sp>
       <p:pic>
         <p:nvPicPr>
-          <p:cNvPr id="6" name="그림 5"/>
+          <p:cNvPr id="5" name="그림 4"/>
           <p:cNvPicPr>
             <a:picLocks noChangeAspect="1"/>
           </p:cNvPicPr>
@@ -11431,8 +11995,8 @@
         </p:blipFill>
         <p:spPr>
           <a:xfrm>
-            <a:off x="1712640" y="1772816"/>
-            <a:ext cx="4968552" cy="4931251"/>
+            <a:off x="1165433" y="1988840"/>
+            <a:ext cx="7267149" cy="4406603"/>
           </a:xfrm>
           <a:prstGeom prst="rect">
             <a:avLst/>
@@ -11446,55 +12010,10 @@
           </a:ln>
         </p:spPr>
       </p:pic>
-      <p:sp>
-        <p:nvSpPr>
-          <p:cNvPr id="9" name="TextBox 8"/>
-          <p:cNvSpPr txBox="1"/>
-          <p:nvPr/>
-        </p:nvSpPr>
-        <p:spPr>
-          <a:xfrm>
-            <a:off x="6033120" y="2285823"/>
-            <a:ext cx="2016224" cy="374571"/>
-          </a:xfrm>
-          <a:prstGeom prst="roundRect">
-            <a:avLst/>
-          </a:prstGeom>
-          <a:ln w="19050"/>
-        </p:spPr>
-        <p:style>
-          <a:lnRef idx="2">
-            <a:schemeClr val="accent1"/>
-          </a:lnRef>
-          <a:fillRef idx="1">
-            <a:schemeClr val="lt1"/>
-          </a:fillRef>
-          <a:effectRef idx="0">
-            <a:schemeClr val="accent1"/>
-          </a:effectRef>
-          <a:fontRef idx="minor">
-            <a:schemeClr val="dk1"/>
-          </a:fontRef>
-        </p:style>
-        <p:txBody>
-          <a:bodyPr wrap="square" rtlCol="0">
-            <a:spAutoFit/>
-          </a:bodyPr>
-          <a:lstStyle/>
-          <a:p>
-            <a:pPr algn="ctr"/>
-            <a:r>
-              <a:rPr lang="en-US" altLang="ko-KR" sz="1600" dirty="0" smtClean="0"/>
-              <a:t>stopwatch.css</a:t>
-            </a:r>
-            <a:endParaRPr lang="ko-KR" altLang="en-US" sz="1600" dirty="0"/>
-          </a:p>
-        </p:txBody>
-      </p:sp>
     </p:spTree>
     <p:extLst>
       <p:ext uri="{BB962C8B-B14F-4D97-AF65-F5344CB8AC3E}">
-        <p14:creationId xmlns:p14="http://schemas.microsoft.com/office/powerpoint/2010/main" val="4066113106"/>
+        <p14:creationId xmlns:p14="http://schemas.microsoft.com/office/powerpoint/2010/main" val="677683111"/>
       </p:ext>
     </p:extLst>
   </p:cSld>
@@ -11553,7 +12072,23 @@
             <a:pPr algn="ctr"/>
             <a:r>
               <a:rPr lang="ko-KR" altLang="en-US" sz="2800" dirty="0" smtClean="0"/>
-              <a:t>스톱워치 프로그램</a:t>
+              <a:t>스크</a:t>
+            </a:r>
+            <a:r>
+              <a:rPr lang="ko-KR" altLang="en-US" sz="2800" dirty="0"/>
+              <a:t>롤</a:t>
+            </a:r>
+            <a:r>
+              <a:rPr lang="en-US" altLang="ko-KR" sz="2800" dirty="0" smtClean="0"/>
+              <a:t> </a:t>
+            </a:r>
+            <a:r>
+              <a:rPr lang="ko-KR" altLang="en-US" sz="2800" dirty="0" smtClean="0"/>
+              <a:t>관련 </a:t>
+            </a:r>
+            <a:r>
+              <a:rPr lang="ko-KR" altLang="en-US" sz="2800" dirty="0" err="1" smtClean="0"/>
+              <a:t>메서드</a:t>
             </a:r>
             <a:endParaRPr lang="ko-KR" altLang="en-US" sz="2800" dirty="0"/>
           </a:p>
@@ -11579,94 +12114,6 @@
               <a:t>28</a:t>
             </a:fld>
             <a:endParaRPr lang="ko-KR" altLang="en-US"/>
-          </a:p>
-        </p:txBody>
-      </p:sp>
-      <p:sp>
-        <p:nvSpPr>
-          <p:cNvPr id="5" name="TextBox 4"/>
-          <p:cNvSpPr txBox="1"/>
-          <p:nvPr/>
-        </p:nvSpPr>
-        <p:spPr>
-          <a:xfrm>
-            <a:off x="920552" y="1196752"/>
-            <a:ext cx="4949118" cy="494494"/>
-          </a:xfrm>
-          <a:prstGeom prst="rect">
-            <a:avLst/>
-          </a:prstGeom>
-          <a:noFill/>
-        </p:spPr>
-        <p:txBody>
-          <a:bodyPr wrap="square" rtlCol="0">
-            <a:spAutoFit/>
-          </a:bodyPr>
-          <a:lstStyle/>
-          <a:p>
-            <a:pPr>
-              <a:lnSpc>
-                <a:spcPct val="150000"/>
-              </a:lnSpc>
-            </a:pPr>
-            <a:r>
-              <a:rPr lang="en-US" altLang="ko-KR" sz="2000" b="1" dirty="0"/>
-              <a:t>s</a:t>
-            </a:r>
-            <a:r>
-              <a:rPr lang="en-US" altLang="ko-KR" sz="2000" b="1" dirty="0" smtClean="0"/>
-              <a:t>topwatch </a:t>
-            </a:r>
-            <a:r>
-              <a:rPr lang="ko-KR" altLang="en-US" sz="2000" b="1" dirty="0" smtClean="0"/>
-              <a:t>만들기</a:t>
-            </a:r>
-            <a:endParaRPr lang="en-US" altLang="ko-KR" sz="2000" b="1" dirty="0" smtClean="0"/>
-          </a:p>
-        </p:txBody>
-      </p:sp>
-      <p:sp>
-        <p:nvSpPr>
-          <p:cNvPr id="9" name="TextBox 8"/>
-          <p:cNvSpPr txBox="1"/>
-          <p:nvPr/>
-        </p:nvSpPr>
-        <p:spPr>
-          <a:xfrm>
-            <a:off x="6321152" y="1691246"/>
-            <a:ext cx="2016224" cy="374571"/>
-          </a:xfrm>
-          <a:prstGeom prst="roundRect">
-            <a:avLst/>
-          </a:prstGeom>
-          <a:ln w="19050"/>
-        </p:spPr>
-        <p:style>
-          <a:lnRef idx="2">
-            <a:schemeClr val="accent1"/>
-          </a:lnRef>
-          <a:fillRef idx="1">
-            <a:schemeClr val="lt1"/>
-          </a:fillRef>
-          <a:effectRef idx="0">
-            <a:schemeClr val="accent1"/>
-          </a:effectRef>
-          <a:fontRef idx="minor">
-            <a:schemeClr val="dk1"/>
-          </a:fontRef>
-        </p:style>
-        <p:txBody>
-          <a:bodyPr wrap="square" rtlCol="0">
-            <a:spAutoFit/>
-          </a:bodyPr>
-          <a:lstStyle/>
-          <a:p>
-            <a:pPr algn="ctr"/>
-            <a:r>
-              <a:rPr lang="en-US" altLang="ko-KR" sz="1600" dirty="0" smtClean="0"/>
-              <a:t>stopwatch.js</a:t>
-            </a:r>
-            <a:endParaRPr lang="ko-KR" altLang="en-US" sz="1600" dirty="0"/>
           </a:p>
         </p:txBody>
       </p:sp>
@@ -11692,8 +12139,8 @@
         </p:blipFill>
         <p:spPr>
           <a:xfrm>
-            <a:off x="1798712" y="2314490"/>
-            <a:ext cx="6044387" cy="2482661"/>
+            <a:off x="1064568" y="1268760"/>
+            <a:ext cx="7676178" cy="5256584"/>
           </a:xfrm>
           <a:prstGeom prst="rect">
             <a:avLst/>
@@ -11707,10 +12154,59 @@
           </a:ln>
         </p:spPr>
       </p:pic>
+      <p:sp>
+        <p:nvSpPr>
+          <p:cNvPr id="7" name="TextBox 6"/>
+          <p:cNvSpPr txBox="1"/>
+          <p:nvPr/>
+        </p:nvSpPr>
+        <p:spPr>
+          <a:xfrm>
+            <a:off x="6837209" y="2348880"/>
+            <a:ext cx="2016224" cy="374571"/>
+          </a:xfrm>
+          <a:prstGeom prst="roundRect">
+            <a:avLst/>
+          </a:prstGeom>
+          <a:ln w="19050"/>
+        </p:spPr>
+        <p:style>
+          <a:lnRef idx="2">
+            <a:schemeClr val="accent1"/>
+          </a:lnRef>
+          <a:fillRef idx="1">
+            <a:schemeClr val="lt1"/>
+          </a:fillRef>
+          <a:effectRef idx="0">
+            <a:schemeClr val="accent1"/>
+          </a:effectRef>
+          <a:fontRef idx="minor">
+            <a:schemeClr val="dk1"/>
+          </a:fontRef>
+        </p:style>
+        <p:txBody>
+          <a:bodyPr wrap="square" rtlCol="0">
+            <a:spAutoFit/>
+          </a:bodyPr>
+          <a:lstStyle/>
+          <a:p>
+            <a:pPr algn="ctr"/>
+            <a:r>
+              <a:rPr lang="en-US" altLang="ko-KR" sz="1600" dirty="0" smtClean="0"/>
+              <a:t>j</a:t>
+            </a:r>
+            <a:r>
+              <a:rPr lang="en-US" altLang="ko-KR" sz="1600" dirty="0" smtClean="0"/>
+              <a:t>q_scroll2.html</a:t>
+            </a:r>
+            <a:endParaRPr lang="ko-KR" altLang="en-US" sz="1600" dirty="0"/>
+          </a:p>
+        </p:txBody>
+      </p:sp>
     </p:spTree>
     <p:extLst>
       <p:ext uri="{BB962C8B-B14F-4D97-AF65-F5344CB8AC3E}">
-        <p14:creationId xmlns:p14="http://schemas.microsoft.com/office/powerpoint/2010/main" val="2532903062"/>
+        <p14:creationId xmlns:p14="http://schemas.microsoft.com/office/powerpoint/2010/main" val="2304286677"/>
       </p:ext>
     </p:extLst>
   </p:cSld>
@@ -11769,7 +12265,23 @@
             <a:pPr algn="ctr"/>
             <a:r>
               <a:rPr lang="ko-KR" altLang="en-US" sz="2800" dirty="0" smtClean="0"/>
-              <a:t>스톱워치 프로그램</a:t>
+              <a:t>스크</a:t>
+            </a:r>
+            <a:r>
+              <a:rPr lang="ko-KR" altLang="en-US" sz="2800" dirty="0"/>
+              <a:t>롤</a:t>
+            </a:r>
+            <a:r>
+              <a:rPr lang="en-US" altLang="ko-KR" sz="2800" dirty="0" smtClean="0"/>
+              <a:t> </a:t>
+            </a:r>
+            <a:r>
+              <a:rPr lang="ko-KR" altLang="en-US" sz="2800" dirty="0" smtClean="0"/>
+              <a:t>관련 </a:t>
+            </a:r>
+            <a:r>
+              <a:rPr lang="ko-KR" altLang="en-US" sz="2800" dirty="0" err="1" smtClean="0"/>
+              <a:t>메서드</a:t>
             </a:r>
             <a:endParaRPr lang="ko-KR" altLang="en-US" sz="2800" dirty="0"/>
           </a:p>
@@ -11798,54 +12310,9 @@
           </a:p>
         </p:txBody>
       </p:sp>
-      <p:sp>
-        <p:nvSpPr>
-          <p:cNvPr id="9" name="TextBox 8"/>
-          <p:cNvSpPr txBox="1"/>
-          <p:nvPr/>
-        </p:nvSpPr>
-        <p:spPr>
-          <a:xfrm>
-            <a:off x="6753200" y="2276872"/>
-            <a:ext cx="2016224" cy="374571"/>
-          </a:xfrm>
-          <a:prstGeom prst="roundRect">
-            <a:avLst/>
-          </a:prstGeom>
-          <a:ln w="19050"/>
-        </p:spPr>
-        <p:style>
-          <a:lnRef idx="2">
-            <a:schemeClr val="accent1"/>
-          </a:lnRef>
-          <a:fillRef idx="1">
-            <a:schemeClr val="lt1"/>
-          </a:fillRef>
-          <a:effectRef idx="0">
-            <a:schemeClr val="accent1"/>
-          </a:effectRef>
-          <a:fontRef idx="minor">
-            <a:schemeClr val="dk1"/>
-          </a:fontRef>
-        </p:style>
-        <p:txBody>
-          <a:bodyPr wrap="square" rtlCol="0">
-            <a:spAutoFit/>
-          </a:bodyPr>
-          <a:lstStyle/>
-          <a:p>
-            <a:pPr algn="ctr"/>
-            <a:r>
-              <a:rPr lang="en-US" altLang="ko-KR" sz="1600" dirty="0" smtClean="0"/>
-              <a:t>stopwatch.js</a:t>
-            </a:r>
-            <a:endParaRPr lang="ko-KR" altLang="en-US" sz="1600" dirty="0"/>
-          </a:p>
-        </p:txBody>
-      </p:sp>
       <p:pic>
         <p:nvPicPr>
-          <p:cNvPr id="6" name="그림 5"/>
+          <p:cNvPr id="5" name="그림 4"/>
           <p:cNvPicPr>
             <a:picLocks noChangeAspect="1"/>
           </p:cNvPicPr>
@@ -11865,8 +12332,8 @@
         </p:blipFill>
         <p:spPr>
           <a:xfrm>
-            <a:off x="2553626" y="1196751"/>
-            <a:ext cx="4032448" cy="5531499"/>
+            <a:off x="2000672" y="1248426"/>
+            <a:ext cx="4610500" cy="5204911"/>
           </a:xfrm>
           <a:prstGeom prst="rect">
             <a:avLst/>
@@ -11883,7 +12350,7 @@
     </p:spTree>
     <p:extLst>
       <p:ext uri="{BB962C8B-B14F-4D97-AF65-F5344CB8AC3E}">
-        <p14:creationId xmlns:p14="http://schemas.microsoft.com/office/powerpoint/2010/main" val="1618271821"/>
+        <p14:creationId xmlns:p14="http://schemas.microsoft.com/office/powerpoint/2010/main" val="1712397869"/>
       </p:ext>
     </p:extLst>
   </p:cSld>
@@ -12229,9 +12696,97 @@
           </a:p>
         </p:txBody>
       </p:sp>
+      <p:sp>
+        <p:nvSpPr>
+          <p:cNvPr id="5" name="TextBox 4"/>
+          <p:cNvSpPr txBox="1"/>
+          <p:nvPr/>
+        </p:nvSpPr>
+        <p:spPr>
+          <a:xfrm>
+            <a:off x="920552" y="1196752"/>
+            <a:ext cx="4949118" cy="494494"/>
+          </a:xfrm>
+          <a:prstGeom prst="rect">
+            <a:avLst/>
+          </a:prstGeom>
+          <a:noFill/>
+        </p:spPr>
+        <p:txBody>
+          <a:bodyPr wrap="square" rtlCol="0">
+            <a:spAutoFit/>
+          </a:bodyPr>
+          <a:lstStyle/>
+          <a:p>
+            <a:pPr>
+              <a:lnSpc>
+                <a:spcPct val="150000"/>
+              </a:lnSpc>
+            </a:pPr>
+            <a:r>
+              <a:rPr lang="en-US" altLang="ko-KR" sz="2000" b="1" dirty="0"/>
+              <a:t>s</a:t>
+            </a:r>
+            <a:r>
+              <a:rPr lang="en-US" altLang="ko-KR" sz="2000" b="1" dirty="0" smtClean="0"/>
+              <a:t>topwatch </a:t>
+            </a:r>
+            <a:r>
+              <a:rPr lang="ko-KR" altLang="en-US" sz="2000" b="1" dirty="0" smtClean="0"/>
+              <a:t>만들기</a:t>
+            </a:r>
+            <a:endParaRPr lang="en-US" altLang="ko-KR" sz="2000" b="1" dirty="0" smtClean="0"/>
+          </a:p>
+        </p:txBody>
+      </p:sp>
+      <p:sp>
+        <p:nvSpPr>
+          <p:cNvPr id="9" name="TextBox 8"/>
+          <p:cNvSpPr txBox="1"/>
+          <p:nvPr/>
+        </p:nvSpPr>
+        <p:spPr>
+          <a:xfrm>
+            <a:off x="7241109" y="2636912"/>
+            <a:ext cx="2016224" cy="374571"/>
+          </a:xfrm>
+          <a:prstGeom prst="roundRect">
+            <a:avLst/>
+          </a:prstGeom>
+          <a:ln w="19050"/>
+        </p:spPr>
+        <p:style>
+          <a:lnRef idx="2">
+            <a:schemeClr val="accent1"/>
+          </a:lnRef>
+          <a:fillRef idx="1">
+            <a:schemeClr val="lt1"/>
+          </a:fillRef>
+          <a:effectRef idx="0">
+            <a:schemeClr val="accent1"/>
+          </a:effectRef>
+          <a:fontRef idx="minor">
+            <a:schemeClr val="dk1"/>
+          </a:fontRef>
+        </p:style>
+        <p:txBody>
+          <a:bodyPr wrap="square" rtlCol="0">
+            <a:spAutoFit/>
+          </a:bodyPr>
+          <a:lstStyle/>
+          <a:p>
+            <a:pPr algn="ctr"/>
+            <a:r>
+              <a:rPr lang="en-US" altLang="ko-KR" sz="1600" dirty="0" smtClean="0"/>
+              <a:t>stopwatch.html</a:t>
+            </a:r>
+            <a:endParaRPr lang="ko-KR" altLang="en-US" sz="1600" dirty="0"/>
+          </a:p>
+        </p:txBody>
+      </p:sp>
       <p:pic>
         <p:nvPicPr>
-          <p:cNvPr id="7" name="그림 6"/>
+          <p:cNvPr id="8" name="그림 7"/>
           <p:cNvPicPr>
             <a:picLocks noChangeAspect="1"/>
           </p:cNvPicPr>
@@ -12251,8 +12806,38 @@
         </p:blipFill>
         <p:spPr>
           <a:xfrm>
-            <a:off x="1461193" y="1844824"/>
-            <a:ext cx="6261939" cy="3817926"/>
+            <a:off x="3188895" y="1683788"/>
+            <a:ext cx="2448272" cy="1479299"/>
+          </a:xfrm>
+          <a:prstGeom prst="rect">
+            <a:avLst/>
+          </a:prstGeom>
+        </p:spPr>
+      </p:pic>
+      <p:pic>
+        <p:nvPicPr>
+          <p:cNvPr id="10" name="그림 9"/>
+          <p:cNvPicPr>
+            <a:picLocks noChangeAspect="1"/>
+          </p:cNvPicPr>
+          <p:nvPr/>
+        </p:nvPicPr>
+        <p:blipFill>
+          <a:blip r:embed="rId3">
+            <a:extLst>
+              <a:ext uri="{28A0092B-C50C-407E-A947-70E740481C1C}">
+                <a14:useLocalDpi xmlns:a14="http://schemas.microsoft.com/office/drawing/2010/main" val="0"/>
+              </a:ext>
+            </a:extLst>
+          </a:blip>
+          <a:stretch>
+            <a:fillRect/>
+          </a:stretch>
+        </p:blipFill>
+        <p:spPr>
+          <a:xfrm>
+            <a:off x="704528" y="3094007"/>
+            <a:ext cx="8611347" cy="983065"/>
           </a:xfrm>
           <a:prstGeom prst="rect">
             <a:avLst/>
@@ -12269,7 +12854,7 @@
     </p:spTree>
     <p:extLst>
       <p:ext uri="{BB962C8B-B14F-4D97-AF65-F5344CB8AC3E}">
-        <p14:creationId xmlns:p14="http://schemas.microsoft.com/office/powerpoint/2010/main" val="2705954929"/>
+        <p14:creationId xmlns:p14="http://schemas.microsoft.com/office/powerpoint/2010/main" val="1309856775"/>
       </p:ext>
     </p:extLst>
   </p:cSld>
@@ -12357,9 +12942,52 @@
           </a:p>
         </p:txBody>
       </p:sp>
+      <p:sp>
+        <p:nvSpPr>
+          <p:cNvPr id="5" name="TextBox 4"/>
+          <p:cNvSpPr txBox="1"/>
+          <p:nvPr/>
+        </p:nvSpPr>
+        <p:spPr>
+          <a:xfrm>
+            <a:off x="920552" y="1196752"/>
+            <a:ext cx="4949118" cy="494494"/>
+          </a:xfrm>
+          <a:prstGeom prst="rect">
+            <a:avLst/>
+          </a:prstGeom>
+          <a:noFill/>
+        </p:spPr>
+        <p:txBody>
+          <a:bodyPr wrap="square" rtlCol="0">
+            <a:spAutoFit/>
+          </a:bodyPr>
+          <a:lstStyle/>
+          <a:p>
+            <a:pPr>
+              <a:lnSpc>
+                <a:spcPct val="150000"/>
+              </a:lnSpc>
+            </a:pPr>
+            <a:r>
+              <a:rPr lang="en-US" altLang="ko-KR" sz="2000" b="1" dirty="0"/>
+              <a:t>s</a:t>
+            </a:r>
+            <a:r>
+              <a:rPr lang="en-US" altLang="ko-KR" sz="2000" b="1" dirty="0" smtClean="0"/>
+              <a:t>topwatch </a:t>
+            </a:r>
+            <a:r>
+              <a:rPr lang="ko-KR" altLang="en-US" sz="2000" b="1" dirty="0" smtClean="0"/>
+              <a:t>만들기</a:t>
+            </a:r>
+            <a:endParaRPr lang="en-US" altLang="ko-KR" sz="2000" b="1" dirty="0" smtClean="0"/>
+          </a:p>
+        </p:txBody>
+      </p:sp>
       <p:pic>
         <p:nvPicPr>
-          <p:cNvPr id="3" name="그림 2"/>
+          <p:cNvPr id="6" name="그림 5"/>
           <p:cNvPicPr>
             <a:picLocks noChangeAspect="1"/>
           </p:cNvPicPr>
@@ -12379,8 +13007,8 @@
         </p:blipFill>
         <p:spPr>
           <a:xfrm>
-            <a:off x="2144714" y="1340768"/>
-            <a:ext cx="3528366" cy="4915326"/>
+            <a:off x="1712640" y="1772816"/>
+            <a:ext cx="4968552" cy="4931251"/>
           </a:xfrm>
           <a:prstGeom prst="rect">
             <a:avLst/>
@@ -12394,10 +13022,55 @@
           </a:ln>
         </p:spPr>
       </p:pic>
+      <p:sp>
+        <p:nvSpPr>
+          <p:cNvPr id="9" name="TextBox 8"/>
+          <p:cNvSpPr txBox="1"/>
+          <p:nvPr/>
+        </p:nvSpPr>
+        <p:spPr>
+          <a:xfrm>
+            <a:off x="6033120" y="2285823"/>
+            <a:ext cx="2016224" cy="374571"/>
+          </a:xfrm>
+          <a:prstGeom prst="roundRect">
+            <a:avLst/>
+          </a:prstGeom>
+          <a:ln w="19050"/>
+        </p:spPr>
+        <p:style>
+          <a:lnRef idx="2">
+            <a:schemeClr val="accent1"/>
+          </a:lnRef>
+          <a:fillRef idx="1">
+            <a:schemeClr val="lt1"/>
+          </a:fillRef>
+          <a:effectRef idx="0">
+            <a:schemeClr val="accent1"/>
+          </a:effectRef>
+          <a:fontRef idx="minor">
+            <a:schemeClr val="dk1"/>
+          </a:fontRef>
+        </p:style>
+        <p:txBody>
+          <a:bodyPr wrap="square" rtlCol="0">
+            <a:spAutoFit/>
+          </a:bodyPr>
+          <a:lstStyle/>
+          <a:p>
+            <a:pPr algn="ctr"/>
+            <a:r>
+              <a:rPr lang="en-US" altLang="ko-KR" sz="1600" dirty="0" smtClean="0"/>
+              <a:t>stopwatch.css</a:t>
+            </a:r>
+            <a:endParaRPr lang="ko-KR" altLang="en-US" sz="1600" dirty="0"/>
+          </a:p>
+        </p:txBody>
+      </p:sp>
     </p:spTree>
     <p:extLst>
       <p:ext uri="{BB962C8B-B14F-4D97-AF65-F5344CB8AC3E}">
-        <p14:creationId xmlns:p14="http://schemas.microsoft.com/office/powerpoint/2010/main" val="183421325"/>
+        <p14:creationId xmlns:p14="http://schemas.microsoft.com/office/powerpoint/2010/main" val="4066113106"/>
       </p:ext>
     </p:extLst>
   </p:cSld>
@@ -12455,12 +13128,8 @@
           <a:p>
             <a:pPr algn="ctr"/>
             <a:r>
-              <a:rPr lang="en-US" altLang="ko-KR" sz="2800" dirty="0" smtClean="0"/>
-              <a:t>Ajax </a:t>
-            </a:r>
-            <a:r>
               <a:rPr lang="ko-KR" altLang="en-US" sz="2800" dirty="0" smtClean="0"/>
-              <a:t>개요</a:t>
+              <a:t>스톱워치 프로그램</a:t>
             </a:r>
             <a:endParaRPr lang="ko-KR" altLang="en-US" sz="2800" dirty="0"/>
           </a:p>
@@ -12491,14 +13160,14 @@
       </p:sp>
       <p:sp>
         <p:nvSpPr>
-          <p:cNvPr id="11" name="TextBox 10"/>
+          <p:cNvPr id="5" name="TextBox 4"/>
           <p:cNvSpPr txBox="1"/>
           <p:nvPr/>
         </p:nvSpPr>
         <p:spPr>
           <a:xfrm>
-            <a:off x="867978" y="1155516"/>
-            <a:ext cx="8280920" cy="494494"/>
+            <a:off x="920552" y="1196752"/>
+            <a:ext cx="4949118" cy="494494"/>
           </a:xfrm>
           <a:prstGeom prst="rect">
             <a:avLst/>
@@ -12517,198 +13186,107 @@
               </a:lnSpc>
             </a:pPr>
             <a:r>
-              <a:rPr lang="ko-KR" altLang="en-US" sz="2000" dirty="0"/>
-              <a:t> </a:t>
-            </a:r>
-            <a:r>
-              <a:rPr lang="en-US" altLang="ko-KR" sz="2000" dirty="0" smtClean="0"/>
-              <a:t>jQuery(</a:t>
-            </a:r>
-            <a:r>
-              <a:rPr lang="ko-KR" altLang="en-US" sz="2000" dirty="0" smtClean="0"/>
-              <a:t>제이쿼리</a:t>
-            </a:r>
-            <a:r>
-              <a:rPr lang="en-US" altLang="ko-KR" sz="2000" dirty="0" smtClean="0"/>
-              <a:t>)</a:t>
-            </a:r>
-            <a:r>
-              <a:rPr lang="ko-KR" altLang="en-US" sz="2000" b="1" dirty="0"/>
-              <a:t> </a:t>
-            </a:r>
-            <a:r>
-              <a:rPr lang="en-US" altLang="ko-KR" sz="2000" b="1" dirty="0" smtClean="0">
-                <a:solidFill>
-                  <a:srgbClr val="C00000"/>
-                </a:solidFill>
-              </a:rPr>
-              <a:t>Ajax</a:t>
+              <a:rPr lang="en-US" altLang="ko-KR" sz="2000" b="1" dirty="0"/>
+              <a:t>s</a:t>
             </a:r>
             <a:r>
               <a:rPr lang="en-US" altLang="ko-KR" sz="2000" b="1" dirty="0" smtClean="0"/>
-              <a:t> </a:t>
-            </a:r>
-            <a:r>
-              <a:rPr lang="ko-KR" altLang="en-US" sz="2000" dirty="0" smtClean="0"/>
-              <a:t>기능</a:t>
-            </a:r>
-            <a:endParaRPr lang="en-US" altLang="ko-KR" sz="2400" dirty="0" smtClean="0"/>
-          </a:p>
-        </p:txBody>
-      </p:sp>
-      <p:sp>
-        <p:nvSpPr>
-          <p:cNvPr id="6" name="TextBox 5"/>
+              <a:t>topwatch </a:t>
+            </a:r>
+            <a:r>
+              <a:rPr lang="ko-KR" altLang="en-US" sz="2000" b="1" dirty="0" smtClean="0"/>
+              <a:t>만들기</a:t>
+            </a:r>
+            <a:endParaRPr lang="en-US" altLang="ko-KR" sz="2000" b="1" dirty="0" smtClean="0"/>
+          </a:p>
+        </p:txBody>
+      </p:sp>
+      <p:sp>
+        <p:nvSpPr>
+          <p:cNvPr id="9" name="TextBox 8"/>
           <p:cNvSpPr txBox="1"/>
           <p:nvPr/>
         </p:nvSpPr>
         <p:spPr>
           <a:xfrm>
-            <a:off x="867978" y="1916832"/>
-            <a:ext cx="8693534" cy="1985159"/>
+            <a:off x="6321152" y="1691246"/>
+            <a:ext cx="2016224" cy="374571"/>
+          </a:xfrm>
+          <a:prstGeom prst="roundRect">
+            <a:avLst/>
+          </a:prstGeom>
+          <a:ln w="19050"/>
+        </p:spPr>
+        <p:style>
+          <a:lnRef idx="2">
+            <a:schemeClr val="accent1"/>
+          </a:lnRef>
+          <a:fillRef idx="1">
+            <a:schemeClr val="lt1"/>
+          </a:fillRef>
+          <a:effectRef idx="0">
+            <a:schemeClr val="accent1"/>
+          </a:effectRef>
+          <a:fontRef idx="minor">
+            <a:schemeClr val="dk1"/>
+          </a:fontRef>
+        </p:style>
+        <p:txBody>
+          <a:bodyPr wrap="square" rtlCol="0">
+            <a:spAutoFit/>
+          </a:bodyPr>
+          <a:lstStyle/>
+          <a:p>
+            <a:pPr algn="ctr"/>
+            <a:r>
+              <a:rPr lang="en-US" altLang="ko-KR" sz="1600" dirty="0" smtClean="0"/>
+              <a:t>stopwatch.js</a:t>
+            </a:r>
+            <a:endParaRPr lang="ko-KR" altLang="en-US" sz="1600" dirty="0"/>
+          </a:p>
+        </p:txBody>
+      </p:sp>
+      <p:pic>
+        <p:nvPicPr>
+          <p:cNvPr id="3" name="그림 2"/>
+          <p:cNvPicPr>
+            <a:picLocks noChangeAspect="1"/>
+          </p:cNvPicPr>
+          <p:nvPr/>
+        </p:nvPicPr>
+        <p:blipFill>
+          <a:blip r:embed="rId2">
+            <a:extLst>
+              <a:ext uri="{28A0092B-C50C-407E-A947-70E740481C1C}">
+                <a14:useLocalDpi xmlns:a14="http://schemas.microsoft.com/office/drawing/2010/main" val="0"/>
+              </a:ext>
+            </a:extLst>
+          </a:blip>
+          <a:stretch>
+            <a:fillRect/>
+          </a:stretch>
+        </p:blipFill>
+        <p:spPr>
+          <a:xfrm>
+            <a:off x="1798712" y="2314490"/>
+            <a:ext cx="6044387" cy="2482661"/>
           </a:xfrm>
           <a:prstGeom prst="rect">
             <a:avLst/>
           </a:prstGeom>
-          <a:noFill/>
-        </p:spPr>
-        <p:txBody>
-          <a:bodyPr wrap="square" rtlCol="0">
-            <a:spAutoFit/>
-          </a:bodyPr>
-          <a:lstStyle/>
-          <a:p>
-            <a:pPr marL="285750" indent="-285750">
-              <a:lnSpc>
-                <a:spcPct val="150000"/>
-              </a:lnSpc>
-              <a:buFont typeface="Wingdings" panose="05000000000000000000" pitchFamily="2" charset="2"/>
-              <a:buChar char="l"/>
-            </a:pPr>
-            <a:r>
-              <a:rPr lang="en-US" altLang="ko-KR" b="1" dirty="0" smtClean="0">
-                <a:solidFill>
-                  <a:srgbClr val="C00000"/>
-                </a:solidFill>
-              </a:rPr>
-              <a:t>Ajax</a:t>
-            </a:r>
-            <a:r>
-              <a:rPr lang="ko-KR" altLang="en-US" sz="1600" dirty="0" smtClean="0"/>
-              <a:t>란 </a:t>
-            </a:r>
-            <a:r>
-              <a:rPr lang="en-US" altLang="ko-KR" sz="1600" dirty="0" smtClean="0"/>
-              <a:t>Asynchronous </a:t>
-            </a:r>
-            <a:r>
-              <a:rPr lang="en-US" altLang="ko-KR" sz="1600" dirty="0" err="1" smtClean="0"/>
-              <a:t>Javascript</a:t>
-            </a:r>
-            <a:r>
-              <a:rPr lang="en-US" altLang="ko-KR" sz="1600" dirty="0" smtClean="0"/>
-              <a:t>(</a:t>
-            </a:r>
-            <a:r>
-              <a:rPr lang="ko-KR" altLang="en-US" sz="1600" dirty="0" err="1" smtClean="0"/>
-              <a:t>비동기</a:t>
-            </a:r>
-            <a:r>
-              <a:rPr lang="ko-KR" altLang="en-US" sz="1600" dirty="0" smtClean="0"/>
-              <a:t> 자바스크립트</a:t>
-            </a:r>
-            <a:r>
-              <a:rPr lang="en-US" altLang="ko-KR" sz="1600" dirty="0" smtClean="0"/>
-              <a:t>) + XML</a:t>
-            </a:r>
-            <a:r>
-              <a:rPr lang="ko-KR" altLang="en-US" sz="1600" dirty="0" smtClean="0"/>
-              <a:t>의 의미로 자바스크립트를 사용한 </a:t>
-            </a:r>
-            <a:r>
-              <a:rPr lang="ko-KR" altLang="en-US" sz="1600" dirty="0" err="1" smtClean="0"/>
-              <a:t>비동기</a:t>
-            </a:r>
-            <a:r>
-              <a:rPr lang="ko-KR" altLang="en-US" sz="1600" dirty="0" smtClean="0"/>
-              <a:t> 통신</a:t>
-            </a:r>
-            <a:r>
-              <a:rPr lang="en-US" altLang="ko-KR" sz="1600" dirty="0" smtClean="0"/>
-              <a:t>, </a:t>
-            </a:r>
-            <a:r>
-              <a:rPr lang="ko-KR" altLang="en-US" sz="1600" dirty="0" smtClean="0"/>
-              <a:t>즉 클라이언트와 서버 간의 </a:t>
-            </a:r>
-            <a:r>
-              <a:rPr lang="en-US" altLang="ko-KR" sz="1600" dirty="0" smtClean="0"/>
-              <a:t>XML</a:t>
-            </a:r>
-            <a:r>
-              <a:rPr lang="ko-KR" altLang="en-US" sz="1600" dirty="0" smtClean="0"/>
-              <a:t>이나 </a:t>
-            </a:r>
-            <a:r>
-              <a:rPr lang="en-US" altLang="ko-KR" sz="1600" dirty="0" smtClean="0"/>
-              <a:t>JSON</a:t>
-            </a:r>
-            <a:r>
-              <a:rPr lang="ko-KR" altLang="en-US" sz="1600" dirty="0"/>
-              <a:t> </a:t>
-            </a:r>
-            <a:r>
-              <a:rPr lang="ko-KR" altLang="en-US" sz="1600" dirty="0" smtClean="0"/>
-              <a:t>데이터를 주고 받는 기술을 말한다</a:t>
-            </a:r>
-            <a:r>
-              <a:rPr lang="en-US" altLang="ko-KR" sz="1600" dirty="0" smtClean="0"/>
-              <a:t>.  </a:t>
-            </a:r>
-          </a:p>
-          <a:p>
-            <a:pPr marL="285750" indent="-285750">
-              <a:lnSpc>
-                <a:spcPct val="150000"/>
-              </a:lnSpc>
-              <a:buFont typeface="Wingdings" panose="05000000000000000000" pitchFamily="2" charset="2"/>
-              <a:buChar char="l"/>
-            </a:pPr>
-            <a:r>
-              <a:rPr lang="en-US" altLang="ko-KR" sz="1600" dirty="0" smtClean="0"/>
-              <a:t>Ajax</a:t>
-            </a:r>
-            <a:r>
-              <a:rPr lang="ko-KR" altLang="en-US" sz="1600" dirty="0" smtClean="0"/>
-              <a:t>는 페이지 이동 없이 데이터 처리가 가능하며</a:t>
-            </a:r>
-            <a:r>
-              <a:rPr lang="en-US" altLang="ko-KR" sz="1600" dirty="0" smtClean="0"/>
-              <a:t>, </a:t>
-            </a:r>
-            <a:r>
-              <a:rPr lang="ko-KR" altLang="en-US" sz="1600" dirty="0" smtClean="0"/>
-              <a:t>서버의 처리를 기다리지 않고 </a:t>
-            </a:r>
-            <a:r>
-              <a:rPr lang="ko-KR" altLang="en-US" sz="1600" dirty="0" err="1" smtClean="0"/>
-              <a:t>비동기</a:t>
-            </a:r>
-            <a:r>
-              <a:rPr lang="ko-KR" altLang="en-US" sz="1600" dirty="0" smtClean="0"/>
-              <a:t> 요청이 가능하다는 특징이 있다</a:t>
-            </a:r>
-            <a:r>
-              <a:rPr lang="en-US" altLang="ko-KR" sz="1600" dirty="0" smtClean="0"/>
-              <a:t>.</a:t>
-            </a:r>
-          </a:p>
-        </p:txBody>
-      </p:sp>
+          <a:ln>
+            <a:solidFill>
+              <a:schemeClr val="bg1">
+                <a:lumMod val="85000"/>
+              </a:schemeClr>
+            </a:solidFill>
+          </a:ln>
+        </p:spPr>
+      </p:pic>
     </p:spTree>
     <p:extLst>
       <p:ext uri="{BB962C8B-B14F-4D97-AF65-F5344CB8AC3E}">
-        <p14:creationId xmlns:p14="http://schemas.microsoft.com/office/powerpoint/2010/main" val="2390114339"/>
+        <p14:creationId xmlns:p14="http://schemas.microsoft.com/office/powerpoint/2010/main" val="2532903062"/>
       </p:ext>
     </p:extLst>
   </p:cSld>
@@ -12766,13 +13344,10 @@
           <a:p>
             <a:pPr algn="ctr"/>
             <a:r>
-              <a:rPr lang="en-US" altLang="ko-KR" sz="2800" dirty="0"/>
-              <a:t>Ajax </a:t>
-            </a:r>
-            <a:r>
-              <a:rPr lang="ko-KR" altLang="en-US" sz="2800" dirty="0"/>
-              <a:t>개요</a:t>
-            </a:r>
+              <a:rPr lang="ko-KR" altLang="en-US" sz="2800" dirty="0" smtClean="0"/>
+              <a:t>스톱워치 프로그램</a:t>
+            </a:r>
+            <a:endParaRPr lang="ko-KR" altLang="en-US" sz="2800" dirty="0"/>
           </a:p>
         </p:txBody>
       </p:sp>
@@ -12801,1636 +13376,90 @@
       </p:sp>
       <p:sp>
         <p:nvSpPr>
-          <p:cNvPr id="11" name="TextBox 10"/>
+          <p:cNvPr id="9" name="TextBox 8"/>
           <p:cNvSpPr txBox="1"/>
           <p:nvPr/>
         </p:nvSpPr>
         <p:spPr>
           <a:xfrm>
-            <a:off x="867978" y="1155516"/>
-            <a:ext cx="3724982" cy="553998"/>
-          </a:xfrm>
-          <a:prstGeom prst="rect">
-            <a:avLst/>
-          </a:prstGeom>
-          <a:noFill/>
-        </p:spPr>
-        <p:txBody>
-          <a:bodyPr wrap="square" rtlCol="0">
-            <a:spAutoFit/>
-          </a:bodyPr>
-          <a:lstStyle/>
-          <a:p>
-            <a:pPr marL="342900" indent="-342900">
-              <a:lnSpc>
-                <a:spcPct val="150000"/>
-              </a:lnSpc>
-              <a:buFont typeface="Wingdings" panose="05000000000000000000" pitchFamily="2" charset="2"/>
-              <a:buChar char="§"/>
-            </a:pPr>
-            <a:r>
-              <a:rPr lang="ko-KR" altLang="en-US" sz="2000" b="1" dirty="0" smtClean="0"/>
-              <a:t>웹 페이지 동작 방식 비교</a:t>
-            </a:r>
-            <a:endParaRPr lang="en-US" altLang="ko-KR" sz="2400" dirty="0" smtClean="0"/>
-          </a:p>
-        </p:txBody>
-      </p:sp>
-      <p:sp>
-        <p:nvSpPr>
-          <p:cNvPr id="6" name="모서리가 둥근 직사각형 5"/>
-          <p:cNvSpPr/>
-          <p:nvPr/>
-        </p:nvSpPr>
-        <p:spPr>
-          <a:xfrm>
-            <a:off x="2788814" y="2217683"/>
-            <a:ext cx="1804146" cy="3207190"/>
+            <a:off x="6753200" y="2276872"/>
+            <a:ext cx="2016224" cy="374571"/>
           </a:xfrm>
           <a:prstGeom prst="roundRect">
             <a:avLst/>
           </a:prstGeom>
-          <a:solidFill>
-            <a:schemeClr val="bg1">
-              <a:lumMod val="95000"/>
-            </a:schemeClr>
-          </a:solidFill>
-          <a:ln w="12700"/>
+          <a:ln w="19050"/>
         </p:spPr>
         <p:style>
           <a:lnRef idx="2">
-            <a:schemeClr val="accent1">
-              <a:shade val="50000"/>
-            </a:schemeClr>
+            <a:schemeClr val="accent1"/>
           </a:lnRef>
           <a:fillRef idx="1">
-            <a:schemeClr val="accent1"/>
+            <a:schemeClr val="lt1"/>
           </a:fillRef>
           <a:effectRef idx="0">
             <a:schemeClr val="accent1"/>
           </a:effectRef>
           <a:fontRef idx="minor">
-            <a:schemeClr val="lt1"/>
-          </a:fontRef>
-        </p:style>
-        <p:txBody>
-          <a:bodyPr rtlCol="0" anchor="ctr"/>
-          <a:lstStyle/>
-          <a:p>
-            <a:pPr algn="ctr"/>
-            <a:endParaRPr lang="ko-KR" altLang="en-US"/>
-          </a:p>
-        </p:txBody>
-      </p:sp>
-      <p:sp>
-        <p:nvSpPr>
-          <p:cNvPr id="7" name="모서리가 둥근 직사각형 6"/>
-          <p:cNvSpPr/>
-          <p:nvPr/>
-        </p:nvSpPr>
-        <p:spPr>
-          <a:xfrm>
-            <a:off x="848544" y="2174166"/>
-            <a:ext cx="1397844" cy="1309416"/>
-          </a:xfrm>
-          <a:prstGeom prst="roundRect">
-            <a:avLst/>
-          </a:prstGeom>
-          <a:solidFill>
-            <a:schemeClr val="bg1">
-              <a:lumMod val="85000"/>
-            </a:schemeClr>
-          </a:solidFill>
-          <a:ln w="12700"/>
-        </p:spPr>
-        <p:style>
-          <a:lnRef idx="2">
-            <a:schemeClr val="dk1"/>
-          </a:lnRef>
-          <a:fillRef idx="1">
-            <a:schemeClr val="lt1"/>
-          </a:fillRef>
-          <a:effectRef idx="0">
-            <a:schemeClr val="dk1"/>
-          </a:effectRef>
-          <a:fontRef idx="minor">
             <a:schemeClr val="dk1"/>
           </a:fontRef>
         </p:style>
         <p:txBody>
-          <a:bodyPr rtlCol="0" anchor="ctr"/>
+          <a:bodyPr wrap="square" rtlCol="0">
+            <a:spAutoFit/>
+          </a:bodyPr>
           <a:lstStyle/>
           <a:p>
             <a:pPr algn="ctr"/>
-            <a:endParaRPr lang="en-US" altLang="ko-KR" sz="1400" dirty="0" smtClean="0"/>
-          </a:p>
-          <a:p>
-            <a:pPr algn="ctr"/>
-            <a:endParaRPr lang="en-US" altLang="ko-KR" sz="1400" dirty="0"/>
-          </a:p>
-          <a:p>
-            <a:pPr algn="ctr"/>
-            <a:endParaRPr lang="en-US" altLang="ko-KR" sz="1400" dirty="0" smtClean="0"/>
-          </a:p>
-          <a:p>
-            <a:pPr algn="ctr"/>
-            <a:endParaRPr lang="en-US" altLang="ko-KR" sz="1400" dirty="0"/>
-          </a:p>
-          <a:p>
-            <a:pPr algn="ctr"/>
-            <a:endParaRPr lang="en-US" altLang="ko-KR" sz="1400" dirty="0" smtClean="0"/>
-          </a:p>
-          <a:p>
-            <a:pPr algn="ctr"/>
-            <a:endParaRPr lang="ko-KR" altLang="en-US" sz="1400" dirty="0"/>
-          </a:p>
-        </p:txBody>
-      </p:sp>
-      <p:sp>
-        <p:nvSpPr>
-          <p:cNvPr id="8" name="모서리가 둥근 직사각형 7"/>
-          <p:cNvSpPr/>
+            <a:r>
+              <a:rPr lang="en-US" altLang="ko-KR" sz="1600" dirty="0" smtClean="0"/>
+              <a:t>stopwatch.js</a:t>
+            </a:r>
+            <a:endParaRPr lang="ko-KR" altLang="en-US" sz="1600" dirty="0"/>
+          </a:p>
+        </p:txBody>
+      </p:sp>
+      <p:pic>
+        <p:nvPicPr>
+          <p:cNvPr id="6" name="그림 5"/>
+          <p:cNvPicPr>
+            <a:picLocks noChangeAspect="1"/>
+          </p:cNvPicPr>
           <p:nvPr/>
-        </p:nvSpPr>
-        <p:spPr>
-          <a:xfrm>
-            <a:off x="1173417" y="2630970"/>
-            <a:ext cx="792087" cy="564580"/>
-          </a:xfrm>
-          <a:prstGeom prst="roundRect">
-            <a:avLst/>
-          </a:prstGeom>
-          <a:solidFill>
-            <a:schemeClr val="bg1">
-              <a:lumMod val="95000"/>
-            </a:schemeClr>
-          </a:solidFill>
-          <a:ln w="12700"/>
-        </p:spPr>
-        <p:style>
-          <a:lnRef idx="2">
-            <a:schemeClr val="dk1"/>
-          </a:lnRef>
-          <a:fillRef idx="1">
-            <a:schemeClr val="lt1"/>
-          </a:fillRef>
-          <a:effectRef idx="0">
-            <a:schemeClr val="dk1"/>
-          </a:effectRef>
-          <a:fontRef idx="minor">
-            <a:schemeClr val="dk1"/>
-          </a:fontRef>
-        </p:style>
-        <p:txBody>
-          <a:bodyPr rtlCol="0" anchor="ctr"/>
-          <a:lstStyle/>
-          <a:p>
-            <a:pPr algn="ctr"/>
-            <a:endParaRPr lang="ko-KR" altLang="en-US" sz="1400" dirty="0"/>
-          </a:p>
-        </p:txBody>
-      </p:sp>
-      <p:sp>
-        <p:nvSpPr>
-          <p:cNvPr id="12" name="TextBox 11"/>
-          <p:cNvSpPr txBox="1"/>
-          <p:nvPr/>
-        </p:nvSpPr>
-        <p:spPr>
-          <a:xfrm>
-            <a:off x="848544" y="1755390"/>
-            <a:ext cx="1588122" cy="307777"/>
+        </p:nvPicPr>
+        <p:blipFill>
+          <a:blip r:embed="rId2">
+            <a:extLst>
+              <a:ext uri="{28A0092B-C50C-407E-A947-70E740481C1C}">
+                <a14:useLocalDpi xmlns:a14="http://schemas.microsoft.com/office/drawing/2010/main" val="0"/>
+              </a:ext>
+            </a:extLst>
+          </a:blip>
+          <a:stretch>
+            <a:fillRect/>
+          </a:stretch>
+        </p:blipFill>
+        <p:spPr>
+          <a:xfrm>
+            <a:off x="2553626" y="1196751"/>
+            <a:ext cx="4032448" cy="5531499"/>
           </a:xfrm>
           <a:prstGeom prst="rect">
             <a:avLst/>
           </a:prstGeom>
-          <a:solidFill>
-            <a:schemeClr val="accent3">
-              <a:lumMod val="20000"/>
-              <a:lumOff val="80000"/>
-            </a:schemeClr>
-          </a:solidFill>
-        </p:spPr>
-        <p:txBody>
-          <a:bodyPr wrap="square" rtlCol="0">
-            <a:spAutoFit/>
-          </a:bodyPr>
-          <a:lstStyle/>
-          <a:p>
-            <a:pPr algn="ctr"/>
-            <a:r>
-              <a:rPr lang="ko-KR" altLang="en-US" sz="1400" dirty="0" smtClean="0"/>
-              <a:t>요청 페이지</a:t>
-            </a:r>
-            <a:endParaRPr lang="ko-KR" altLang="en-US" sz="1400" dirty="0"/>
-          </a:p>
-        </p:txBody>
-      </p:sp>
-      <p:sp>
-        <p:nvSpPr>
-          <p:cNvPr id="13" name="TextBox 12"/>
-          <p:cNvSpPr txBox="1"/>
-          <p:nvPr/>
-        </p:nvSpPr>
-        <p:spPr>
-          <a:xfrm>
-            <a:off x="937122" y="2277054"/>
-            <a:ext cx="1207566" cy="307777"/>
-          </a:xfrm>
-          <a:prstGeom prst="rect">
-            <a:avLst/>
-          </a:prstGeom>
-          <a:noFill/>
-        </p:spPr>
-        <p:txBody>
-          <a:bodyPr wrap="square" rtlCol="0">
-            <a:spAutoFit/>
-          </a:bodyPr>
-          <a:lstStyle/>
-          <a:p>
-            <a:pPr algn="ctr"/>
-            <a:r>
-              <a:rPr lang="ko-KR" altLang="en-US" sz="1400" dirty="0" smtClean="0"/>
-              <a:t>내</a:t>
-            </a:r>
-            <a:r>
-              <a:rPr lang="ko-KR" altLang="en-US" sz="1400" dirty="0"/>
-              <a:t>용</a:t>
-            </a:r>
-          </a:p>
-        </p:txBody>
-      </p:sp>
-      <p:sp>
-        <p:nvSpPr>
-          <p:cNvPr id="14" name="모서리가 둥근 직사각형 13"/>
-          <p:cNvSpPr/>
-          <p:nvPr/>
-        </p:nvSpPr>
-        <p:spPr>
-          <a:xfrm>
-            <a:off x="848544" y="4118382"/>
-            <a:ext cx="1397844" cy="1309416"/>
-          </a:xfrm>
-          <a:prstGeom prst="roundRect">
-            <a:avLst/>
-          </a:prstGeom>
-          <a:solidFill>
-            <a:schemeClr val="bg1">
-              <a:lumMod val="85000"/>
-            </a:schemeClr>
-          </a:solidFill>
-          <a:ln w="12700"/>
-        </p:spPr>
-        <p:style>
-          <a:lnRef idx="2">
-            <a:schemeClr val="dk1"/>
-          </a:lnRef>
-          <a:fillRef idx="1">
-            <a:schemeClr val="lt1"/>
-          </a:fillRef>
-          <a:effectRef idx="0">
-            <a:schemeClr val="dk1"/>
-          </a:effectRef>
-          <a:fontRef idx="minor">
-            <a:schemeClr val="dk1"/>
-          </a:fontRef>
-        </p:style>
-        <p:txBody>
-          <a:bodyPr rtlCol="0" anchor="ctr"/>
-          <a:lstStyle/>
-          <a:p>
-            <a:pPr algn="ctr"/>
-            <a:endParaRPr lang="en-US" altLang="ko-KR" sz="1400" dirty="0" smtClean="0"/>
-          </a:p>
-          <a:p>
-            <a:pPr algn="ctr"/>
-            <a:endParaRPr lang="en-US" altLang="ko-KR" sz="1400" dirty="0"/>
-          </a:p>
-          <a:p>
-            <a:pPr algn="ctr"/>
-            <a:endParaRPr lang="en-US" altLang="ko-KR" sz="1400" dirty="0" smtClean="0"/>
-          </a:p>
-          <a:p>
-            <a:pPr algn="ctr"/>
-            <a:endParaRPr lang="en-US" altLang="ko-KR" sz="1400" dirty="0"/>
-          </a:p>
-          <a:p>
-            <a:pPr algn="ctr"/>
-            <a:endParaRPr lang="en-US" altLang="ko-KR" sz="1400" dirty="0" smtClean="0"/>
-          </a:p>
-          <a:p>
-            <a:pPr algn="ctr"/>
-            <a:endParaRPr lang="ko-KR" altLang="en-US" sz="1400" dirty="0"/>
-          </a:p>
-        </p:txBody>
-      </p:sp>
-      <p:sp>
-        <p:nvSpPr>
-          <p:cNvPr id="15" name="모서리가 둥근 직사각형 14"/>
-          <p:cNvSpPr/>
-          <p:nvPr/>
-        </p:nvSpPr>
-        <p:spPr>
-          <a:xfrm>
-            <a:off x="1101408" y="4400835"/>
-            <a:ext cx="936104" cy="744509"/>
-          </a:xfrm>
-          <a:prstGeom prst="roundRect">
-            <a:avLst/>
-          </a:prstGeom>
-          <a:solidFill>
-            <a:schemeClr val="bg1">
-              <a:lumMod val="95000"/>
-            </a:schemeClr>
-          </a:solidFill>
-          <a:ln w="12700"/>
-        </p:spPr>
-        <p:style>
-          <a:lnRef idx="2">
-            <a:schemeClr val="dk1"/>
-          </a:lnRef>
-          <a:fillRef idx="1">
-            <a:schemeClr val="lt1"/>
-          </a:fillRef>
-          <a:effectRef idx="0">
-            <a:schemeClr val="dk1"/>
-          </a:effectRef>
-          <a:fontRef idx="minor">
-            <a:schemeClr val="dk1"/>
-          </a:fontRef>
-        </p:style>
-        <p:txBody>
-          <a:bodyPr rtlCol="0" anchor="ctr"/>
-          <a:lstStyle/>
-          <a:p>
-            <a:pPr algn="ctr"/>
-            <a:r>
-              <a:rPr lang="ko-KR" altLang="en-US" sz="1400" dirty="0" smtClean="0"/>
-              <a:t>결과입니다</a:t>
-            </a:r>
-            <a:r>
-              <a:rPr lang="en-US" altLang="ko-KR" sz="1400" dirty="0" smtClean="0"/>
-              <a:t>.</a:t>
-            </a:r>
-            <a:endParaRPr lang="ko-KR" altLang="en-US" sz="1400" dirty="0"/>
-          </a:p>
-        </p:txBody>
-      </p:sp>
-      <p:sp>
-        <p:nvSpPr>
-          <p:cNvPr id="16" name="TextBox 15"/>
-          <p:cNvSpPr txBox="1"/>
-          <p:nvPr/>
-        </p:nvSpPr>
-        <p:spPr>
-          <a:xfrm>
-            <a:off x="848544" y="3699606"/>
-            <a:ext cx="1588122" cy="307777"/>
-          </a:xfrm>
-          <a:prstGeom prst="rect">
-            <a:avLst/>
-          </a:prstGeom>
-          <a:solidFill>
-            <a:schemeClr val="accent3">
-              <a:lumMod val="20000"/>
-              <a:lumOff val="80000"/>
-            </a:schemeClr>
-          </a:solidFill>
-        </p:spPr>
-        <p:txBody>
-          <a:bodyPr wrap="square" rtlCol="0">
-            <a:spAutoFit/>
-          </a:bodyPr>
-          <a:lstStyle/>
-          <a:p>
-            <a:pPr algn="ctr"/>
-            <a:r>
-              <a:rPr lang="ko-KR" altLang="en-US" sz="1400" b="1" dirty="0" smtClean="0">
-                <a:solidFill>
-                  <a:srgbClr val="C00000"/>
-                </a:solidFill>
-              </a:rPr>
-              <a:t>요청 페이지</a:t>
-            </a:r>
-            <a:endParaRPr lang="ko-KR" altLang="en-US" sz="1400" b="1" dirty="0">
-              <a:solidFill>
-                <a:srgbClr val="C00000"/>
-              </a:solidFill>
-            </a:endParaRPr>
-          </a:p>
-        </p:txBody>
-      </p:sp>
-      <p:sp>
-        <p:nvSpPr>
-          <p:cNvPr id="18" name="TextBox 17"/>
-          <p:cNvSpPr txBox="1"/>
-          <p:nvPr/>
-        </p:nvSpPr>
-        <p:spPr>
-          <a:xfrm>
-            <a:off x="2864768" y="1755390"/>
-            <a:ext cx="1588122" cy="307777"/>
-          </a:xfrm>
-          <a:prstGeom prst="rect">
-            <a:avLst/>
-          </a:prstGeom>
-          <a:solidFill>
-            <a:schemeClr val="accent3">
-              <a:lumMod val="20000"/>
-              <a:lumOff val="80000"/>
-            </a:schemeClr>
-          </a:solidFill>
-        </p:spPr>
-        <p:txBody>
-          <a:bodyPr wrap="square" rtlCol="0">
-            <a:spAutoFit/>
-          </a:bodyPr>
-          <a:lstStyle/>
-          <a:p>
-            <a:pPr algn="ctr"/>
-            <a:r>
-              <a:rPr lang="ko-KR" altLang="en-US" sz="1400" dirty="0" smtClean="0"/>
-              <a:t>웹 서버</a:t>
-            </a:r>
-            <a:endParaRPr lang="ko-KR" altLang="en-US" sz="1400" dirty="0"/>
-          </a:p>
-        </p:txBody>
-      </p:sp>
-      <p:cxnSp>
-        <p:nvCxnSpPr>
-          <p:cNvPr id="19" name="직선 연결선 18"/>
-          <p:cNvCxnSpPr/>
-          <p:nvPr/>
-        </p:nvCxnSpPr>
-        <p:spPr>
-          <a:xfrm>
-            <a:off x="4808984" y="1556792"/>
-            <a:ext cx="0" cy="4371278"/>
-          </a:xfrm>
-          <a:prstGeom prst="line">
-            <a:avLst/>
-          </a:prstGeom>
-        </p:spPr>
-        <p:style>
-          <a:lnRef idx="1">
-            <a:schemeClr val="accent1"/>
-          </a:lnRef>
-          <a:fillRef idx="0">
-            <a:schemeClr val="accent1"/>
-          </a:fillRef>
-          <a:effectRef idx="0">
-            <a:schemeClr val="accent1"/>
-          </a:effectRef>
-          <a:fontRef idx="minor">
-            <a:schemeClr val="tx1"/>
-          </a:fontRef>
-        </p:style>
-      </p:cxnSp>
-      <p:sp>
-        <p:nvSpPr>
-          <p:cNvPr id="20" name="TextBox 19"/>
-          <p:cNvSpPr txBox="1"/>
-          <p:nvPr/>
-        </p:nvSpPr>
-        <p:spPr>
-          <a:xfrm>
-            <a:off x="2900184" y="2674985"/>
-            <a:ext cx="1588122" cy="307777"/>
-          </a:xfrm>
-          <a:prstGeom prst="rect">
-            <a:avLst/>
-          </a:prstGeom>
-          <a:solidFill>
-            <a:schemeClr val="accent3">
-              <a:lumMod val="20000"/>
-              <a:lumOff val="80000"/>
-            </a:schemeClr>
-          </a:solidFill>
           <a:ln>
             <a:solidFill>
-              <a:schemeClr val="accent3">
-                <a:lumMod val="40000"/>
-                <a:lumOff val="60000"/>
+              <a:schemeClr val="bg1">
+                <a:lumMod val="85000"/>
               </a:schemeClr>
             </a:solidFill>
           </a:ln>
         </p:spPr>
-        <p:txBody>
-          <a:bodyPr wrap="square" rtlCol="0">
-            <a:spAutoFit/>
-          </a:bodyPr>
-          <a:lstStyle/>
-          <a:p>
-            <a:pPr algn="ctr"/>
-            <a:r>
-              <a:rPr lang="ko-KR" altLang="en-US" sz="1400" dirty="0" smtClean="0"/>
-              <a:t>요청 받음</a:t>
-            </a:r>
-            <a:endParaRPr lang="ko-KR" altLang="en-US" sz="1400" dirty="0"/>
-          </a:p>
-        </p:txBody>
-      </p:sp>
-      <p:sp>
-        <p:nvSpPr>
-          <p:cNvPr id="21" name="TextBox 20"/>
-          <p:cNvSpPr txBox="1"/>
-          <p:nvPr/>
-        </p:nvSpPr>
-        <p:spPr>
-          <a:xfrm>
-            <a:off x="2900184" y="3555590"/>
-            <a:ext cx="1588122" cy="523220"/>
-          </a:xfrm>
-          <a:prstGeom prst="rect">
-            <a:avLst/>
-          </a:prstGeom>
-          <a:solidFill>
-            <a:schemeClr val="accent3">
-              <a:lumMod val="20000"/>
-              <a:lumOff val="80000"/>
-            </a:schemeClr>
-          </a:solidFill>
-          <a:ln>
-            <a:solidFill>
-              <a:schemeClr val="accent3">
-                <a:lumMod val="40000"/>
-                <a:lumOff val="60000"/>
-              </a:schemeClr>
-            </a:solidFill>
-          </a:ln>
-        </p:spPr>
-        <p:txBody>
-          <a:bodyPr wrap="square" rtlCol="0">
-            <a:spAutoFit/>
-          </a:bodyPr>
-          <a:lstStyle/>
-          <a:p>
-            <a:pPr algn="ctr"/>
-            <a:r>
-              <a:rPr lang="ko-KR" altLang="en-US" sz="1400" dirty="0" smtClean="0"/>
-              <a:t>요청 처리</a:t>
-            </a:r>
-            <a:endParaRPr lang="en-US" altLang="ko-KR" sz="1400" dirty="0" smtClean="0"/>
-          </a:p>
-          <a:p>
-            <a:pPr algn="ctr"/>
-            <a:r>
-              <a:rPr lang="en-US" altLang="ko-KR" sz="1400" dirty="0" smtClean="0"/>
-              <a:t>(JSP/ASP/~)</a:t>
-            </a:r>
-            <a:endParaRPr lang="ko-KR" altLang="en-US" sz="1400" dirty="0"/>
-          </a:p>
-        </p:txBody>
-      </p:sp>
-      <p:sp>
-        <p:nvSpPr>
-          <p:cNvPr id="22" name="TextBox 21"/>
-          <p:cNvSpPr txBox="1"/>
-          <p:nvPr/>
-        </p:nvSpPr>
-        <p:spPr>
-          <a:xfrm>
-            <a:off x="2900184" y="4687973"/>
-            <a:ext cx="1588122" cy="307777"/>
-          </a:xfrm>
-          <a:prstGeom prst="rect">
-            <a:avLst/>
-          </a:prstGeom>
-          <a:solidFill>
-            <a:schemeClr val="accent3">
-              <a:lumMod val="20000"/>
-              <a:lumOff val="80000"/>
-            </a:schemeClr>
-          </a:solidFill>
-          <a:ln>
-            <a:solidFill>
-              <a:schemeClr val="accent3">
-                <a:lumMod val="40000"/>
-                <a:lumOff val="60000"/>
-              </a:schemeClr>
-            </a:solidFill>
-          </a:ln>
-        </p:spPr>
-        <p:txBody>
-          <a:bodyPr wrap="square" rtlCol="0">
-            <a:spAutoFit/>
-          </a:bodyPr>
-          <a:lstStyle/>
-          <a:p>
-            <a:pPr algn="ctr"/>
-            <a:r>
-              <a:rPr lang="en-US" altLang="ko-KR" sz="1400" dirty="0" smtClean="0"/>
-              <a:t>HTML </a:t>
-            </a:r>
-            <a:r>
-              <a:rPr lang="ko-KR" altLang="en-US" sz="1400" dirty="0" smtClean="0"/>
-              <a:t>생성</a:t>
-            </a:r>
-            <a:endParaRPr lang="ko-KR" altLang="en-US" sz="1400" dirty="0"/>
-          </a:p>
-        </p:txBody>
-      </p:sp>
-      <p:cxnSp>
-        <p:nvCxnSpPr>
-          <p:cNvPr id="25" name="직선 화살표 연결선 24"/>
-          <p:cNvCxnSpPr/>
-          <p:nvPr/>
-        </p:nvCxnSpPr>
-        <p:spPr>
-          <a:xfrm>
-            <a:off x="2037512" y="2825524"/>
-            <a:ext cx="611232" cy="0"/>
-          </a:xfrm>
-          <a:prstGeom prst="straightConnector1">
-            <a:avLst/>
-          </a:prstGeom>
-          <a:ln w="28575">
-            <a:solidFill>
-              <a:srgbClr val="C00000"/>
-            </a:solidFill>
-            <a:tailEnd type="triangle"/>
-          </a:ln>
-        </p:spPr>
-        <p:style>
-          <a:lnRef idx="1">
-            <a:schemeClr val="accent1"/>
-          </a:lnRef>
-          <a:fillRef idx="0">
-            <a:schemeClr val="accent1"/>
-          </a:fillRef>
-          <a:effectRef idx="0">
-            <a:schemeClr val="accent1"/>
-          </a:effectRef>
-          <a:fontRef idx="minor">
-            <a:schemeClr val="tx1"/>
-          </a:fontRef>
-        </p:style>
-      </p:cxnSp>
-      <p:cxnSp>
-        <p:nvCxnSpPr>
-          <p:cNvPr id="32" name="직선 화살표 연결선 31"/>
-          <p:cNvCxnSpPr/>
-          <p:nvPr/>
-        </p:nvCxnSpPr>
-        <p:spPr>
-          <a:xfrm>
-            <a:off x="3703197" y="3006596"/>
-            <a:ext cx="0" cy="476986"/>
-          </a:xfrm>
-          <a:prstGeom prst="straightConnector1">
-            <a:avLst/>
-          </a:prstGeom>
-          <a:ln w="28575">
-            <a:solidFill>
-              <a:srgbClr val="C00000"/>
-            </a:solidFill>
-            <a:tailEnd type="triangle"/>
-          </a:ln>
-        </p:spPr>
-        <p:style>
-          <a:lnRef idx="1">
-            <a:schemeClr val="accent1"/>
-          </a:lnRef>
-          <a:fillRef idx="0">
-            <a:schemeClr val="accent1"/>
-          </a:fillRef>
-          <a:effectRef idx="0">
-            <a:schemeClr val="accent1"/>
-          </a:effectRef>
-          <a:fontRef idx="minor">
-            <a:schemeClr val="tx1"/>
-          </a:fontRef>
-        </p:style>
-      </p:cxnSp>
-      <p:cxnSp>
-        <p:nvCxnSpPr>
-          <p:cNvPr id="34" name="직선 화살표 연결선 33"/>
-          <p:cNvCxnSpPr/>
-          <p:nvPr/>
-        </p:nvCxnSpPr>
-        <p:spPr>
-          <a:xfrm>
-            <a:off x="3703197" y="4203662"/>
-            <a:ext cx="0" cy="433374"/>
-          </a:xfrm>
-          <a:prstGeom prst="straightConnector1">
-            <a:avLst/>
-          </a:prstGeom>
-          <a:ln w="28575">
-            <a:solidFill>
-              <a:srgbClr val="C00000"/>
-            </a:solidFill>
-            <a:tailEnd type="triangle"/>
-          </a:ln>
-        </p:spPr>
-        <p:style>
-          <a:lnRef idx="1">
-            <a:schemeClr val="accent1"/>
-          </a:lnRef>
-          <a:fillRef idx="0">
-            <a:schemeClr val="accent1"/>
-          </a:fillRef>
-          <a:effectRef idx="0">
-            <a:schemeClr val="accent1"/>
-          </a:effectRef>
-          <a:fontRef idx="minor">
-            <a:schemeClr val="tx1"/>
-          </a:fontRef>
-        </p:style>
-      </p:cxnSp>
-      <p:cxnSp>
-        <p:nvCxnSpPr>
-          <p:cNvPr id="35" name="직선 화살표 연결선 34"/>
-          <p:cNvCxnSpPr/>
-          <p:nvPr/>
-        </p:nvCxnSpPr>
-        <p:spPr>
-          <a:xfrm flipH="1">
-            <a:off x="2120120" y="4839845"/>
-            <a:ext cx="668694" cy="0"/>
-          </a:xfrm>
-          <a:prstGeom prst="straightConnector1">
-            <a:avLst/>
-          </a:prstGeom>
-          <a:ln w="28575">
-            <a:solidFill>
-              <a:srgbClr val="C00000"/>
-            </a:solidFill>
-            <a:tailEnd type="triangle"/>
-          </a:ln>
-        </p:spPr>
-        <p:style>
-          <a:lnRef idx="1">
-            <a:schemeClr val="accent1"/>
-          </a:lnRef>
-          <a:fillRef idx="0">
-            <a:schemeClr val="accent1"/>
-          </a:fillRef>
-          <a:effectRef idx="0">
-            <a:schemeClr val="accent1"/>
-          </a:effectRef>
-          <a:fontRef idx="minor">
-            <a:schemeClr val="tx1"/>
-          </a:fontRef>
-        </p:style>
-      </p:cxnSp>
-      <p:sp>
-        <p:nvSpPr>
-          <p:cNvPr id="58" name="모서리가 둥근 직사각형 57"/>
-          <p:cNvSpPr/>
-          <p:nvPr/>
-        </p:nvSpPr>
-        <p:spPr>
-          <a:xfrm>
-            <a:off x="7613350" y="2217683"/>
-            <a:ext cx="1804146" cy="3207190"/>
-          </a:xfrm>
-          <a:prstGeom prst="roundRect">
-            <a:avLst/>
-          </a:prstGeom>
-          <a:solidFill>
-            <a:schemeClr val="bg1">
-              <a:lumMod val="95000"/>
-            </a:schemeClr>
-          </a:solidFill>
-          <a:ln w="12700"/>
-        </p:spPr>
-        <p:style>
-          <a:lnRef idx="2">
-            <a:schemeClr val="accent1">
-              <a:shade val="50000"/>
-            </a:schemeClr>
-          </a:lnRef>
-          <a:fillRef idx="1">
-            <a:schemeClr val="accent1"/>
-          </a:fillRef>
-          <a:effectRef idx="0">
-            <a:schemeClr val="accent1"/>
-          </a:effectRef>
-          <a:fontRef idx="minor">
-            <a:schemeClr val="lt1"/>
-          </a:fontRef>
-        </p:style>
-        <p:txBody>
-          <a:bodyPr rtlCol="0" anchor="ctr"/>
-          <a:lstStyle/>
-          <a:p>
-            <a:pPr algn="ctr"/>
-            <a:endParaRPr lang="ko-KR" altLang="en-US"/>
-          </a:p>
-        </p:txBody>
-      </p:sp>
-      <p:sp>
-        <p:nvSpPr>
-          <p:cNvPr id="59" name="모서리가 둥근 직사각형 58"/>
-          <p:cNvSpPr/>
-          <p:nvPr/>
-        </p:nvSpPr>
-        <p:spPr>
-          <a:xfrm>
-            <a:off x="5028954" y="2174166"/>
-            <a:ext cx="1397844" cy="3250707"/>
-          </a:xfrm>
-          <a:prstGeom prst="roundRect">
-            <a:avLst/>
-          </a:prstGeom>
-          <a:solidFill>
-            <a:schemeClr val="bg1">
-              <a:lumMod val="85000"/>
-            </a:schemeClr>
-          </a:solidFill>
-          <a:ln w="12700"/>
-        </p:spPr>
-        <p:style>
-          <a:lnRef idx="2">
-            <a:schemeClr val="dk1"/>
-          </a:lnRef>
-          <a:fillRef idx="1">
-            <a:schemeClr val="lt1"/>
-          </a:fillRef>
-          <a:effectRef idx="0">
-            <a:schemeClr val="dk1"/>
-          </a:effectRef>
-          <a:fontRef idx="minor">
-            <a:schemeClr val="dk1"/>
-          </a:fontRef>
-        </p:style>
-        <p:txBody>
-          <a:bodyPr rtlCol="0" anchor="ctr"/>
-          <a:lstStyle/>
-          <a:p>
-            <a:pPr algn="ctr"/>
-            <a:endParaRPr lang="en-US" altLang="ko-KR" sz="1400" dirty="0" smtClean="0"/>
-          </a:p>
-          <a:p>
-            <a:pPr algn="ctr"/>
-            <a:endParaRPr lang="en-US" altLang="ko-KR" sz="1400" dirty="0"/>
-          </a:p>
-          <a:p>
-            <a:pPr algn="ctr"/>
-            <a:endParaRPr lang="en-US" altLang="ko-KR" sz="1400" dirty="0" smtClean="0"/>
-          </a:p>
-          <a:p>
-            <a:pPr algn="ctr"/>
-            <a:endParaRPr lang="en-US" altLang="ko-KR" sz="1400" dirty="0"/>
-          </a:p>
-          <a:p>
-            <a:pPr algn="ctr"/>
-            <a:endParaRPr lang="en-US" altLang="ko-KR" sz="1400" dirty="0" smtClean="0"/>
-          </a:p>
-          <a:p>
-            <a:pPr algn="ctr"/>
-            <a:endParaRPr lang="ko-KR" altLang="en-US" sz="1400" dirty="0"/>
-          </a:p>
-        </p:txBody>
-      </p:sp>
-      <p:sp>
-        <p:nvSpPr>
-          <p:cNvPr id="60" name="모서리가 둥근 직사각형 59"/>
-          <p:cNvSpPr/>
-          <p:nvPr/>
-        </p:nvSpPr>
-        <p:spPr>
-          <a:xfrm>
-            <a:off x="5353827" y="2630970"/>
-            <a:ext cx="792087" cy="564580"/>
-          </a:xfrm>
-          <a:prstGeom prst="roundRect">
-            <a:avLst/>
-          </a:prstGeom>
-          <a:solidFill>
-            <a:schemeClr val="bg1">
-              <a:lumMod val="95000"/>
-            </a:schemeClr>
-          </a:solidFill>
-          <a:ln w="12700"/>
-        </p:spPr>
-        <p:style>
-          <a:lnRef idx="2">
-            <a:schemeClr val="dk1"/>
-          </a:lnRef>
-          <a:fillRef idx="1">
-            <a:schemeClr val="lt1"/>
-          </a:fillRef>
-          <a:effectRef idx="0">
-            <a:schemeClr val="dk1"/>
-          </a:effectRef>
-          <a:fontRef idx="minor">
-            <a:schemeClr val="dk1"/>
-          </a:fontRef>
-        </p:style>
-        <p:txBody>
-          <a:bodyPr rtlCol="0" anchor="ctr"/>
-          <a:lstStyle/>
-          <a:p>
-            <a:pPr algn="ctr"/>
-            <a:endParaRPr lang="ko-KR" altLang="en-US" sz="1400" dirty="0"/>
-          </a:p>
-        </p:txBody>
-      </p:sp>
-      <p:sp>
-        <p:nvSpPr>
-          <p:cNvPr id="61" name="TextBox 60"/>
-          <p:cNvSpPr txBox="1"/>
-          <p:nvPr/>
-        </p:nvSpPr>
-        <p:spPr>
-          <a:xfrm>
-            <a:off x="5028954" y="1755390"/>
-            <a:ext cx="1588122" cy="307777"/>
-          </a:xfrm>
-          <a:prstGeom prst="rect">
-            <a:avLst/>
-          </a:prstGeom>
-          <a:solidFill>
-            <a:schemeClr val="accent3">
-              <a:lumMod val="20000"/>
-              <a:lumOff val="80000"/>
-            </a:schemeClr>
-          </a:solidFill>
-        </p:spPr>
-        <p:txBody>
-          <a:bodyPr wrap="square" rtlCol="0">
-            <a:spAutoFit/>
-          </a:bodyPr>
-          <a:lstStyle/>
-          <a:p>
-            <a:pPr algn="ctr"/>
-            <a:r>
-              <a:rPr lang="ko-KR" altLang="en-US" sz="1400" dirty="0" smtClean="0"/>
-              <a:t>요청 페이지</a:t>
-            </a:r>
-            <a:endParaRPr lang="ko-KR" altLang="en-US" sz="1400" dirty="0"/>
-          </a:p>
-        </p:txBody>
-      </p:sp>
-      <p:sp>
-        <p:nvSpPr>
-          <p:cNvPr id="62" name="TextBox 61"/>
-          <p:cNvSpPr txBox="1"/>
-          <p:nvPr/>
-        </p:nvSpPr>
-        <p:spPr>
-          <a:xfrm>
-            <a:off x="5117532" y="2277054"/>
-            <a:ext cx="1207566" cy="307777"/>
-          </a:xfrm>
-          <a:prstGeom prst="rect">
-            <a:avLst/>
-          </a:prstGeom>
-          <a:noFill/>
-        </p:spPr>
-        <p:txBody>
-          <a:bodyPr wrap="square" rtlCol="0">
-            <a:spAutoFit/>
-          </a:bodyPr>
-          <a:lstStyle/>
-          <a:p>
-            <a:pPr algn="ctr"/>
-            <a:r>
-              <a:rPr lang="ko-KR" altLang="en-US" sz="1400" dirty="0" smtClean="0"/>
-              <a:t>내</a:t>
-            </a:r>
-            <a:r>
-              <a:rPr lang="ko-KR" altLang="en-US" sz="1400" dirty="0"/>
-              <a:t>용</a:t>
-            </a:r>
-          </a:p>
-        </p:txBody>
-      </p:sp>
-      <p:sp>
-        <p:nvSpPr>
-          <p:cNvPr id="64" name="모서리가 둥근 직사각형 63"/>
-          <p:cNvSpPr/>
-          <p:nvPr/>
-        </p:nvSpPr>
-        <p:spPr>
-          <a:xfrm>
-            <a:off x="5281818" y="4419686"/>
-            <a:ext cx="936104" cy="744509"/>
-          </a:xfrm>
-          <a:prstGeom prst="roundRect">
-            <a:avLst/>
-          </a:prstGeom>
-          <a:solidFill>
-            <a:schemeClr val="bg1">
-              <a:lumMod val="95000"/>
-            </a:schemeClr>
-          </a:solidFill>
-          <a:ln w="12700"/>
-        </p:spPr>
-        <p:style>
-          <a:lnRef idx="2">
-            <a:schemeClr val="dk1"/>
-          </a:lnRef>
-          <a:fillRef idx="1">
-            <a:schemeClr val="lt1"/>
-          </a:fillRef>
-          <a:effectRef idx="0">
-            <a:schemeClr val="dk1"/>
-          </a:effectRef>
-          <a:fontRef idx="minor">
-            <a:schemeClr val="dk1"/>
-          </a:fontRef>
-        </p:style>
-        <p:txBody>
-          <a:bodyPr rtlCol="0" anchor="ctr"/>
-          <a:lstStyle/>
-          <a:p>
-            <a:pPr algn="ctr"/>
-            <a:r>
-              <a:rPr lang="ko-KR" altLang="en-US" sz="1400" dirty="0" smtClean="0"/>
-              <a:t>결과입니다</a:t>
-            </a:r>
-            <a:r>
-              <a:rPr lang="en-US" altLang="ko-KR" sz="1400" dirty="0" smtClean="0"/>
-              <a:t>.</a:t>
-            </a:r>
-            <a:endParaRPr lang="ko-KR" altLang="en-US" sz="1400" dirty="0"/>
-          </a:p>
-        </p:txBody>
-      </p:sp>
-      <p:sp>
-        <p:nvSpPr>
-          <p:cNvPr id="66" name="TextBox 65"/>
-          <p:cNvSpPr txBox="1"/>
-          <p:nvPr/>
-        </p:nvSpPr>
-        <p:spPr>
-          <a:xfrm>
-            <a:off x="7689304" y="1755390"/>
-            <a:ext cx="1588122" cy="307777"/>
-          </a:xfrm>
-          <a:prstGeom prst="rect">
-            <a:avLst/>
-          </a:prstGeom>
-          <a:solidFill>
-            <a:schemeClr val="accent3">
-              <a:lumMod val="20000"/>
-              <a:lumOff val="80000"/>
-            </a:schemeClr>
-          </a:solidFill>
-        </p:spPr>
-        <p:txBody>
-          <a:bodyPr wrap="square" rtlCol="0">
-            <a:spAutoFit/>
-          </a:bodyPr>
-          <a:lstStyle/>
-          <a:p>
-            <a:pPr algn="ctr"/>
-            <a:r>
-              <a:rPr lang="ko-KR" altLang="en-US" sz="1400" dirty="0" smtClean="0"/>
-              <a:t>웹 서버</a:t>
-            </a:r>
-            <a:endParaRPr lang="ko-KR" altLang="en-US" sz="1400" dirty="0"/>
-          </a:p>
-        </p:txBody>
-      </p:sp>
-      <p:sp>
-        <p:nvSpPr>
-          <p:cNvPr id="67" name="TextBox 66"/>
-          <p:cNvSpPr txBox="1"/>
-          <p:nvPr/>
-        </p:nvSpPr>
-        <p:spPr>
-          <a:xfrm>
-            <a:off x="7724720" y="2674985"/>
-            <a:ext cx="1588122" cy="307777"/>
-          </a:xfrm>
-          <a:prstGeom prst="rect">
-            <a:avLst/>
-          </a:prstGeom>
-          <a:solidFill>
-            <a:schemeClr val="accent3">
-              <a:lumMod val="20000"/>
-              <a:lumOff val="80000"/>
-            </a:schemeClr>
-          </a:solidFill>
-          <a:ln>
-            <a:solidFill>
-              <a:schemeClr val="accent3">
-                <a:lumMod val="40000"/>
-                <a:lumOff val="60000"/>
-              </a:schemeClr>
-            </a:solidFill>
-          </a:ln>
-        </p:spPr>
-        <p:txBody>
-          <a:bodyPr wrap="square" rtlCol="0">
-            <a:spAutoFit/>
-          </a:bodyPr>
-          <a:lstStyle/>
-          <a:p>
-            <a:pPr algn="ctr"/>
-            <a:r>
-              <a:rPr lang="ko-KR" altLang="en-US" sz="1400" dirty="0" smtClean="0"/>
-              <a:t>요청 받음</a:t>
-            </a:r>
-            <a:endParaRPr lang="ko-KR" altLang="en-US" sz="1400" dirty="0"/>
-          </a:p>
-        </p:txBody>
-      </p:sp>
-      <p:sp>
-        <p:nvSpPr>
-          <p:cNvPr id="68" name="TextBox 67"/>
-          <p:cNvSpPr txBox="1"/>
-          <p:nvPr/>
-        </p:nvSpPr>
-        <p:spPr>
-          <a:xfrm>
-            <a:off x="7724720" y="3536426"/>
-            <a:ext cx="1588122" cy="523220"/>
-          </a:xfrm>
-          <a:prstGeom prst="rect">
-            <a:avLst/>
-          </a:prstGeom>
-          <a:solidFill>
-            <a:schemeClr val="accent3">
-              <a:lumMod val="20000"/>
-              <a:lumOff val="80000"/>
-            </a:schemeClr>
-          </a:solidFill>
-          <a:ln>
-            <a:solidFill>
-              <a:schemeClr val="accent3">
-                <a:lumMod val="40000"/>
-                <a:lumOff val="60000"/>
-              </a:schemeClr>
-            </a:solidFill>
-          </a:ln>
-        </p:spPr>
-        <p:txBody>
-          <a:bodyPr wrap="square" rtlCol="0">
-            <a:spAutoFit/>
-          </a:bodyPr>
-          <a:lstStyle/>
-          <a:p>
-            <a:pPr algn="ctr"/>
-            <a:r>
-              <a:rPr lang="ko-KR" altLang="en-US" sz="1400" dirty="0" smtClean="0"/>
-              <a:t>요청 처리</a:t>
-            </a:r>
-            <a:endParaRPr lang="en-US" altLang="ko-KR" sz="1400" dirty="0" smtClean="0"/>
-          </a:p>
-          <a:p>
-            <a:pPr algn="ctr"/>
-            <a:r>
-              <a:rPr lang="en-US" altLang="ko-KR" sz="1400" dirty="0" smtClean="0"/>
-              <a:t>(JSP/ASP/~)</a:t>
-            </a:r>
-            <a:endParaRPr lang="ko-KR" altLang="en-US" sz="1400" dirty="0"/>
-          </a:p>
-        </p:txBody>
-      </p:sp>
-      <p:sp>
-        <p:nvSpPr>
-          <p:cNvPr id="69" name="TextBox 68"/>
-          <p:cNvSpPr txBox="1"/>
-          <p:nvPr/>
-        </p:nvSpPr>
-        <p:spPr>
-          <a:xfrm>
-            <a:off x="7724720" y="4563702"/>
-            <a:ext cx="1588122" cy="523220"/>
-          </a:xfrm>
-          <a:prstGeom prst="rect">
-            <a:avLst/>
-          </a:prstGeom>
-          <a:solidFill>
-            <a:schemeClr val="accent3">
-              <a:lumMod val="20000"/>
-              <a:lumOff val="80000"/>
-            </a:schemeClr>
-          </a:solidFill>
-          <a:ln>
-            <a:solidFill>
-              <a:schemeClr val="accent3">
-                <a:lumMod val="40000"/>
-                <a:lumOff val="60000"/>
-              </a:schemeClr>
-            </a:solidFill>
-          </a:ln>
-        </p:spPr>
-        <p:txBody>
-          <a:bodyPr wrap="square" rtlCol="0">
-            <a:spAutoFit/>
-          </a:bodyPr>
-          <a:lstStyle/>
-          <a:p>
-            <a:pPr algn="ctr"/>
-            <a:r>
-              <a:rPr lang="en-US" altLang="ko-KR" sz="1400" dirty="0" smtClean="0"/>
-              <a:t>XML </a:t>
-            </a:r>
-            <a:r>
-              <a:rPr lang="ko-KR" altLang="en-US" sz="1400" dirty="0" smtClean="0"/>
-              <a:t>또는</a:t>
-            </a:r>
-            <a:endParaRPr lang="en-US" altLang="ko-KR" sz="1400" dirty="0" smtClean="0"/>
-          </a:p>
-          <a:p>
-            <a:pPr algn="ctr"/>
-            <a:r>
-              <a:rPr lang="en-US" altLang="ko-KR" sz="1400" dirty="0" smtClean="0"/>
-              <a:t>JSON </a:t>
-            </a:r>
-            <a:r>
-              <a:rPr lang="ko-KR" altLang="en-US" sz="1400" dirty="0" smtClean="0"/>
-              <a:t>생성</a:t>
-            </a:r>
-            <a:endParaRPr lang="ko-KR" altLang="en-US" sz="1400" dirty="0"/>
-          </a:p>
-        </p:txBody>
-      </p:sp>
-      <p:cxnSp>
-        <p:nvCxnSpPr>
-          <p:cNvPr id="70" name="직선 화살표 연결선 69"/>
-          <p:cNvCxnSpPr/>
-          <p:nvPr/>
-        </p:nvCxnSpPr>
-        <p:spPr>
-          <a:xfrm>
-            <a:off x="6177136" y="2825524"/>
-            <a:ext cx="463270" cy="3349"/>
-          </a:xfrm>
-          <a:prstGeom prst="straightConnector1">
-            <a:avLst/>
-          </a:prstGeom>
-          <a:ln w="28575">
-            <a:solidFill>
-              <a:srgbClr val="C00000"/>
-            </a:solidFill>
-            <a:tailEnd type="triangle"/>
-          </a:ln>
-        </p:spPr>
-        <p:style>
-          <a:lnRef idx="1">
-            <a:schemeClr val="accent1"/>
-          </a:lnRef>
-          <a:fillRef idx="0">
-            <a:schemeClr val="accent1"/>
-          </a:fillRef>
-          <a:effectRef idx="0">
-            <a:schemeClr val="accent1"/>
-          </a:effectRef>
-          <a:fontRef idx="minor">
-            <a:schemeClr val="tx1"/>
-          </a:fontRef>
-        </p:style>
-      </p:cxnSp>
-      <p:cxnSp>
-        <p:nvCxnSpPr>
-          <p:cNvPr id="71" name="직선 화살표 연결선 70"/>
-          <p:cNvCxnSpPr/>
-          <p:nvPr/>
-        </p:nvCxnSpPr>
-        <p:spPr>
-          <a:xfrm>
-            <a:off x="8527733" y="3006596"/>
-            <a:ext cx="0" cy="476986"/>
-          </a:xfrm>
-          <a:prstGeom prst="straightConnector1">
-            <a:avLst/>
-          </a:prstGeom>
-          <a:ln w="28575">
-            <a:solidFill>
-              <a:srgbClr val="C00000"/>
-            </a:solidFill>
-            <a:tailEnd type="triangle"/>
-          </a:ln>
-        </p:spPr>
-        <p:style>
-          <a:lnRef idx="1">
-            <a:schemeClr val="accent1"/>
-          </a:lnRef>
-          <a:fillRef idx="0">
-            <a:schemeClr val="accent1"/>
-          </a:fillRef>
-          <a:effectRef idx="0">
-            <a:schemeClr val="accent1"/>
-          </a:effectRef>
-          <a:fontRef idx="minor">
-            <a:schemeClr val="tx1"/>
-          </a:fontRef>
-        </p:style>
-      </p:cxnSp>
-      <p:cxnSp>
-        <p:nvCxnSpPr>
-          <p:cNvPr id="72" name="직선 화살표 연결선 71"/>
-          <p:cNvCxnSpPr/>
-          <p:nvPr/>
-        </p:nvCxnSpPr>
-        <p:spPr>
-          <a:xfrm>
-            <a:off x="8527733" y="4059646"/>
-            <a:ext cx="0" cy="433374"/>
-          </a:xfrm>
-          <a:prstGeom prst="straightConnector1">
-            <a:avLst/>
-          </a:prstGeom>
-          <a:ln w="28575">
-            <a:solidFill>
-              <a:srgbClr val="C00000"/>
-            </a:solidFill>
-            <a:tailEnd type="triangle"/>
-          </a:ln>
-        </p:spPr>
-        <p:style>
-          <a:lnRef idx="1">
-            <a:schemeClr val="accent1"/>
-          </a:lnRef>
-          <a:fillRef idx="0">
-            <a:schemeClr val="accent1"/>
-          </a:fillRef>
-          <a:effectRef idx="0">
-            <a:schemeClr val="accent1"/>
-          </a:effectRef>
-          <a:fontRef idx="minor">
-            <a:schemeClr val="tx1"/>
-          </a:fontRef>
-        </p:style>
-      </p:cxnSp>
-      <p:cxnSp>
-        <p:nvCxnSpPr>
-          <p:cNvPr id="73" name="직선 화살표 연결선 72"/>
-          <p:cNvCxnSpPr/>
-          <p:nvPr/>
-        </p:nvCxnSpPr>
-        <p:spPr>
-          <a:xfrm flipH="1" flipV="1">
-            <a:off x="6177136" y="4789249"/>
-            <a:ext cx="511015" cy="2692"/>
-          </a:xfrm>
-          <a:prstGeom prst="straightConnector1">
-            <a:avLst/>
-          </a:prstGeom>
-          <a:ln w="28575">
-            <a:solidFill>
-              <a:srgbClr val="C00000"/>
-            </a:solidFill>
-            <a:tailEnd type="triangle"/>
-          </a:ln>
-        </p:spPr>
-        <p:style>
-          <a:lnRef idx="1">
-            <a:schemeClr val="accent1"/>
-          </a:lnRef>
-          <a:fillRef idx="0">
-            <a:schemeClr val="accent1"/>
-          </a:fillRef>
-          <a:effectRef idx="0">
-            <a:schemeClr val="accent1"/>
-          </a:effectRef>
-          <a:fontRef idx="minor">
-            <a:schemeClr val="tx1"/>
-          </a:fontRef>
-        </p:style>
-      </p:cxnSp>
-      <p:sp>
-        <p:nvSpPr>
-          <p:cNvPr id="76" name="직사각형 75"/>
-          <p:cNvSpPr/>
-          <p:nvPr/>
-        </p:nvSpPr>
-        <p:spPr>
-          <a:xfrm>
-            <a:off x="6617076" y="2174166"/>
-            <a:ext cx="712188" cy="3250707"/>
-          </a:xfrm>
-          <a:prstGeom prst="rect">
-            <a:avLst/>
-          </a:prstGeom>
-          <a:solidFill>
-            <a:schemeClr val="bg1">
-              <a:lumMod val="65000"/>
-            </a:schemeClr>
-          </a:solidFill>
-          <a:ln w="12700"/>
-        </p:spPr>
-        <p:style>
-          <a:lnRef idx="2">
-            <a:schemeClr val="accent1">
-              <a:shade val="50000"/>
-            </a:schemeClr>
-          </a:lnRef>
-          <a:fillRef idx="1">
-            <a:schemeClr val="accent1"/>
-          </a:fillRef>
-          <a:effectRef idx="0">
-            <a:schemeClr val="accent1"/>
-          </a:effectRef>
-          <a:fontRef idx="minor">
-            <a:schemeClr val="lt1"/>
-          </a:fontRef>
-        </p:style>
-        <p:txBody>
-          <a:bodyPr rtlCol="0" anchor="ctr"/>
-          <a:lstStyle/>
-          <a:p>
-            <a:pPr algn="ctr"/>
-            <a:endParaRPr lang="ko-KR" altLang="en-US"/>
-          </a:p>
-        </p:txBody>
-      </p:sp>
-      <p:sp>
-        <p:nvSpPr>
-          <p:cNvPr id="77" name="TextBox 76"/>
-          <p:cNvSpPr txBox="1"/>
-          <p:nvPr/>
-        </p:nvSpPr>
-        <p:spPr>
-          <a:xfrm>
-            <a:off x="6037066" y="3555590"/>
-            <a:ext cx="1724246" cy="307777"/>
-          </a:xfrm>
-          <a:prstGeom prst="rect">
-            <a:avLst/>
-          </a:prstGeom>
-          <a:noFill/>
-        </p:spPr>
-        <p:txBody>
-          <a:bodyPr wrap="square" rtlCol="0">
-            <a:spAutoFit/>
-          </a:bodyPr>
-          <a:lstStyle/>
-          <a:p>
-            <a:pPr algn="ctr"/>
-            <a:r>
-              <a:rPr lang="en-US" altLang="ko-KR" sz="1400" dirty="0" err="1" smtClean="0"/>
-              <a:t>XMLHttpRequest</a:t>
-            </a:r>
-            <a:endParaRPr lang="ko-KR" altLang="en-US" sz="1400" dirty="0"/>
-          </a:p>
-        </p:txBody>
-      </p:sp>
-      <p:cxnSp>
-        <p:nvCxnSpPr>
-          <p:cNvPr id="78" name="직선 화살표 연결선 77"/>
-          <p:cNvCxnSpPr/>
-          <p:nvPr/>
-        </p:nvCxnSpPr>
-        <p:spPr>
-          <a:xfrm>
-            <a:off x="7298042" y="2825524"/>
-            <a:ext cx="463270" cy="3349"/>
-          </a:xfrm>
-          <a:prstGeom prst="straightConnector1">
-            <a:avLst/>
-          </a:prstGeom>
-          <a:ln w="28575">
-            <a:solidFill>
-              <a:srgbClr val="C00000"/>
-            </a:solidFill>
-            <a:tailEnd type="triangle"/>
-          </a:ln>
-        </p:spPr>
-        <p:style>
-          <a:lnRef idx="1">
-            <a:schemeClr val="accent1"/>
-          </a:lnRef>
-          <a:fillRef idx="0">
-            <a:schemeClr val="accent1"/>
-          </a:fillRef>
-          <a:effectRef idx="0">
-            <a:schemeClr val="accent1"/>
-          </a:effectRef>
-          <a:fontRef idx="minor">
-            <a:schemeClr val="tx1"/>
-          </a:fontRef>
-        </p:style>
-      </p:cxnSp>
-      <p:cxnSp>
-        <p:nvCxnSpPr>
-          <p:cNvPr id="81" name="직선 화살표 연결선 80"/>
-          <p:cNvCxnSpPr/>
-          <p:nvPr/>
-        </p:nvCxnSpPr>
-        <p:spPr>
-          <a:xfrm flipH="1">
-            <a:off x="7243437" y="4785900"/>
-            <a:ext cx="463270" cy="3349"/>
-          </a:xfrm>
-          <a:prstGeom prst="straightConnector1">
-            <a:avLst/>
-          </a:prstGeom>
-          <a:ln w="28575">
-            <a:solidFill>
-              <a:srgbClr val="C00000"/>
-            </a:solidFill>
-            <a:tailEnd type="triangle"/>
-          </a:ln>
-        </p:spPr>
-        <p:style>
-          <a:lnRef idx="1">
-            <a:schemeClr val="accent1"/>
-          </a:lnRef>
-          <a:fillRef idx="0">
-            <a:schemeClr val="accent1"/>
-          </a:fillRef>
-          <a:effectRef idx="0">
-            <a:schemeClr val="accent1"/>
-          </a:effectRef>
-          <a:fontRef idx="minor">
-            <a:schemeClr val="tx1"/>
-          </a:fontRef>
-        </p:style>
-      </p:cxnSp>
-      <p:sp>
-        <p:nvSpPr>
-          <p:cNvPr id="82" name="TextBox 81"/>
-          <p:cNvSpPr txBox="1"/>
-          <p:nvPr/>
-        </p:nvSpPr>
-        <p:spPr>
-          <a:xfrm>
-            <a:off x="937122" y="5571814"/>
-            <a:ext cx="3515768" cy="830997"/>
-          </a:xfrm>
-          <a:prstGeom prst="rect">
-            <a:avLst/>
-          </a:prstGeom>
-          <a:noFill/>
-        </p:spPr>
-        <p:txBody>
-          <a:bodyPr wrap="square" rtlCol="0">
-            <a:spAutoFit/>
-          </a:bodyPr>
-          <a:lstStyle/>
-          <a:p>
-            <a:r>
-              <a:rPr lang="ko-KR" altLang="en-US" sz="1600" dirty="0" smtClean="0"/>
-              <a:t>새로운 페이지를 생성하여 </a:t>
-            </a:r>
-            <a:r>
-              <a:rPr lang="en-US" altLang="ko-KR" sz="1600" dirty="0" smtClean="0"/>
-              <a:t>HTML</a:t>
-            </a:r>
-            <a:r>
-              <a:rPr lang="ko-KR" altLang="en-US" sz="1600" dirty="0" smtClean="0"/>
-              <a:t>의 중복코드가 발생</a:t>
-            </a:r>
-            <a:r>
-              <a:rPr lang="en-US" altLang="ko-KR" sz="1600" dirty="0" smtClean="0"/>
-              <a:t>. </a:t>
-            </a:r>
-            <a:r>
-              <a:rPr lang="ko-KR" altLang="en-US" sz="1600" dirty="0" smtClean="0"/>
-              <a:t>사용자와의 대화를 </a:t>
-            </a:r>
-            <a:r>
-              <a:rPr lang="ko-KR" altLang="en-US" sz="1600" dirty="0" err="1" smtClean="0"/>
-              <a:t>어렵게함</a:t>
-            </a:r>
-            <a:endParaRPr lang="ko-KR" altLang="en-US" sz="1600" dirty="0"/>
-          </a:p>
-        </p:txBody>
-      </p:sp>
-      <p:sp>
-        <p:nvSpPr>
-          <p:cNvPr id="83" name="TextBox 82"/>
-          <p:cNvSpPr txBox="1"/>
-          <p:nvPr/>
-        </p:nvSpPr>
-        <p:spPr>
-          <a:xfrm>
-            <a:off x="5215286" y="5571814"/>
-            <a:ext cx="3842170" cy="830997"/>
-          </a:xfrm>
-          <a:prstGeom prst="rect">
-            <a:avLst/>
-          </a:prstGeom>
-          <a:noFill/>
-        </p:spPr>
-        <p:txBody>
-          <a:bodyPr wrap="square" rtlCol="0">
-            <a:spAutoFit/>
-          </a:bodyPr>
-          <a:lstStyle/>
-          <a:p>
-            <a:r>
-              <a:rPr lang="ko-KR" altLang="en-US" sz="1600" dirty="0" smtClean="0"/>
-              <a:t>새로운 데이터만 웹 서버에 요청하여 </a:t>
-            </a:r>
-            <a:r>
-              <a:rPr lang="ko-KR" altLang="en-US" sz="1600" dirty="0" err="1" smtClean="0"/>
-              <a:t>받은후</a:t>
-            </a:r>
-            <a:r>
-              <a:rPr lang="ko-KR" altLang="en-US" sz="1600" dirty="0" smtClean="0"/>
-              <a:t> 클라이언트에서 데이터에 대한 처리를 할 수 있다</a:t>
-            </a:r>
-            <a:r>
-              <a:rPr lang="en-US" altLang="ko-KR" sz="1600" dirty="0" smtClean="0"/>
-              <a:t>.</a:t>
-            </a:r>
-            <a:endParaRPr lang="ko-KR" altLang="en-US" sz="1600" dirty="0"/>
-          </a:p>
-        </p:txBody>
-      </p:sp>
+      </p:pic>
     </p:spTree>
     <p:extLst>
       <p:ext uri="{BB962C8B-B14F-4D97-AF65-F5344CB8AC3E}">
-        <p14:creationId xmlns:p14="http://schemas.microsoft.com/office/powerpoint/2010/main" val="4124890249"/>
+        <p14:creationId xmlns:p14="http://schemas.microsoft.com/office/powerpoint/2010/main" val="1618271821"/>
       </p:ext>
     </p:extLst>
   </p:cSld>
@@ -14488,17 +13517,10 @@
           <a:p>
             <a:pPr algn="ctr"/>
             <a:r>
-              <a:rPr lang="en-US" altLang="ko-KR" sz="2800" dirty="0"/>
-              <a:t>Ajax </a:t>
-            </a:r>
-            <a:r>
               <a:rPr lang="ko-KR" altLang="en-US" sz="2800" dirty="0" smtClean="0"/>
-              <a:t>사용</a:t>
-            </a:r>
-            <a:r>
-              <a:rPr lang="ko-KR" altLang="en-US" sz="2800" dirty="0"/>
-              <a:t>법</a:t>
-            </a:r>
+              <a:t>스톱워치 프로그램</a:t>
+            </a:r>
+            <a:endParaRPr lang="ko-KR" altLang="en-US" sz="2800" dirty="0"/>
           </a:p>
         </p:txBody>
       </p:sp>
@@ -14525,525 +13547,47 @@
           </a:p>
         </p:txBody>
       </p:sp>
-      <p:sp>
-        <p:nvSpPr>
-          <p:cNvPr id="11" name="TextBox 10"/>
-          <p:cNvSpPr txBox="1"/>
+      <p:pic>
+        <p:nvPicPr>
+          <p:cNvPr id="7" name="그림 6"/>
+          <p:cNvPicPr>
+            <a:picLocks noChangeAspect="1"/>
+          </p:cNvPicPr>
           <p:nvPr/>
-        </p:nvSpPr>
-        <p:spPr>
-          <a:xfrm>
-            <a:off x="867978" y="1290826"/>
-            <a:ext cx="8280920" cy="553998"/>
+        </p:nvPicPr>
+        <p:blipFill>
+          <a:blip r:embed="rId2">
+            <a:extLst>
+              <a:ext uri="{28A0092B-C50C-407E-A947-70E740481C1C}">
+                <a14:useLocalDpi xmlns:a14="http://schemas.microsoft.com/office/drawing/2010/main" val="0"/>
+              </a:ext>
+            </a:extLst>
+          </a:blip>
+          <a:stretch>
+            <a:fillRect/>
+          </a:stretch>
+        </p:blipFill>
+        <p:spPr>
+          <a:xfrm>
+            <a:off x="1461193" y="1844824"/>
+            <a:ext cx="6261939" cy="3817926"/>
           </a:xfrm>
           <a:prstGeom prst="rect">
             <a:avLst/>
           </a:prstGeom>
-          <a:noFill/>
-        </p:spPr>
-        <p:txBody>
-          <a:bodyPr wrap="square" rtlCol="0">
-            <a:spAutoFit/>
-          </a:bodyPr>
-          <a:lstStyle/>
-          <a:p>
-            <a:pPr>
-              <a:lnSpc>
-                <a:spcPct val="150000"/>
-              </a:lnSpc>
-            </a:pPr>
-            <a:r>
-              <a:rPr lang="ko-KR" altLang="en-US" sz="2000" dirty="0"/>
-              <a:t> </a:t>
-            </a:r>
-            <a:r>
-              <a:rPr lang="en-US" altLang="ko-KR" sz="2000" b="1" dirty="0" smtClean="0"/>
-              <a:t>jQuery(</a:t>
-            </a:r>
-            <a:r>
-              <a:rPr lang="ko-KR" altLang="en-US" sz="2000" b="1" dirty="0" smtClean="0"/>
-              <a:t>제이쿼리</a:t>
-            </a:r>
-            <a:r>
-              <a:rPr lang="en-US" altLang="ko-KR" sz="2000" b="1" dirty="0" smtClean="0"/>
-              <a:t>)</a:t>
-            </a:r>
-            <a:r>
-              <a:rPr lang="ko-KR" altLang="en-US" sz="2000" b="1" dirty="0"/>
-              <a:t> </a:t>
-            </a:r>
-            <a:r>
-              <a:rPr lang="en-US" altLang="ko-KR" sz="2000" b="1" dirty="0" smtClean="0"/>
-              <a:t>Ajax </a:t>
-            </a:r>
-            <a:r>
-              <a:rPr lang="ko-KR" altLang="en-US" sz="2000" b="1" dirty="0" smtClean="0"/>
-              <a:t>사용법 </a:t>
-            </a:r>
-            <a:r>
-              <a:rPr lang="en-US" altLang="ko-KR" sz="2000" b="1" dirty="0" smtClean="0"/>
-              <a:t>– </a:t>
-            </a:r>
-            <a:r>
-              <a:rPr lang="ko-KR" altLang="en-US" sz="2000" b="1" dirty="0" smtClean="0"/>
-              <a:t>객체 </a:t>
-            </a:r>
-            <a:r>
-              <a:rPr lang="ko-KR" altLang="en-US" sz="2000" b="1" dirty="0" err="1" smtClean="0"/>
-              <a:t>자료형</a:t>
-            </a:r>
-            <a:r>
-              <a:rPr lang="en-US" altLang="ko-KR" sz="1600" dirty="0" smtClean="0"/>
-              <a:t>   </a:t>
-            </a:r>
-          </a:p>
-        </p:txBody>
-      </p:sp>
-      <p:sp>
-        <p:nvSpPr>
-          <p:cNvPr id="6" name="직사각형 5"/>
-          <p:cNvSpPr/>
-          <p:nvPr/>
-        </p:nvSpPr>
-        <p:spPr>
-          <a:xfrm>
-            <a:off x="1624062" y="1988840"/>
-            <a:ext cx="6768752" cy="3970318"/>
-          </a:xfrm>
-          <a:prstGeom prst="rect">
-            <a:avLst/>
-          </a:prstGeom>
-          <a:solidFill>
-            <a:schemeClr val="bg1">
-              <a:lumMod val="95000"/>
-            </a:schemeClr>
-          </a:solidFill>
-        </p:spPr>
-        <p:txBody>
-          <a:bodyPr wrap="square">
-            <a:spAutoFit/>
-          </a:bodyPr>
-          <a:lstStyle/>
-          <a:p>
-            <a:pPr>
-              <a:lnSpc>
-                <a:spcPct val="150000"/>
-              </a:lnSpc>
-            </a:pPr>
-            <a:r>
-              <a:rPr lang="en-US" altLang="ko-KR" b="1" dirty="0"/>
-              <a:t>$.ajax</a:t>
-            </a:r>
-            <a:r>
-              <a:rPr lang="en-US" altLang="ko-KR" dirty="0"/>
-              <a:t>({</a:t>
-            </a:r>
-          </a:p>
-          <a:p>
-            <a:pPr>
-              <a:lnSpc>
-                <a:spcPct val="150000"/>
-              </a:lnSpc>
-            </a:pPr>
-            <a:r>
-              <a:rPr lang="en-US" altLang="ko-KR" dirty="0" smtClean="0">
-                <a:solidFill>
-                  <a:srgbClr val="C00000"/>
-                </a:solidFill>
-              </a:rPr>
-              <a:t>    type</a:t>
-            </a:r>
-            <a:r>
-              <a:rPr lang="en-US" altLang="ko-KR" dirty="0" smtClean="0"/>
-              <a:t>: “</a:t>
-            </a:r>
-            <a:r>
-              <a:rPr lang="en-US" altLang="ko-KR" sz="1600" dirty="0" smtClean="0"/>
-              <a:t>post </a:t>
-            </a:r>
-            <a:r>
-              <a:rPr lang="ko-KR" altLang="en-US" sz="1600" dirty="0" smtClean="0"/>
-              <a:t>또는 </a:t>
-            </a:r>
-            <a:r>
-              <a:rPr lang="en-US" altLang="ko-KR" sz="1600" dirty="0" smtClean="0"/>
-              <a:t>get</a:t>
-            </a:r>
-            <a:r>
-              <a:rPr lang="en-US" altLang="ko-KR" dirty="0" smtClean="0"/>
-              <a:t>",  </a:t>
-            </a:r>
-            <a:r>
-              <a:rPr lang="en-US" altLang="ko-KR" dirty="0" smtClean="0">
-                <a:solidFill>
-                  <a:schemeClr val="accent1"/>
-                </a:solidFill>
-              </a:rPr>
-              <a:t>//</a:t>
-            </a:r>
-            <a:r>
-              <a:rPr lang="ko-KR" altLang="en-US" dirty="0" smtClean="0">
-                <a:solidFill>
-                  <a:schemeClr val="accent1"/>
-                </a:solidFill>
-              </a:rPr>
-              <a:t>데이터를 읽어오는 방식</a:t>
-            </a:r>
-            <a:endParaRPr lang="en-US" altLang="ko-KR" dirty="0" smtClean="0">
-              <a:solidFill>
-                <a:schemeClr val="accent1"/>
-              </a:solidFill>
-            </a:endParaRPr>
-          </a:p>
-          <a:p>
-            <a:pPr>
-              <a:lnSpc>
-                <a:spcPct val="150000"/>
-              </a:lnSpc>
-            </a:pPr>
-            <a:r>
-              <a:rPr lang="en-US" altLang="ko-KR" dirty="0"/>
-              <a:t> </a:t>
-            </a:r>
-            <a:r>
-              <a:rPr lang="en-US" altLang="ko-KR" dirty="0" smtClean="0"/>
-              <a:t>   </a:t>
-            </a:r>
-            <a:r>
-              <a:rPr lang="en-US" altLang="ko-KR" dirty="0">
-                <a:solidFill>
-                  <a:srgbClr val="C00000"/>
-                </a:solidFill>
-              </a:rPr>
-              <a:t>url</a:t>
-            </a:r>
-            <a:r>
-              <a:rPr lang="en-US" altLang="ko-KR" dirty="0"/>
-              <a:t>: “</a:t>
-            </a:r>
-            <a:r>
-              <a:rPr lang="ko-KR" altLang="en-US" sz="1600" dirty="0"/>
-              <a:t>요청할 </a:t>
-            </a:r>
-            <a:r>
-              <a:rPr lang="en-US" altLang="ko-KR" sz="1600" dirty="0"/>
-              <a:t>URL</a:t>
-            </a:r>
-            <a:r>
-              <a:rPr lang="en-US" altLang="ko-KR" dirty="0" smtClean="0"/>
-              <a:t>",       </a:t>
-            </a:r>
-            <a:r>
-              <a:rPr lang="en-US" altLang="ko-KR" dirty="0" smtClean="0">
-                <a:solidFill>
-                  <a:schemeClr val="accent1"/>
-                </a:solidFill>
-              </a:rPr>
-              <a:t>//</a:t>
-            </a:r>
-            <a:r>
-              <a:rPr lang="ko-KR" altLang="en-US" dirty="0" smtClean="0">
-                <a:solidFill>
-                  <a:schemeClr val="accent1"/>
-                </a:solidFill>
-              </a:rPr>
-              <a:t>요청할 </a:t>
-            </a:r>
-            <a:r>
-              <a:rPr lang="en-US" altLang="ko-KR" dirty="0" err="1" smtClean="0">
-                <a:solidFill>
-                  <a:schemeClr val="accent1"/>
-                </a:solidFill>
-              </a:rPr>
-              <a:t>url</a:t>
-            </a:r>
-            <a:r>
-              <a:rPr lang="en-US" altLang="ko-KR" dirty="0" smtClean="0">
-                <a:solidFill>
-                  <a:schemeClr val="accent1"/>
-                </a:solidFill>
-              </a:rPr>
-              <a:t>, </a:t>
-            </a:r>
-            <a:r>
-              <a:rPr lang="ko-KR" altLang="en-US" dirty="0" smtClean="0">
-                <a:solidFill>
-                  <a:schemeClr val="accent1"/>
-                </a:solidFill>
-              </a:rPr>
-              <a:t>또는 파일명</a:t>
-            </a:r>
-            <a:endParaRPr lang="en-US" altLang="ko-KR" dirty="0">
-              <a:solidFill>
-                <a:schemeClr val="accent1"/>
-              </a:solidFill>
-            </a:endParaRPr>
-          </a:p>
-          <a:p>
-            <a:pPr>
-              <a:lnSpc>
-                <a:spcPct val="150000"/>
-              </a:lnSpc>
-            </a:pPr>
-            <a:r>
-              <a:rPr lang="en-US" altLang="ko-KR" dirty="0" smtClean="0">
-                <a:solidFill>
-                  <a:srgbClr val="C00000"/>
-                </a:solidFill>
-              </a:rPr>
-              <a:t>    </a:t>
-            </a:r>
-            <a:r>
-              <a:rPr lang="en-US" altLang="ko-KR" dirty="0" err="1" smtClean="0">
-                <a:solidFill>
-                  <a:srgbClr val="C00000"/>
-                </a:solidFill>
-              </a:rPr>
-              <a:t>dataType</a:t>
-            </a:r>
-            <a:r>
-              <a:rPr lang="en-US" altLang="ko-KR" dirty="0" smtClean="0"/>
-              <a:t>:  “</a:t>
-            </a:r>
-            <a:r>
-              <a:rPr lang="en-US" altLang="ko-KR" dirty="0" err="1" smtClean="0"/>
-              <a:t>json</a:t>
-            </a:r>
-            <a:r>
-              <a:rPr lang="en-US" altLang="ko-KR" dirty="0" smtClean="0"/>
-              <a:t>” ,     </a:t>
-            </a:r>
-            <a:r>
-              <a:rPr lang="en-US" altLang="ko-KR" dirty="0" smtClean="0">
-                <a:solidFill>
-                  <a:schemeClr val="accent1"/>
-                </a:solidFill>
-              </a:rPr>
-              <a:t>//＂</a:t>
-            </a:r>
-            <a:r>
-              <a:rPr lang="ko-KR" altLang="en-US" sz="1600" dirty="0" smtClean="0">
-                <a:solidFill>
-                  <a:schemeClr val="accent1"/>
-                </a:solidFill>
-              </a:rPr>
-              <a:t>서버에서 </a:t>
-            </a:r>
-            <a:r>
-              <a:rPr lang="ko-KR" altLang="en-US" sz="1600" dirty="0" err="1" smtClean="0">
-                <a:solidFill>
-                  <a:schemeClr val="accent1"/>
-                </a:solidFill>
-              </a:rPr>
-              <a:t>전송받을</a:t>
-            </a:r>
-            <a:r>
-              <a:rPr lang="ko-KR" altLang="en-US" sz="1600" dirty="0" smtClean="0">
-                <a:solidFill>
-                  <a:schemeClr val="accent1"/>
-                </a:solidFill>
-              </a:rPr>
-              <a:t> 데이터형식</a:t>
-            </a:r>
-            <a:r>
-              <a:rPr lang="en-US" altLang="ko-KR" dirty="0" smtClean="0">
-                <a:solidFill>
-                  <a:schemeClr val="accent1"/>
-                </a:solidFill>
-              </a:rPr>
-              <a:t>",</a:t>
-            </a:r>
-            <a:endParaRPr lang="en-US" altLang="ko-KR" dirty="0">
-              <a:solidFill>
-                <a:schemeClr val="accent1"/>
-              </a:solidFill>
-            </a:endParaRPr>
-          </a:p>
-          <a:p>
-            <a:pPr>
-              <a:lnSpc>
-                <a:spcPct val="150000"/>
-              </a:lnSpc>
-            </a:pPr>
-            <a:r>
-              <a:rPr lang="en-US" altLang="ko-KR" dirty="0" smtClean="0">
-                <a:solidFill>
-                  <a:srgbClr val="C00000"/>
-                </a:solidFill>
-              </a:rPr>
-              <a:t>    success</a:t>
-            </a:r>
-            <a:r>
-              <a:rPr lang="en-US" altLang="ko-KR" dirty="0" smtClean="0"/>
-              <a:t>: </a:t>
-            </a:r>
-            <a:r>
-              <a:rPr lang="en-US" altLang="ko-KR" b="1" dirty="0" smtClean="0"/>
-              <a:t>function(data){</a:t>
-            </a:r>
-            <a:endParaRPr lang="en-US" altLang="ko-KR" b="1" dirty="0"/>
-          </a:p>
-          <a:p>
-            <a:r>
-              <a:rPr lang="en-US" altLang="ko-KR" dirty="0" smtClean="0"/>
-              <a:t>        </a:t>
-            </a:r>
-            <a:r>
-              <a:rPr lang="en-US" altLang="ko-KR" sz="1600" dirty="0">
-                <a:solidFill>
-                  <a:srgbClr val="C00000"/>
-                </a:solidFill>
-              </a:rPr>
-              <a:t> data</a:t>
-            </a:r>
-            <a:r>
-              <a:rPr lang="en-US" altLang="ko-KR" sz="1600" dirty="0"/>
-              <a:t>: {</a:t>
-            </a:r>
-            <a:r>
-              <a:rPr lang="ko-KR" altLang="en-US" sz="1600" dirty="0"/>
-              <a:t>서버로 전송할 데이터</a:t>
-            </a:r>
-            <a:r>
-              <a:rPr lang="en-US" altLang="ko-KR" sz="1600" dirty="0" smtClean="0"/>
-              <a:t>}, </a:t>
-            </a:r>
-            <a:r>
-              <a:rPr lang="en-US" altLang="ko-KR" sz="1600" dirty="0" smtClean="0">
-                <a:solidFill>
-                  <a:schemeClr val="accent1"/>
-                </a:solidFill>
-              </a:rPr>
-              <a:t>// </a:t>
-            </a:r>
-            <a:r>
-              <a:rPr lang="ko-KR" altLang="en-US" sz="1600" dirty="0" smtClean="0">
-                <a:solidFill>
-                  <a:schemeClr val="accent1"/>
-                </a:solidFill>
-              </a:rPr>
-              <a:t>정상 요청</a:t>
-            </a:r>
-            <a:r>
-              <a:rPr lang="en-US" altLang="ko-KR" sz="1600" dirty="0" smtClean="0">
-                <a:solidFill>
-                  <a:schemeClr val="accent1"/>
-                </a:solidFill>
-              </a:rPr>
-              <a:t>, </a:t>
-            </a:r>
-            <a:r>
-              <a:rPr lang="ko-KR" altLang="en-US" sz="1600" dirty="0" smtClean="0">
-                <a:solidFill>
-                  <a:schemeClr val="accent1"/>
-                </a:solidFill>
-              </a:rPr>
-              <a:t>응답 시 처리</a:t>
-            </a:r>
-            <a:endParaRPr lang="en-US" altLang="ko-KR" dirty="0">
-              <a:solidFill>
-                <a:schemeClr val="accent1"/>
-              </a:solidFill>
-            </a:endParaRPr>
-          </a:p>
-          <a:p>
-            <a:r>
-              <a:rPr lang="en-US" altLang="ko-KR" dirty="0" smtClean="0"/>
-              <a:t>    },</a:t>
-            </a:r>
-            <a:endParaRPr lang="en-US" altLang="ko-KR" dirty="0"/>
-          </a:p>
-          <a:p>
-            <a:r>
-              <a:rPr lang="en-US" altLang="ko-KR" dirty="0" smtClean="0">
-                <a:solidFill>
-                  <a:srgbClr val="C00000"/>
-                </a:solidFill>
-              </a:rPr>
-              <a:t>    error</a:t>
-            </a:r>
-            <a:r>
-              <a:rPr lang="en-US" altLang="ko-KR" dirty="0" smtClean="0"/>
-              <a:t>: </a:t>
-            </a:r>
-            <a:r>
-              <a:rPr lang="en-US" altLang="ko-KR" b="1" dirty="0" smtClean="0"/>
-              <a:t>function(</a:t>
-            </a:r>
-            <a:r>
-              <a:rPr lang="en-US" altLang="ko-KR" b="1" dirty="0" err="1" smtClean="0"/>
-              <a:t>xhr</a:t>
-            </a:r>
-            <a:r>
-              <a:rPr lang="en-US" altLang="ko-KR" b="1" dirty="0" smtClean="0"/>
-              <a:t>){</a:t>
-            </a:r>
-            <a:endParaRPr lang="en-US" altLang="ko-KR" b="1" dirty="0"/>
-          </a:p>
-          <a:p>
-            <a:r>
-              <a:rPr lang="en-US" altLang="ko-KR" dirty="0"/>
-              <a:t> </a:t>
-            </a:r>
-            <a:r>
-              <a:rPr lang="en-US" altLang="ko-KR" dirty="0" smtClean="0"/>
-              <a:t>       </a:t>
-            </a:r>
-            <a:r>
-              <a:rPr lang="en-US" altLang="ko-KR" sz="1600" dirty="0" smtClean="0">
-                <a:solidFill>
-                  <a:schemeClr val="accent1"/>
-                </a:solidFill>
-              </a:rPr>
-              <a:t>// </a:t>
-            </a:r>
-            <a:r>
-              <a:rPr lang="ko-KR" altLang="en-US" sz="1600" dirty="0" smtClean="0">
-                <a:solidFill>
-                  <a:schemeClr val="accent1"/>
-                </a:solidFill>
-              </a:rPr>
-              <a:t>오류 발생 시 </a:t>
-            </a:r>
-            <a:r>
-              <a:rPr lang="ko-KR" altLang="en-US" sz="1600" dirty="0">
-                <a:solidFill>
-                  <a:schemeClr val="accent1"/>
-                </a:solidFill>
-              </a:rPr>
-              <a:t>처리</a:t>
-            </a:r>
-            <a:endParaRPr lang="en-US" altLang="ko-KR" sz="1600" dirty="0" smtClean="0">
-              <a:solidFill>
-                <a:schemeClr val="accent1"/>
-              </a:solidFill>
-            </a:endParaRPr>
-          </a:p>
-          <a:p>
-            <a:r>
-              <a:rPr lang="en-US" altLang="ko-KR" dirty="0" smtClean="0"/>
-              <a:t>    },</a:t>
-            </a:r>
-            <a:endParaRPr lang="en-US" altLang="ko-KR" dirty="0"/>
-          </a:p>
-          <a:p>
-            <a:pPr>
-              <a:lnSpc>
-                <a:spcPct val="150000"/>
-              </a:lnSpc>
-            </a:pPr>
-            <a:r>
-              <a:rPr lang="en-US" altLang="ko-KR" dirty="0" smtClean="0"/>
-              <a:t>});</a:t>
-            </a:r>
-            <a:endParaRPr lang="ko-KR" altLang="en-US" dirty="0"/>
-          </a:p>
-        </p:txBody>
-      </p:sp>
+          <a:ln>
+            <a:solidFill>
+              <a:schemeClr val="bg1">
+                <a:lumMod val="85000"/>
+              </a:schemeClr>
+            </a:solidFill>
+          </a:ln>
+        </p:spPr>
+      </p:pic>
     </p:spTree>
     <p:extLst>
       <p:ext uri="{BB962C8B-B14F-4D97-AF65-F5344CB8AC3E}">
-        <p14:creationId xmlns:p14="http://schemas.microsoft.com/office/powerpoint/2010/main" val="3634415324"/>
+        <p14:creationId xmlns:p14="http://schemas.microsoft.com/office/powerpoint/2010/main" val="2705954929"/>
       </p:ext>
     </p:extLst>
   </p:cSld>
@@ -15101,17 +13645,10 @@
           <a:p>
             <a:pPr algn="ctr"/>
             <a:r>
-              <a:rPr lang="en-US" altLang="ko-KR" sz="2800" dirty="0"/>
-              <a:t>Ajax </a:t>
-            </a:r>
-            <a:r>
               <a:rPr lang="ko-KR" altLang="en-US" sz="2800" dirty="0" smtClean="0"/>
-              <a:t>사용</a:t>
-            </a:r>
-            <a:r>
-              <a:rPr lang="ko-KR" altLang="en-US" sz="2800" dirty="0"/>
-              <a:t>법</a:t>
-            </a:r>
+              <a:t>스톱워치 프로그램</a:t>
+            </a:r>
+            <a:endParaRPr lang="ko-KR" altLang="en-US" sz="2800" dirty="0"/>
           </a:p>
         </p:txBody>
       </p:sp>
@@ -15138,83 +13675,9 @@
           </a:p>
         </p:txBody>
       </p:sp>
-      <p:sp>
-        <p:nvSpPr>
-          <p:cNvPr id="11" name="TextBox 10"/>
-          <p:cNvSpPr txBox="1"/>
-          <p:nvPr/>
-        </p:nvSpPr>
-        <p:spPr>
-          <a:xfrm>
-            <a:off x="867978" y="1290826"/>
-            <a:ext cx="8280920" cy="553998"/>
-          </a:xfrm>
-          <a:prstGeom prst="rect">
-            <a:avLst/>
-          </a:prstGeom>
-          <a:noFill/>
-        </p:spPr>
-        <p:txBody>
-          <a:bodyPr wrap="square" rtlCol="0">
-            <a:spAutoFit/>
-          </a:bodyPr>
-          <a:lstStyle/>
-          <a:p>
-            <a:pPr>
-              <a:lnSpc>
-                <a:spcPct val="150000"/>
-              </a:lnSpc>
-            </a:pPr>
-            <a:r>
-              <a:rPr lang="ko-KR" altLang="en-US" sz="2000" dirty="0"/>
-              <a:t> </a:t>
-            </a:r>
-            <a:r>
-              <a:rPr lang="en-US" altLang="ko-KR" sz="2000" b="1" dirty="0" smtClean="0"/>
-              <a:t>jQuery(</a:t>
-            </a:r>
-            <a:r>
-              <a:rPr lang="ko-KR" altLang="en-US" sz="2000" b="1" dirty="0" smtClean="0"/>
-              <a:t>제이쿼리</a:t>
-            </a:r>
-            <a:r>
-              <a:rPr lang="en-US" altLang="ko-KR" sz="2000" b="1" dirty="0" smtClean="0"/>
-              <a:t>)</a:t>
-            </a:r>
-            <a:r>
-              <a:rPr lang="ko-KR" altLang="en-US" sz="2000" b="1" dirty="0"/>
-              <a:t> </a:t>
-            </a:r>
-            <a:r>
-              <a:rPr lang="en-US" altLang="ko-KR" sz="2000" b="1" dirty="0" smtClean="0"/>
-              <a:t>Ajax </a:t>
-            </a:r>
-            <a:r>
-              <a:rPr lang="ko-KR" altLang="en-US" sz="2000" b="1" dirty="0" smtClean="0"/>
-              <a:t>사용법 </a:t>
-            </a:r>
-            <a:r>
-              <a:rPr lang="en-US" altLang="ko-KR" sz="2000" b="1" dirty="0" smtClean="0"/>
-              <a:t>– </a:t>
-            </a:r>
-            <a:r>
-              <a:rPr lang="ko-KR" altLang="en-US" sz="2000" b="1" dirty="0" smtClean="0"/>
-              <a:t>객체 </a:t>
-            </a:r>
-            <a:r>
-              <a:rPr lang="ko-KR" altLang="en-US" sz="2000" b="1" dirty="0" err="1" smtClean="0"/>
-              <a:t>자료형</a:t>
-            </a:r>
-            <a:r>
-              <a:rPr lang="en-US" altLang="ko-KR" sz="1600" dirty="0" smtClean="0"/>
-              <a:t>   </a:t>
-            </a:r>
-          </a:p>
-        </p:txBody>
-      </p:sp>
       <p:pic>
         <p:nvPicPr>
-          <p:cNvPr id="5" name="그림 4"/>
+          <p:cNvPr id="3" name="그림 2"/>
           <p:cNvPicPr>
             <a:picLocks noChangeAspect="1"/>
           </p:cNvPicPr>
@@ -15234,8 +13697,8 @@
         </p:blipFill>
         <p:spPr>
           <a:xfrm>
-            <a:off x="1450623" y="4523651"/>
-            <a:ext cx="6081287" cy="937341"/>
+            <a:off x="2144714" y="1340768"/>
+            <a:ext cx="3528366" cy="4915326"/>
           </a:xfrm>
           <a:prstGeom prst="rect">
             <a:avLst/>
@@ -15249,256 +13712,10 @@
           </a:ln>
         </p:spPr>
       </p:pic>
-      <p:sp>
-        <p:nvSpPr>
-          <p:cNvPr id="8" name="TextBox 7"/>
-          <p:cNvSpPr txBox="1"/>
-          <p:nvPr/>
-        </p:nvSpPr>
-        <p:spPr>
-          <a:xfrm>
-            <a:off x="6785543" y="4992321"/>
-            <a:ext cx="1492734" cy="374571"/>
-          </a:xfrm>
-          <a:prstGeom prst="roundRect">
-            <a:avLst/>
-          </a:prstGeom>
-          <a:ln w="19050"/>
-        </p:spPr>
-        <p:style>
-          <a:lnRef idx="2">
-            <a:schemeClr val="accent1"/>
-          </a:lnRef>
-          <a:fillRef idx="1">
-            <a:schemeClr val="lt1"/>
-          </a:fillRef>
-          <a:effectRef idx="0">
-            <a:schemeClr val="accent1"/>
-          </a:effectRef>
-          <a:fontRef idx="minor">
-            <a:schemeClr val="dk1"/>
-          </a:fontRef>
-        </p:style>
-        <p:txBody>
-          <a:bodyPr wrap="square" rtlCol="0">
-            <a:spAutoFit/>
-          </a:bodyPr>
-          <a:lstStyle/>
-          <a:p>
-            <a:pPr algn="ctr"/>
-            <a:r>
-              <a:rPr lang="en-US" altLang="ko-KR" sz="1600" dirty="0"/>
-              <a:t>a</a:t>
-            </a:r>
-            <a:r>
-              <a:rPr lang="en-US" altLang="ko-KR" sz="1600" dirty="0" smtClean="0"/>
-              <a:t>jax1.html</a:t>
-            </a:r>
-            <a:endParaRPr lang="ko-KR" altLang="en-US" sz="1600" dirty="0"/>
-          </a:p>
-        </p:txBody>
-      </p:sp>
-      <p:pic>
-        <p:nvPicPr>
-          <p:cNvPr id="7" name="그림 6"/>
-          <p:cNvPicPr>
-            <a:picLocks noChangeAspect="1"/>
-          </p:cNvPicPr>
-          <p:nvPr/>
-        </p:nvPicPr>
-        <p:blipFill>
-          <a:blip r:embed="rId3">
-            <a:extLst>
-              <a:ext uri="{28A0092B-C50C-407E-A947-70E740481C1C}">
-                <a14:useLocalDpi xmlns:a14="http://schemas.microsoft.com/office/drawing/2010/main" val="0"/>
-              </a:ext>
-            </a:extLst>
-          </a:blip>
-          <a:stretch>
-            <a:fillRect/>
-          </a:stretch>
-        </p:blipFill>
-        <p:spPr>
-          <a:xfrm>
-            <a:off x="1424608" y="4030388"/>
-            <a:ext cx="2736304" cy="323924"/>
-          </a:xfrm>
-          <a:prstGeom prst="rect">
-            <a:avLst/>
-          </a:prstGeom>
-          <a:ln>
-            <a:solidFill>
-              <a:schemeClr val="bg1">
-                <a:lumMod val="85000"/>
-              </a:schemeClr>
-            </a:solidFill>
-          </a:ln>
-        </p:spPr>
-      </p:pic>
-      <p:sp>
-        <p:nvSpPr>
-          <p:cNvPr id="10" name="TextBox 9"/>
-          <p:cNvSpPr txBox="1"/>
-          <p:nvPr/>
-        </p:nvSpPr>
-        <p:spPr>
-          <a:xfrm>
-            <a:off x="4448944" y="4005064"/>
-            <a:ext cx="1152128" cy="374571"/>
-          </a:xfrm>
-          <a:prstGeom prst="roundRect">
-            <a:avLst/>
-          </a:prstGeom>
-          <a:ln w="19050"/>
-        </p:spPr>
-        <p:style>
-          <a:lnRef idx="2">
-            <a:schemeClr val="accent1"/>
-          </a:lnRef>
-          <a:fillRef idx="1">
-            <a:schemeClr val="lt1"/>
-          </a:fillRef>
-          <a:effectRef idx="0">
-            <a:schemeClr val="accent1"/>
-          </a:effectRef>
-          <a:fontRef idx="minor">
-            <a:schemeClr val="dk1"/>
-          </a:fontRef>
-        </p:style>
-        <p:txBody>
-          <a:bodyPr wrap="square" rtlCol="0">
-            <a:spAutoFit/>
-          </a:bodyPr>
-          <a:lstStyle/>
-          <a:p>
-            <a:pPr algn="ctr"/>
-            <a:r>
-              <a:rPr lang="en-US" altLang="ko-KR" sz="1600" dirty="0" smtClean="0"/>
-              <a:t>test.txt</a:t>
-            </a:r>
-            <a:endParaRPr lang="ko-KR" altLang="en-US" sz="1600" dirty="0"/>
-          </a:p>
-        </p:txBody>
-      </p:sp>
-      <p:pic>
-        <p:nvPicPr>
-          <p:cNvPr id="9" name="그림 8"/>
-          <p:cNvPicPr>
-            <a:picLocks noChangeAspect="1"/>
-          </p:cNvPicPr>
-          <p:nvPr/>
-        </p:nvPicPr>
-        <p:blipFill>
-          <a:blip r:embed="rId4">
-            <a:extLst>
-              <a:ext uri="{28A0092B-C50C-407E-A947-70E740481C1C}">
-                <a14:useLocalDpi xmlns:a14="http://schemas.microsoft.com/office/drawing/2010/main" val="0"/>
-              </a:ext>
-            </a:extLst>
-          </a:blip>
-          <a:stretch>
-            <a:fillRect/>
-          </a:stretch>
-        </p:blipFill>
-        <p:spPr>
-          <a:xfrm>
-            <a:off x="822557" y="2218091"/>
-            <a:ext cx="4534293" cy="1066893"/>
-          </a:xfrm>
-          <a:prstGeom prst="rect">
-            <a:avLst/>
-          </a:prstGeom>
-          <a:ln>
-            <a:solidFill>
-              <a:schemeClr val="bg1">
-                <a:lumMod val="85000"/>
-              </a:schemeClr>
-            </a:solidFill>
-          </a:ln>
-        </p:spPr>
-      </p:pic>
-      <p:pic>
-        <p:nvPicPr>
-          <p:cNvPr id="12" name="그림 11"/>
-          <p:cNvPicPr>
-            <a:picLocks noChangeAspect="1"/>
-          </p:cNvPicPr>
-          <p:nvPr/>
-        </p:nvPicPr>
-        <p:blipFill>
-          <a:blip r:embed="rId5">
-            <a:extLst>
-              <a:ext uri="{28A0092B-C50C-407E-A947-70E740481C1C}">
-                <a14:useLocalDpi xmlns:a14="http://schemas.microsoft.com/office/drawing/2010/main" val="0"/>
-              </a:ext>
-            </a:extLst>
-          </a:blip>
-          <a:stretch>
-            <a:fillRect/>
-          </a:stretch>
-        </p:blipFill>
-        <p:spPr>
-          <a:xfrm>
-            <a:off x="6003191" y="2218091"/>
-            <a:ext cx="3345470" cy="1005927"/>
-          </a:xfrm>
-          <a:prstGeom prst="rect">
-            <a:avLst/>
-          </a:prstGeom>
-          <a:ln>
-            <a:solidFill>
-              <a:schemeClr val="bg1">
-                <a:lumMod val="85000"/>
-              </a:schemeClr>
-            </a:solidFill>
-          </a:ln>
-        </p:spPr>
-      </p:pic>
-      <p:sp>
-        <p:nvSpPr>
-          <p:cNvPr id="13" name="오른쪽 화살표 12"/>
-          <p:cNvSpPr/>
-          <p:nvPr/>
-        </p:nvSpPr>
-        <p:spPr>
-          <a:xfrm>
-            <a:off x="5529064" y="2620184"/>
-            <a:ext cx="360040" cy="131353"/>
-          </a:xfrm>
-          <a:prstGeom prst="rightArrow">
-            <a:avLst/>
-          </a:prstGeom>
-          <a:ln w="12700"/>
-        </p:spPr>
-        <p:style>
-          <a:lnRef idx="2">
-            <a:schemeClr val="accent1">
-              <a:shade val="50000"/>
-            </a:schemeClr>
-          </a:lnRef>
-          <a:fillRef idx="1">
-            <a:schemeClr val="accent1"/>
-          </a:fillRef>
-          <a:effectRef idx="0">
-            <a:schemeClr val="accent1"/>
-          </a:effectRef>
-          <a:fontRef idx="minor">
-            <a:schemeClr val="lt1"/>
-          </a:fontRef>
-        </p:style>
-        <p:txBody>
-          <a:bodyPr rtlCol="0" anchor="ctr"/>
-          <a:lstStyle/>
-          <a:p>
-            <a:pPr algn="ctr"/>
-            <a:endParaRPr lang="ko-KR" altLang="en-US"/>
-          </a:p>
-        </p:txBody>
-      </p:sp>
     </p:spTree>
     <p:extLst>
       <p:ext uri="{BB962C8B-B14F-4D97-AF65-F5344CB8AC3E}">
-        <p14:creationId xmlns:p14="http://schemas.microsoft.com/office/powerpoint/2010/main" val="3268067567"/>
+        <p14:creationId xmlns:p14="http://schemas.microsoft.com/office/powerpoint/2010/main" val="183421325"/>
       </p:ext>
     </p:extLst>
   </p:cSld>
@@ -15556,17 +13773,14 @@
           <a:p>
             <a:pPr algn="ctr"/>
             <a:r>
-              <a:rPr lang="en-US" altLang="ko-KR" sz="2800" dirty="0"/>
+              <a:rPr lang="en-US" altLang="ko-KR" sz="2800" dirty="0" smtClean="0"/>
               <a:t>Ajax </a:t>
             </a:r>
             <a:r>
               <a:rPr lang="ko-KR" altLang="en-US" sz="2800" dirty="0" smtClean="0"/>
-              <a:t>사용</a:t>
-            </a:r>
-            <a:r>
-              <a:rPr lang="ko-KR" altLang="en-US" sz="2800" dirty="0"/>
-              <a:t>법</a:t>
-            </a:r>
+              <a:t>개요</a:t>
+            </a:r>
+            <a:endParaRPr lang="ko-KR" altLang="en-US" sz="2800" dirty="0"/>
           </a:p>
         </p:txBody>
       </p:sp>
@@ -15601,8 +13815,8 @@
         </p:nvSpPr>
         <p:spPr>
           <a:xfrm>
-            <a:off x="867978" y="1290826"/>
-            <a:ext cx="8280920" cy="553998"/>
+            <a:off x="867978" y="1155516"/>
+            <a:ext cx="8280920" cy="494494"/>
           </a:xfrm>
           <a:prstGeom prst="rect">
             <a:avLst/>
@@ -15625,15 +13839,15 @@
               <a:t> </a:t>
             </a:r>
             <a:r>
-              <a:rPr lang="en-US" altLang="ko-KR" sz="2000" b="1" dirty="0" smtClean="0"/>
+              <a:rPr lang="en-US" altLang="ko-KR" sz="2000" dirty="0" smtClean="0"/>
               <a:t>jQuery(</a:t>
             </a:r>
             <a:r>
-              <a:rPr lang="ko-KR" altLang="en-US" sz="2000" b="1" dirty="0" smtClean="0"/>
+              <a:rPr lang="ko-KR" altLang="en-US" sz="2000" dirty="0" smtClean="0"/>
               <a:t>제이쿼리</a:t>
             </a:r>
             <a:r>
-              <a:rPr lang="en-US" altLang="ko-KR" sz="2000" b="1" dirty="0" smtClean="0"/>
+              <a:rPr lang="en-US" altLang="ko-KR" sz="2000" dirty="0" smtClean="0"/>
               <a:t>)</a:t>
             </a:r>
             <a:r>
@@ -15641,122 +13855,178 @@
               <a:t> </a:t>
             </a:r>
             <a:r>
+              <a:rPr lang="en-US" altLang="ko-KR" sz="2000" b="1" dirty="0" smtClean="0">
+                <a:solidFill>
+                  <a:srgbClr val="C00000"/>
+                </a:solidFill>
+              </a:rPr>
+              <a:t>Ajax</a:t>
+            </a:r>
+            <a:r>
               <a:rPr lang="en-US" altLang="ko-KR" sz="2000" b="1" dirty="0" smtClean="0"/>
-              <a:t>Ajax </a:t>
-            </a:r>
-            <a:r>
-              <a:rPr lang="ko-KR" altLang="en-US" sz="2000" b="1" dirty="0" smtClean="0"/>
-              <a:t>사용법 </a:t>
-            </a:r>
-            <a:r>
-              <a:rPr lang="en-US" altLang="ko-KR" sz="2000" b="1" dirty="0" smtClean="0"/>
-              <a:t>– </a:t>
-            </a:r>
-            <a:r>
-              <a:rPr lang="ko-KR" altLang="en-US" sz="2000" b="1" dirty="0" smtClean="0"/>
-              <a:t>객체 </a:t>
-            </a:r>
-            <a:r>
-              <a:rPr lang="ko-KR" altLang="en-US" sz="2000" b="1" dirty="0" err="1" smtClean="0"/>
-              <a:t>자료형</a:t>
-            </a:r>
-            <a:r>
-              <a:rPr lang="en-US" altLang="ko-KR" sz="1600" dirty="0" smtClean="0"/>
-              <a:t>   </a:t>
-            </a:r>
-          </a:p>
-        </p:txBody>
-      </p:sp>
-      <p:pic>
-        <p:nvPicPr>
-          <p:cNvPr id="6" name="그림 5"/>
-          <p:cNvPicPr>
-            <a:picLocks noChangeAspect="1"/>
-          </p:cNvPicPr>
+              <a:t> </a:t>
+            </a:r>
+            <a:r>
+              <a:rPr lang="ko-KR" altLang="en-US" sz="2000" dirty="0" smtClean="0"/>
+              <a:t>기능</a:t>
+            </a:r>
+            <a:endParaRPr lang="en-US" altLang="ko-KR" sz="2400" dirty="0" smtClean="0"/>
+          </a:p>
+        </p:txBody>
+      </p:sp>
+      <p:sp>
+        <p:nvSpPr>
+          <p:cNvPr id="6" name="TextBox 5"/>
+          <p:cNvSpPr txBox="1"/>
           <p:nvPr/>
-        </p:nvPicPr>
-        <p:blipFill>
-          <a:blip r:embed="rId2">
-            <a:extLst>
-              <a:ext uri="{28A0092B-C50C-407E-A947-70E740481C1C}">
-                <a14:useLocalDpi xmlns:a14="http://schemas.microsoft.com/office/drawing/2010/main" val="0"/>
-              </a:ext>
-            </a:extLst>
-          </a:blip>
-          <a:stretch>
-            <a:fillRect/>
-          </a:stretch>
-        </p:blipFill>
-        <p:spPr>
-          <a:xfrm>
-            <a:off x="1352600" y="2204864"/>
-            <a:ext cx="6984776" cy="2594124"/>
+        </p:nvSpPr>
+        <p:spPr>
+          <a:xfrm>
+            <a:off x="867978" y="1916832"/>
+            <a:ext cx="8693534" cy="1985159"/>
           </a:xfrm>
           <a:prstGeom prst="rect">
             <a:avLst/>
           </a:prstGeom>
-          <a:ln>
-            <a:solidFill>
-              <a:schemeClr val="bg1">
-                <a:lumMod val="85000"/>
-              </a:schemeClr>
-            </a:solidFill>
-          </a:ln>
-        </p:spPr>
-      </p:pic>
-      <p:sp>
-        <p:nvSpPr>
-          <p:cNvPr id="8" name="TextBox 7"/>
-          <p:cNvSpPr txBox="1"/>
-          <p:nvPr/>
-        </p:nvSpPr>
-        <p:spPr>
-          <a:xfrm>
-            <a:off x="7329264" y="2564904"/>
-            <a:ext cx="1492734" cy="374571"/>
-          </a:xfrm>
-          <a:prstGeom prst="roundRect">
-            <a:avLst/>
-          </a:prstGeom>
-          <a:ln w="19050"/>
-        </p:spPr>
-        <p:style>
-          <a:lnRef idx="2">
-            <a:schemeClr val="accent1"/>
-          </a:lnRef>
-          <a:fillRef idx="1">
-            <a:schemeClr val="lt1"/>
-          </a:fillRef>
-          <a:effectRef idx="0">
-            <a:schemeClr val="accent1"/>
-          </a:effectRef>
-          <a:fontRef idx="minor">
-            <a:schemeClr val="dk1"/>
-          </a:fontRef>
-        </p:style>
+          <a:noFill/>
+        </p:spPr>
         <p:txBody>
           <a:bodyPr wrap="square" rtlCol="0">
             <a:spAutoFit/>
           </a:bodyPr>
           <a:lstStyle/>
           <a:p>
-            <a:pPr algn="ctr"/>
-            <a:r>
-              <a:rPr lang="en-US" altLang="ko-KR" sz="1600" dirty="0"/>
-              <a:t>a</a:t>
+            <a:pPr marL="285750" indent="-285750">
+              <a:lnSpc>
+                <a:spcPct val="150000"/>
+              </a:lnSpc>
+              <a:buFont typeface="Wingdings" panose="05000000000000000000" pitchFamily="2" charset="2"/>
+              <a:buChar char="l"/>
+            </a:pPr>
+            <a:r>
+              <a:rPr lang="en-US" altLang="ko-KR" b="1" dirty="0" smtClean="0">
+                <a:solidFill>
+                  <a:srgbClr val="C00000"/>
+                </a:solidFill>
+              </a:rPr>
+              <a:t>Ajax</a:t>
+            </a:r>
+            <a:r>
+              <a:rPr lang="ko-KR" altLang="en-US" sz="1600" dirty="0" smtClean="0"/>
+              <a:t>란 </a:t>
             </a:r>
             <a:r>
               <a:rPr lang="en-US" altLang="ko-KR" sz="1600" dirty="0" smtClean="0"/>
-              <a:t>jax1.html</a:t>
-            </a:r>
-            <a:endParaRPr lang="ko-KR" altLang="en-US" sz="1600" dirty="0"/>
+              <a:t>Asynchronous </a:t>
+            </a:r>
+            <a:r>
+              <a:rPr lang="en-US" altLang="ko-KR" sz="1600" dirty="0" err="1" smtClean="0"/>
+              <a:t>Javascript</a:t>
+            </a:r>
+            <a:r>
+              <a:rPr lang="en-US" altLang="ko-KR" sz="1600" dirty="0" smtClean="0"/>
+              <a:t>(</a:t>
+            </a:r>
+            <a:r>
+              <a:rPr lang="ko-KR" altLang="en-US" sz="1600" dirty="0" err="1" smtClean="0"/>
+              <a:t>비동기</a:t>
+            </a:r>
+            <a:r>
+              <a:rPr lang="ko-KR" altLang="en-US" sz="1600" dirty="0" smtClean="0"/>
+              <a:t> 자바스크립트</a:t>
+            </a:r>
+            <a:r>
+              <a:rPr lang="en-US" altLang="ko-KR" sz="1600" dirty="0" smtClean="0"/>
+              <a:t>) + XML</a:t>
+            </a:r>
+            <a:r>
+              <a:rPr lang="ko-KR" altLang="en-US" sz="1600" dirty="0" smtClean="0"/>
+              <a:t>의 의미로 자바스크립트를 사용한 </a:t>
+            </a:r>
+            <a:r>
+              <a:rPr lang="ko-KR" altLang="en-US" sz="1600" dirty="0" err="1" smtClean="0"/>
+              <a:t>비동기</a:t>
+            </a:r>
+            <a:r>
+              <a:rPr lang="ko-KR" altLang="en-US" sz="1600" dirty="0" smtClean="0"/>
+              <a:t> 통신</a:t>
+            </a:r>
+            <a:r>
+              <a:rPr lang="en-US" altLang="ko-KR" sz="1600" dirty="0" smtClean="0"/>
+              <a:t>, </a:t>
+            </a:r>
+            <a:r>
+              <a:rPr lang="ko-KR" altLang="en-US" sz="1600" dirty="0" smtClean="0"/>
+              <a:t>즉 클라이언트와 서버 간의 </a:t>
+            </a:r>
+            <a:r>
+              <a:rPr lang="en-US" altLang="ko-KR" sz="1600" dirty="0" smtClean="0"/>
+              <a:t>XML</a:t>
+            </a:r>
+            <a:r>
+              <a:rPr lang="ko-KR" altLang="en-US" sz="1600" dirty="0" smtClean="0"/>
+              <a:t>이나 </a:t>
+            </a:r>
+            <a:r>
+              <a:rPr lang="en-US" altLang="ko-KR" sz="1600" dirty="0" smtClean="0"/>
+              <a:t>JSON</a:t>
+            </a:r>
+            <a:r>
+              <a:rPr lang="ko-KR" altLang="en-US" sz="1600" dirty="0"/>
+              <a:t> </a:t>
+            </a:r>
+            <a:r>
+              <a:rPr lang="ko-KR" altLang="en-US" sz="1600" dirty="0" smtClean="0"/>
+              <a:t>데이터를 주고 받는 기술을 말한다</a:t>
+            </a:r>
+            <a:r>
+              <a:rPr lang="en-US" altLang="ko-KR" sz="1600" dirty="0" smtClean="0"/>
+              <a:t>.  </a:t>
+            </a:r>
+          </a:p>
+          <a:p>
+            <a:pPr marL="285750" indent="-285750">
+              <a:lnSpc>
+                <a:spcPct val="150000"/>
+              </a:lnSpc>
+              <a:buFont typeface="Wingdings" panose="05000000000000000000" pitchFamily="2" charset="2"/>
+              <a:buChar char="l"/>
+            </a:pPr>
+            <a:r>
+              <a:rPr lang="en-US" altLang="ko-KR" sz="1600" dirty="0" smtClean="0"/>
+              <a:t>Ajax</a:t>
+            </a:r>
+            <a:r>
+              <a:rPr lang="ko-KR" altLang="en-US" sz="1600" dirty="0" smtClean="0"/>
+              <a:t>는 페이지 이동 없이 데이터 처리가 가능하며</a:t>
+            </a:r>
+            <a:r>
+              <a:rPr lang="en-US" altLang="ko-KR" sz="1600" dirty="0" smtClean="0"/>
+              <a:t>, </a:t>
+            </a:r>
+            <a:r>
+              <a:rPr lang="ko-KR" altLang="en-US" sz="1600" dirty="0" smtClean="0"/>
+              <a:t>서버의 처리를 기다리지 않고 </a:t>
+            </a:r>
+            <a:r>
+              <a:rPr lang="ko-KR" altLang="en-US" sz="1600" dirty="0" err="1" smtClean="0"/>
+              <a:t>비동기</a:t>
+            </a:r>
+            <a:r>
+              <a:rPr lang="ko-KR" altLang="en-US" sz="1600" dirty="0" smtClean="0"/>
+              <a:t> 요청이 가능하다는 특징이 있다</a:t>
+            </a:r>
+            <a:r>
+              <a:rPr lang="en-US" altLang="ko-KR" sz="1600" dirty="0" smtClean="0"/>
+              <a:t>.</a:t>
+            </a:r>
           </a:p>
         </p:txBody>
       </p:sp>
     </p:spTree>
     <p:extLst>
       <p:ext uri="{BB962C8B-B14F-4D97-AF65-F5344CB8AC3E}">
-        <p14:creationId xmlns:p14="http://schemas.microsoft.com/office/powerpoint/2010/main" val="2880870435"/>
+        <p14:creationId xmlns:p14="http://schemas.microsoft.com/office/powerpoint/2010/main" val="2390114339"/>
       </p:ext>
     </p:extLst>
   </p:cSld>
@@ -15818,12 +14088,8 @@
               <a:t>Ajax </a:t>
             </a:r>
             <a:r>
-              <a:rPr lang="ko-KR" altLang="en-US" sz="2800" dirty="0" smtClean="0"/>
-              <a:t>사용</a:t>
-            </a:r>
-            <a:r>
               <a:rPr lang="ko-KR" altLang="en-US" sz="2800" dirty="0"/>
-              <a:t>법</a:t>
+              <a:t>개요</a:t>
             </a:r>
           </a:p>
         </p:txBody>
@@ -15859,8 +14125,8 @@
         </p:nvSpPr>
         <p:spPr>
           <a:xfrm>
-            <a:off x="867978" y="1290826"/>
-            <a:ext cx="8280920" cy="553998"/>
+            <a:off x="867978" y="1155516"/>
+            <a:ext cx="3724982" cy="553998"/>
           </a:xfrm>
           <a:prstGeom prst="rect">
             <a:avLst/>
@@ -15873,120 +14139,1616 @@
           </a:bodyPr>
           <a:lstStyle/>
           <a:p>
-            <a:pPr>
+            <a:pPr marL="342900" indent="-342900">
               <a:lnSpc>
                 <a:spcPct val="150000"/>
               </a:lnSpc>
+              <a:buFont typeface="Wingdings" panose="05000000000000000000" pitchFamily="2" charset="2"/>
+              <a:buChar char="§"/>
             </a:pPr>
             <a:r>
-              <a:rPr lang="ko-KR" altLang="en-US" sz="2000" dirty="0"/>
-              <a:t> </a:t>
-            </a:r>
-            <a:r>
-              <a:rPr lang="en-US" altLang="ko-KR" sz="2000" b="1" dirty="0" smtClean="0"/>
-              <a:t>jQuery(</a:t>
-            </a:r>
-            <a:r>
               <a:rPr lang="ko-KR" altLang="en-US" sz="2000" b="1" dirty="0" smtClean="0"/>
-              <a:t>제이쿼리</a:t>
-            </a:r>
-            <a:r>
-              <a:rPr lang="en-US" altLang="ko-KR" sz="2000" b="1" dirty="0" smtClean="0"/>
-              <a:t>)</a:t>
-            </a:r>
-            <a:r>
-              <a:rPr lang="ko-KR" altLang="en-US" sz="2000" b="1" dirty="0"/>
-              <a:t> </a:t>
-            </a:r>
-            <a:r>
-              <a:rPr lang="en-US" altLang="ko-KR" sz="2000" b="1" dirty="0" smtClean="0"/>
-              <a:t>Ajax </a:t>
-            </a:r>
-            <a:r>
-              <a:rPr lang="ko-KR" altLang="en-US" sz="2000" b="1" dirty="0" smtClean="0"/>
-              <a:t>사용법 </a:t>
-            </a:r>
-            <a:r>
-              <a:rPr lang="en-US" altLang="ko-KR" sz="2000" b="1" dirty="0" smtClean="0"/>
-              <a:t>– </a:t>
-            </a:r>
-            <a:r>
-              <a:rPr lang="ko-KR" altLang="en-US" sz="2000" b="1" dirty="0" smtClean="0"/>
-              <a:t>객체 </a:t>
-            </a:r>
-            <a:r>
-              <a:rPr lang="ko-KR" altLang="en-US" sz="2000" b="1" dirty="0" err="1" smtClean="0"/>
-              <a:t>자료형</a:t>
-            </a:r>
-            <a:r>
-              <a:rPr lang="en-US" altLang="ko-KR" sz="1600" dirty="0" smtClean="0"/>
-              <a:t>   </a:t>
-            </a:r>
-          </a:p>
-        </p:txBody>
-      </p:sp>
-      <p:pic>
-        <p:nvPicPr>
-          <p:cNvPr id="5" name="그림 4"/>
-          <p:cNvPicPr>
-            <a:picLocks noChangeAspect="1"/>
-          </p:cNvPicPr>
+              <a:t>웹 페이지 동작 방식 비교</a:t>
+            </a:r>
+            <a:endParaRPr lang="en-US" altLang="ko-KR" sz="2400" dirty="0" smtClean="0"/>
+          </a:p>
+        </p:txBody>
+      </p:sp>
+      <p:sp>
+        <p:nvSpPr>
+          <p:cNvPr id="6" name="모서리가 둥근 직사각형 5"/>
+          <p:cNvSpPr/>
           <p:nvPr/>
-        </p:nvPicPr>
-        <p:blipFill rotWithShape="1">
-          <a:blip r:embed="rId2">
-            <a:extLst>
-              <a:ext uri="{28A0092B-C50C-407E-A947-70E740481C1C}">
-                <a14:useLocalDpi xmlns:a14="http://schemas.microsoft.com/office/drawing/2010/main" val="0"/>
-              </a:ext>
-            </a:extLst>
-          </a:blip>
-          <a:srcRect r="48637" b="72581"/>
-          <a:stretch/>
-        </p:blipFill>
-        <p:spPr>
-          <a:xfrm>
-            <a:off x="1494356" y="1999410"/>
-            <a:ext cx="5654675" cy="1285574"/>
+        </p:nvSpPr>
+        <p:spPr>
+          <a:xfrm>
+            <a:off x="2788814" y="2217683"/>
+            <a:ext cx="1804146" cy="3207190"/>
+          </a:xfrm>
+          <a:prstGeom prst="roundRect">
+            <a:avLst/>
+          </a:prstGeom>
+          <a:solidFill>
+            <a:schemeClr val="bg1">
+              <a:lumMod val="95000"/>
+            </a:schemeClr>
+          </a:solidFill>
+          <a:ln w="12700"/>
+        </p:spPr>
+        <p:style>
+          <a:lnRef idx="2">
+            <a:schemeClr val="accent1">
+              <a:shade val="50000"/>
+            </a:schemeClr>
+          </a:lnRef>
+          <a:fillRef idx="1">
+            <a:schemeClr val="accent1"/>
+          </a:fillRef>
+          <a:effectRef idx="0">
+            <a:schemeClr val="accent1"/>
+          </a:effectRef>
+          <a:fontRef idx="minor">
+            <a:schemeClr val="lt1"/>
+          </a:fontRef>
+        </p:style>
+        <p:txBody>
+          <a:bodyPr rtlCol="0" anchor="ctr"/>
+          <a:lstStyle/>
+          <a:p>
+            <a:pPr algn="ctr"/>
+            <a:endParaRPr lang="ko-KR" altLang="en-US"/>
+          </a:p>
+        </p:txBody>
+      </p:sp>
+      <p:sp>
+        <p:nvSpPr>
+          <p:cNvPr id="7" name="모서리가 둥근 직사각형 6"/>
+          <p:cNvSpPr/>
+          <p:nvPr/>
+        </p:nvSpPr>
+        <p:spPr>
+          <a:xfrm>
+            <a:off x="848544" y="2174166"/>
+            <a:ext cx="1397844" cy="1309416"/>
+          </a:xfrm>
+          <a:prstGeom prst="roundRect">
+            <a:avLst/>
+          </a:prstGeom>
+          <a:solidFill>
+            <a:schemeClr val="bg1">
+              <a:lumMod val="85000"/>
+            </a:schemeClr>
+          </a:solidFill>
+          <a:ln w="12700"/>
+        </p:spPr>
+        <p:style>
+          <a:lnRef idx="2">
+            <a:schemeClr val="dk1"/>
+          </a:lnRef>
+          <a:fillRef idx="1">
+            <a:schemeClr val="lt1"/>
+          </a:fillRef>
+          <a:effectRef idx="0">
+            <a:schemeClr val="dk1"/>
+          </a:effectRef>
+          <a:fontRef idx="minor">
+            <a:schemeClr val="dk1"/>
+          </a:fontRef>
+        </p:style>
+        <p:txBody>
+          <a:bodyPr rtlCol="0" anchor="ctr"/>
+          <a:lstStyle/>
+          <a:p>
+            <a:pPr algn="ctr"/>
+            <a:endParaRPr lang="en-US" altLang="ko-KR" sz="1400" dirty="0" smtClean="0"/>
+          </a:p>
+          <a:p>
+            <a:pPr algn="ctr"/>
+            <a:endParaRPr lang="en-US" altLang="ko-KR" sz="1400" dirty="0"/>
+          </a:p>
+          <a:p>
+            <a:pPr algn="ctr"/>
+            <a:endParaRPr lang="en-US" altLang="ko-KR" sz="1400" dirty="0" smtClean="0"/>
+          </a:p>
+          <a:p>
+            <a:pPr algn="ctr"/>
+            <a:endParaRPr lang="en-US" altLang="ko-KR" sz="1400" dirty="0"/>
+          </a:p>
+          <a:p>
+            <a:pPr algn="ctr"/>
+            <a:endParaRPr lang="en-US" altLang="ko-KR" sz="1400" dirty="0" smtClean="0"/>
+          </a:p>
+          <a:p>
+            <a:pPr algn="ctr"/>
+            <a:endParaRPr lang="ko-KR" altLang="en-US" sz="1400" dirty="0"/>
+          </a:p>
+        </p:txBody>
+      </p:sp>
+      <p:sp>
+        <p:nvSpPr>
+          <p:cNvPr id="8" name="모서리가 둥근 직사각형 7"/>
+          <p:cNvSpPr/>
+          <p:nvPr/>
+        </p:nvSpPr>
+        <p:spPr>
+          <a:xfrm>
+            <a:off x="1173417" y="2630970"/>
+            <a:ext cx="792087" cy="564580"/>
+          </a:xfrm>
+          <a:prstGeom prst="roundRect">
+            <a:avLst/>
+          </a:prstGeom>
+          <a:solidFill>
+            <a:schemeClr val="bg1">
+              <a:lumMod val="95000"/>
+            </a:schemeClr>
+          </a:solidFill>
+          <a:ln w="12700"/>
+        </p:spPr>
+        <p:style>
+          <a:lnRef idx="2">
+            <a:schemeClr val="dk1"/>
+          </a:lnRef>
+          <a:fillRef idx="1">
+            <a:schemeClr val="lt1"/>
+          </a:fillRef>
+          <a:effectRef idx="0">
+            <a:schemeClr val="dk1"/>
+          </a:effectRef>
+          <a:fontRef idx="minor">
+            <a:schemeClr val="dk1"/>
+          </a:fontRef>
+        </p:style>
+        <p:txBody>
+          <a:bodyPr rtlCol="0" anchor="ctr"/>
+          <a:lstStyle/>
+          <a:p>
+            <a:pPr algn="ctr"/>
+            <a:endParaRPr lang="ko-KR" altLang="en-US" sz="1400" dirty="0"/>
+          </a:p>
+        </p:txBody>
+      </p:sp>
+      <p:sp>
+        <p:nvSpPr>
+          <p:cNvPr id="12" name="TextBox 11"/>
+          <p:cNvSpPr txBox="1"/>
+          <p:nvPr/>
+        </p:nvSpPr>
+        <p:spPr>
+          <a:xfrm>
+            <a:off x="848544" y="1755390"/>
+            <a:ext cx="1588122" cy="307777"/>
           </a:xfrm>
           <a:prstGeom prst="rect">
             <a:avLst/>
           </a:prstGeom>
-        </p:spPr>
-      </p:pic>
-      <p:pic>
-        <p:nvPicPr>
-          <p:cNvPr id="9" name="그림 8"/>
-          <p:cNvPicPr>
-            <a:picLocks noChangeAspect="1"/>
-          </p:cNvPicPr>
+          <a:solidFill>
+            <a:schemeClr val="accent3">
+              <a:lumMod val="20000"/>
+              <a:lumOff val="80000"/>
+            </a:schemeClr>
+          </a:solidFill>
+        </p:spPr>
+        <p:txBody>
+          <a:bodyPr wrap="square" rtlCol="0">
+            <a:spAutoFit/>
+          </a:bodyPr>
+          <a:lstStyle/>
+          <a:p>
+            <a:pPr algn="ctr"/>
+            <a:r>
+              <a:rPr lang="ko-KR" altLang="en-US" sz="1400" dirty="0" smtClean="0"/>
+              <a:t>요청 페이지</a:t>
+            </a:r>
+            <a:endParaRPr lang="ko-KR" altLang="en-US" sz="1400" dirty="0"/>
+          </a:p>
+        </p:txBody>
+      </p:sp>
+      <p:sp>
+        <p:nvSpPr>
+          <p:cNvPr id="13" name="TextBox 12"/>
+          <p:cNvSpPr txBox="1"/>
           <p:nvPr/>
-        </p:nvPicPr>
-        <p:blipFill rotWithShape="1">
-          <a:blip r:embed="rId2">
-            <a:extLst>
-              <a:ext uri="{28A0092B-C50C-407E-A947-70E740481C1C}">
-                <a14:useLocalDpi xmlns:a14="http://schemas.microsoft.com/office/drawing/2010/main" val="0"/>
-              </a:ext>
-            </a:extLst>
-          </a:blip>
-          <a:srcRect l="51359"/>
-          <a:stretch/>
-        </p:blipFill>
-        <p:spPr>
-          <a:xfrm>
-            <a:off x="3512840" y="3489992"/>
-            <a:ext cx="3291481" cy="2881885"/>
+        </p:nvSpPr>
+        <p:spPr>
+          <a:xfrm>
+            <a:off x="937122" y="2277054"/>
+            <a:ext cx="1207566" cy="307777"/>
           </a:xfrm>
           <a:prstGeom prst="rect">
             <a:avLst/>
           </a:prstGeom>
-        </p:spPr>
-      </p:pic>
+          <a:noFill/>
+        </p:spPr>
+        <p:txBody>
+          <a:bodyPr wrap="square" rtlCol="0">
+            <a:spAutoFit/>
+          </a:bodyPr>
+          <a:lstStyle/>
+          <a:p>
+            <a:pPr algn="ctr"/>
+            <a:r>
+              <a:rPr lang="ko-KR" altLang="en-US" sz="1400" dirty="0" smtClean="0"/>
+              <a:t>내</a:t>
+            </a:r>
+            <a:r>
+              <a:rPr lang="ko-KR" altLang="en-US" sz="1400" dirty="0"/>
+              <a:t>용</a:t>
+            </a:r>
+          </a:p>
+        </p:txBody>
+      </p:sp>
+      <p:sp>
+        <p:nvSpPr>
+          <p:cNvPr id="14" name="모서리가 둥근 직사각형 13"/>
+          <p:cNvSpPr/>
+          <p:nvPr/>
+        </p:nvSpPr>
+        <p:spPr>
+          <a:xfrm>
+            <a:off x="848544" y="4118382"/>
+            <a:ext cx="1397844" cy="1309416"/>
+          </a:xfrm>
+          <a:prstGeom prst="roundRect">
+            <a:avLst/>
+          </a:prstGeom>
+          <a:solidFill>
+            <a:schemeClr val="bg1">
+              <a:lumMod val="85000"/>
+            </a:schemeClr>
+          </a:solidFill>
+          <a:ln w="12700"/>
+        </p:spPr>
+        <p:style>
+          <a:lnRef idx="2">
+            <a:schemeClr val="dk1"/>
+          </a:lnRef>
+          <a:fillRef idx="1">
+            <a:schemeClr val="lt1"/>
+          </a:fillRef>
+          <a:effectRef idx="0">
+            <a:schemeClr val="dk1"/>
+          </a:effectRef>
+          <a:fontRef idx="minor">
+            <a:schemeClr val="dk1"/>
+          </a:fontRef>
+        </p:style>
+        <p:txBody>
+          <a:bodyPr rtlCol="0" anchor="ctr"/>
+          <a:lstStyle/>
+          <a:p>
+            <a:pPr algn="ctr"/>
+            <a:endParaRPr lang="en-US" altLang="ko-KR" sz="1400" dirty="0" smtClean="0"/>
+          </a:p>
+          <a:p>
+            <a:pPr algn="ctr"/>
+            <a:endParaRPr lang="en-US" altLang="ko-KR" sz="1400" dirty="0"/>
+          </a:p>
+          <a:p>
+            <a:pPr algn="ctr"/>
+            <a:endParaRPr lang="en-US" altLang="ko-KR" sz="1400" dirty="0" smtClean="0"/>
+          </a:p>
+          <a:p>
+            <a:pPr algn="ctr"/>
+            <a:endParaRPr lang="en-US" altLang="ko-KR" sz="1400" dirty="0"/>
+          </a:p>
+          <a:p>
+            <a:pPr algn="ctr"/>
+            <a:endParaRPr lang="en-US" altLang="ko-KR" sz="1400" dirty="0" smtClean="0"/>
+          </a:p>
+          <a:p>
+            <a:pPr algn="ctr"/>
+            <a:endParaRPr lang="ko-KR" altLang="en-US" sz="1400" dirty="0"/>
+          </a:p>
+        </p:txBody>
+      </p:sp>
+      <p:sp>
+        <p:nvSpPr>
+          <p:cNvPr id="15" name="모서리가 둥근 직사각형 14"/>
+          <p:cNvSpPr/>
+          <p:nvPr/>
+        </p:nvSpPr>
+        <p:spPr>
+          <a:xfrm>
+            <a:off x="1101408" y="4400835"/>
+            <a:ext cx="936104" cy="744509"/>
+          </a:xfrm>
+          <a:prstGeom prst="roundRect">
+            <a:avLst/>
+          </a:prstGeom>
+          <a:solidFill>
+            <a:schemeClr val="bg1">
+              <a:lumMod val="95000"/>
+            </a:schemeClr>
+          </a:solidFill>
+          <a:ln w="12700"/>
+        </p:spPr>
+        <p:style>
+          <a:lnRef idx="2">
+            <a:schemeClr val="dk1"/>
+          </a:lnRef>
+          <a:fillRef idx="1">
+            <a:schemeClr val="lt1"/>
+          </a:fillRef>
+          <a:effectRef idx="0">
+            <a:schemeClr val="dk1"/>
+          </a:effectRef>
+          <a:fontRef idx="minor">
+            <a:schemeClr val="dk1"/>
+          </a:fontRef>
+        </p:style>
+        <p:txBody>
+          <a:bodyPr rtlCol="0" anchor="ctr"/>
+          <a:lstStyle/>
+          <a:p>
+            <a:pPr algn="ctr"/>
+            <a:r>
+              <a:rPr lang="ko-KR" altLang="en-US" sz="1400" dirty="0" smtClean="0"/>
+              <a:t>결과입니다</a:t>
+            </a:r>
+            <a:r>
+              <a:rPr lang="en-US" altLang="ko-KR" sz="1400" dirty="0" smtClean="0"/>
+              <a:t>.</a:t>
+            </a:r>
+            <a:endParaRPr lang="ko-KR" altLang="en-US" sz="1400" dirty="0"/>
+          </a:p>
+        </p:txBody>
+      </p:sp>
+      <p:sp>
+        <p:nvSpPr>
+          <p:cNvPr id="16" name="TextBox 15"/>
+          <p:cNvSpPr txBox="1"/>
+          <p:nvPr/>
+        </p:nvSpPr>
+        <p:spPr>
+          <a:xfrm>
+            <a:off x="848544" y="3699606"/>
+            <a:ext cx="1588122" cy="307777"/>
+          </a:xfrm>
+          <a:prstGeom prst="rect">
+            <a:avLst/>
+          </a:prstGeom>
+          <a:solidFill>
+            <a:schemeClr val="accent3">
+              <a:lumMod val="20000"/>
+              <a:lumOff val="80000"/>
+            </a:schemeClr>
+          </a:solidFill>
+        </p:spPr>
+        <p:txBody>
+          <a:bodyPr wrap="square" rtlCol="0">
+            <a:spAutoFit/>
+          </a:bodyPr>
+          <a:lstStyle/>
+          <a:p>
+            <a:pPr algn="ctr"/>
+            <a:r>
+              <a:rPr lang="ko-KR" altLang="en-US" sz="1400" b="1" dirty="0" smtClean="0">
+                <a:solidFill>
+                  <a:srgbClr val="C00000"/>
+                </a:solidFill>
+              </a:rPr>
+              <a:t>요청 페이지</a:t>
+            </a:r>
+            <a:endParaRPr lang="ko-KR" altLang="en-US" sz="1400" b="1" dirty="0">
+              <a:solidFill>
+                <a:srgbClr val="C00000"/>
+              </a:solidFill>
+            </a:endParaRPr>
+          </a:p>
+        </p:txBody>
+      </p:sp>
+      <p:sp>
+        <p:nvSpPr>
+          <p:cNvPr id="18" name="TextBox 17"/>
+          <p:cNvSpPr txBox="1"/>
+          <p:nvPr/>
+        </p:nvSpPr>
+        <p:spPr>
+          <a:xfrm>
+            <a:off x="2864768" y="1755390"/>
+            <a:ext cx="1588122" cy="307777"/>
+          </a:xfrm>
+          <a:prstGeom prst="rect">
+            <a:avLst/>
+          </a:prstGeom>
+          <a:solidFill>
+            <a:schemeClr val="accent3">
+              <a:lumMod val="20000"/>
+              <a:lumOff val="80000"/>
+            </a:schemeClr>
+          </a:solidFill>
+        </p:spPr>
+        <p:txBody>
+          <a:bodyPr wrap="square" rtlCol="0">
+            <a:spAutoFit/>
+          </a:bodyPr>
+          <a:lstStyle/>
+          <a:p>
+            <a:pPr algn="ctr"/>
+            <a:r>
+              <a:rPr lang="ko-KR" altLang="en-US" sz="1400" dirty="0" smtClean="0"/>
+              <a:t>웹 서버</a:t>
+            </a:r>
+            <a:endParaRPr lang="ko-KR" altLang="en-US" sz="1400" dirty="0"/>
+          </a:p>
+        </p:txBody>
+      </p:sp>
+      <p:cxnSp>
+        <p:nvCxnSpPr>
+          <p:cNvPr id="19" name="직선 연결선 18"/>
+          <p:cNvCxnSpPr/>
+          <p:nvPr/>
+        </p:nvCxnSpPr>
+        <p:spPr>
+          <a:xfrm>
+            <a:off x="4808984" y="1556792"/>
+            <a:ext cx="0" cy="4371278"/>
+          </a:xfrm>
+          <a:prstGeom prst="line">
+            <a:avLst/>
+          </a:prstGeom>
+        </p:spPr>
+        <p:style>
+          <a:lnRef idx="1">
+            <a:schemeClr val="accent1"/>
+          </a:lnRef>
+          <a:fillRef idx="0">
+            <a:schemeClr val="accent1"/>
+          </a:fillRef>
+          <a:effectRef idx="0">
+            <a:schemeClr val="accent1"/>
+          </a:effectRef>
+          <a:fontRef idx="minor">
+            <a:schemeClr val="tx1"/>
+          </a:fontRef>
+        </p:style>
+      </p:cxnSp>
+      <p:sp>
+        <p:nvSpPr>
+          <p:cNvPr id="20" name="TextBox 19"/>
+          <p:cNvSpPr txBox="1"/>
+          <p:nvPr/>
+        </p:nvSpPr>
+        <p:spPr>
+          <a:xfrm>
+            <a:off x="2900184" y="2674985"/>
+            <a:ext cx="1588122" cy="307777"/>
+          </a:xfrm>
+          <a:prstGeom prst="rect">
+            <a:avLst/>
+          </a:prstGeom>
+          <a:solidFill>
+            <a:schemeClr val="accent3">
+              <a:lumMod val="20000"/>
+              <a:lumOff val="80000"/>
+            </a:schemeClr>
+          </a:solidFill>
+          <a:ln>
+            <a:solidFill>
+              <a:schemeClr val="accent3">
+                <a:lumMod val="40000"/>
+                <a:lumOff val="60000"/>
+              </a:schemeClr>
+            </a:solidFill>
+          </a:ln>
+        </p:spPr>
+        <p:txBody>
+          <a:bodyPr wrap="square" rtlCol="0">
+            <a:spAutoFit/>
+          </a:bodyPr>
+          <a:lstStyle/>
+          <a:p>
+            <a:pPr algn="ctr"/>
+            <a:r>
+              <a:rPr lang="ko-KR" altLang="en-US" sz="1400" dirty="0" smtClean="0"/>
+              <a:t>요청 받음</a:t>
+            </a:r>
+            <a:endParaRPr lang="ko-KR" altLang="en-US" sz="1400" dirty="0"/>
+          </a:p>
+        </p:txBody>
+      </p:sp>
+      <p:sp>
+        <p:nvSpPr>
+          <p:cNvPr id="21" name="TextBox 20"/>
+          <p:cNvSpPr txBox="1"/>
+          <p:nvPr/>
+        </p:nvSpPr>
+        <p:spPr>
+          <a:xfrm>
+            <a:off x="2900184" y="3555590"/>
+            <a:ext cx="1588122" cy="523220"/>
+          </a:xfrm>
+          <a:prstGeom prst="rect">
+            <a:avLst/>
+          </a:prstGeom>
+          <a:solidFill>
+            <a:schemeClr val="accent3">
+              <a:lumMod val="20000"/>
+              <a:lumOff val="80000"/>
+            </a:schemeClr>
+          </a:solidFill>
+          <a:ln>
+            <a:solidFill>
+              <a:schemeClr val="accent3">
+                <a:lumMod val="40000"/>
+                <a:lumOff val="60000"/>
+              </a:schemeClr>
+            </a:solidFill>
+          </a:ln>
+        </p:spPr>
+        <p:txBody>
+          <a:bodyPr wrap="square" rtlCol="0">
+            <a:spAutoFit/>
+          </a:bodyPr>
+          <a:lstStyle/>
+          <a:p>
+            <a:pPr algn="ctr"/>
+            <a:r>
+              <a:rPr lang="ko-KR" altLang="en-US" sz="1400" dirty="0" smtClean="0"/>
+              <a:t>요청 처리</a:t>
+            </a:r>
+            <a:endParaRPr lang="en-US" altLang="ko-KR" sz="1400" dirty="0" smtClean="0"/>
+          </a:p>
+          <a:p>
+            <a:pPr algn="ctr"/>
+            <a:r>
+              <a:rPr lang="en-US" altLang="ko-KR" sz="1400" dirty="0" smtClean="0"/>
+              <a:t>(JSP/ASP/~)</a:t>
+            </a:r>
+            <a:endParaRPr lang="ko-KR" altLang="en-US" sz="1400" dirty="0"/>
+          </a:p>
+        </p:txBody>
+      </p:sp>
+      <p:sp>
+        <p:nvSpPr>
+          <p:cNvPr id="22" name="TextBox 21"/>
+          <p:cNvSpPr txBox="1"/>
+          <p:nvPr/>
+        </p:nvSpPr>
+        <p:spPr>
+          <a:xfrm>
+            <a:off x="2900184" y="4687973"/>
+            <a:ext cx="1588122" cy="307777"/>
+          </a:xfrm>
+          <a:prstGeom prst="rect">
+            <a:avLst/>
+          </a:prstGeom>
+          <a:solidFill>
+            <a:schemeClr val="accent3">
+              <a:lumMod val="20000"/>
+              <a:lumOff val="80000"/>
+            </a:schemeClr>
+          </a:solidFill>
+          <a:ln>
+            <a:solidFill>
+              <a:schemeClr val="accent3">
+                <a:lumMod val="40000"/>
+                <a:lumOff val="60000"/>
+              </a:schemeClr>
+            </a:solidFill>
+          </a:ln>
+        </p:spPr>
+        <p:txBody>
+          <a:bodyPr wrap="square" rtlCol="0">
+            <a:spAutoFit/>
+          </a:bodyPr>
+          <a:lstStyle/>
+          <a:p>
+            <a:pPr algn="ctr"/>
+            <a:r>
+              <a:rPr lang="en-US" altLang="ko-KR" sz="1400" dirty="0" smtClean="0"/>
+              <a:t>HTML </a:t>
+            </a:r>
+            <a:r>
+              <a:rPr lang="ko-KR" altLang="en-US" sz="1400" dirty="0" smtClean="0"/>
+              <a:t>생성</a:t>
+            </a:r>
+            <a:endParaRPr lang="ko-KR" altLang="en-US" sz="1400" dirty="0"/>
+          </a:p>
+        </p:txBody>
+      </p:sp>
+      <p:cxnSp>
+        <p:nvCxnSpPr>
+          <p:cNvPr id="25" name="직선 화살표 연결선 24"/>
+          <p:cNvCxnSpPr/>
+          <p:nvPr/>
+        </p:nvCxnSpPr>
+        <p:spPr>
+          <a:xfrm>
+            <a:off x="2037512" y="2825524"/>
+            <a:ext cx="611232" cy="0"/>
+          </a:xfrm>
+          <a:prstGeom prst="straightConnector1">
+            <a:avLst/>
+          </a:prstGeom>
+          <a:ln w="28575">
+            <a:solidFill>
+              <a:srgbClr val="C00000"/>
+            </a:solidFill>
+            <a:tailEnd type="triangle"/>
+          </a:ln>
+        </p:spPr>
+        <p:style>
+          <a:lnRef idx="1">
+            <a:schemeClr val="accent1"/>
+          </a:lnRef>
+          <a:fillRef idx="0">
+            <a:schemeClr val="accent1"/>
+          </a:fillRef>
+          <a:effectRef idx="0">
+            <a:schemeClr val="accent1"/>
+          </a:effectRef>
+          <a:fontRef idx="minor">
+            <a:schemeClr val="tx1"/>
+          </a:fontRef>
+        </p:style>
+      </p:cxnSp>
+      <p:cxnSp>
+        <p:nvCxnSpPr>
+          <p:cNvPr id="32" name="직선 화살표 연결선 31"/>
+          <p:cNvCxnSpPr/>
+          <p:nvPr/>
+        </p:nvCxnSpPr>
+        <p:spPr>
+          <a:xfrm>
+            <a:off x="3703197" y="3006596"/>
+            <a:ext cx="0" cy="476986"/>
+          </a:xfrm>
+          <a:prstGeom prst="straightConnector1">
+            <a:avLst/>
+          </a:prstGeom>
+          <a:ln w="28575">
+            <a:solidFill>
+              <a:srgbClr val="C00000"/>
+            </a:solidFill>
+            <a:tailEnd type="triangle"/>
+          </a:ln>
+        </p:spPr>
+        <p:style>
+          <a:lnRef idx="1">
+            <a:schemeClr val="accent1"/>
+          </a:lnRef>
+          <a:fillRef idx="0">
+            <a:schemeClr val="accent1"/>
+          </a:fillRef>
+          <a:effectRef idx="0">
+            <a:schemeClr val="accent1"/>
+          </a:effectRef>
+          <a:fontRef idx="minor">
+            <a:schemeClr val="tx1"/>
+          </a:fontRef>
+        </p:style>
+      </p:cxnSp>
+      <p:cxnSp>
+        <p:nvCxnSpPr>
+          <p:cNvPr id="34" name="직선 화살표 연결선 33"/>
+          <p:cNvCxnSpPr/>
+          <p:nvPr/>
+        </p:nvCxnSpPr>
+        <p:spPr>
+          <a:xfrm>
+            <a:off x="3703197" y="4203662"/>
+            <a:ext cx="0" cy="433374"/>
+          </a:xfrm>
+          <a:prstGeom prst="straightConnector1">
+            <a:avLst/>
+          </a:prstGeom>
+          <a:ln w="28575">
+            <a:solidFill>
+              <a:srgbClr val="C00000"/>
+            </a:solidFill>
+            <a:tailEnd type="triangle"/>
+          </a:ln>
+        </p:spPr>
+        <p:style>
+          <a:lnRef idx="1">
+            <a:schemeClr val="accent1"/>
+          </a:lnRef>
+          <a:fillRef idx="0">
+            <a:schemeClr val="accent1"/>
+          </a:fillRef>
+          <a:effectRef idx="0">
+            <a:schemeClr val="accent1"/>
+          </a:effectRef>
+          <a:fontRef idx="minor">
+            <a:schemeClr val="tx1"/>
+          </a:fontRef>
+        </p:style>
+      </p:cxnSp>
+      <p:cxnSp>
+        <p:nvCxnSpPr>
+          <p:cNvPr id="35" name="직선 화살표 연결선 34"/>
+          <p:cNvCxnSpPr/>
+          <p:nvPr/>
+        </p:nvCxnSpPr>
+        <p:spPr>
+          <a:xfrm flipH="1">
+            <a:off x="2120120" y="4839845"/>
+            <a:ext cx="668694" cy="0"/>
+          </a:xfrm>
+          <a:prstGeom prst="straightConnector1">
+            <a:avLst/>
+          </a:prstGeom>
+          <a:ln w="28575">
+            <a:solidFill>
+              <a:srgbClr val="C00000"/>
+            </a:solidFill>
+            <a:tailEnd type="triangle"/>
+          </a:ln>
+        </p:spPr>
+        <p:style>
+          <a:lnRef idx="1">
+            <a:schemeClr val="accent1"/>
+          </a:lnRef>
+          <a:fillRef idx="0">
+            <a:schemeClr val="accent1"/>
+          </a:fillRef>
+          <a:effectRef idx="0">
+            <a:schemeClr val="accent1"/>
+          </a:effectRef>
+          <a:fontRef idx="minor">
+            <a:schemeClr val="tx1"/>
+          </a:fontRef>
+        </p:style>
+      </p:cxnSp>
+      <p:sp>
+        <p:nvSpPr>
+          <p:cNvPr id="58" name="모서리가 둥근 직사각형 57"/>
+          <p:cNvSpPr/>
+          <p:nvPr/>
+        </p:nvSpPr>
+        <p:spPr>
+          <a:xfrm>
+            <a:off x="7613350" y="2217683"/>
+            <a:ext cx="1804146" cy="3207190"/>
+          </a:xfrm>
+          <a:prstGeom prst="roundRect">
+            <a:avLst/>
+          </a:prstGeom>
+          <a:solidFill>
+            <a:schemeClr val="bg1">
+              <a:lumMod val="95000"/>
+            </a:schemeClr>
+          </a:solidFill>
+          <a:ln w="12700"/>
+        </p:spPr>
+        <p:style>
+          <a:lnRef idx="2">
+            <a:schemeClr val="accent1">
+              <a:shade val="50000"/>
+            </a:schemeClr>
+          </a:lnRef>
+          <a:fillRef idx="1">
+            <a:schemeClr val="accent1"/>
+          </a:fillRef>
+          <a:effectRef idx="0">
+            <a:schemeClr val="accent1"/>
+          </a:effectRef>
+          <a:fontRef idx="minor">
+            <a:schemeClr val="lt1"/>
+          </a:fontRef>
+        </p:style>
+        <p:txBody>
+          <a:bodyPr rtlCol="0" anchor="ctr"/>
+          <a:lstStyle/>
+          <a:p>
+            <a:pPr algn="ctr"/>
+            <a:endParaRPr lang="ko-KR" altLang="en-US"/>
+          </a:p>
+        </p:txBody>
+      </p:sp>
+      <p:sp>
+        <p:nvSpPr>
+          <p:cNvPr id="59" name="모서리가 둥근 직사각형 58"/>
+          <p:cNvSpPr/>
+          <p:nvPr/>
+        </p:nvSpPr>
+        <p:spPr>
+          <a:xfrm>
+            <a:off x="5028954" y="2174166"/>
+            <a:ext cx="1397844" cy="3250707"/>
+          </a:xfrm>
+          <a:prstGeom prst="roundRect">
+            <a:avLst/>
+          </a:prstGeom>
+          <a:solidFill>
+            <a:schemeClr val="bg1">
+              <a:lumMod val="85000"/>
+            </a:schemeClr>
+          </a:solidFill>
+          <a:ln w="12700"/>
+        </p:spPr>
+        <p:style>
+          <a:lnRef idx="2">
+            <a:schemeClr val="dk1"/>
+          </a:lnRef>
+          <a:fillRef idx="1">
+            <a:schemeClr val="lt1"/>
+          </a:fillRef>
+          <a:effectRef idx="0">
+            <a:schemeClr val="dk1"/>
+          </a:effectRef>
+          <a:fontRef idx="minor">
+            <a:schemeClr val="dk1"/>
+          </a:fontRef>
+        </p:style>
+        <p:txBody>
+          <a:bodyPr rtlCol="0" anchor="ctr"/>
+          <a:lstStyle/>
+          <a:p>
+            <a:pPr algn="ctr"/>
+            <a:endParaRPr lang="en-US" altLang="ko-KR" sz="1400" dirty="0" smtClean="0"/>
+          </a:p>
+          <a:p>
+            <a:pPr algn="ctr"/>
+            <a:endParaRPr lang="en-US" altLang="ko-KR" sz="1400" dirty="0"/>
+          </a:p>
+          <a:p>
+            <a:pPr algn="ctr"/>
+            <a:endParaRPr lang="en-US" altLang="ko-KR" sz="1400" dirty="0" smtClean="0"/>
+          </a:p>
+          <a:p>
+            <a:pPr algn="ctr"/>
+            <a:endParaRPr lang="en-US" altLang="ko-KR" sz="1400" dirty="0"/>
+          </a:p>
+          <a:p>
+            <a:pPr algn="ctr"/>
+            <a:endParaRPr lang="en-US" altLang="ko-KR" sz="1400" dirty="0" smtClean="0"/>
+          </a:p>
+          <a:p>
+            <a:pPr algn="ctr"/>
+            <a:endParaRPr lang="ko-KR" altLang="en-US" sz="1400" dirty="0"/>
+          </a:p>
+        </p:txBody>
+      </p:sp>
+      <p:sp>
+        <p:nvSpPr>
+          <p:cNvPr id="60" name="모서리가 둥근 직사각형 59"/>
+          <p:cNvSpPr/>
+          <p:nvPr/>
+        </p:nvSpPr>
+        <p:spPr>
+          <a:xfrm>
+            <a:off x="5353827" y="2630970"/>
+            <a:ext cx="792087" cy="564580"/>
+          </a:xfrm>
+          <a:prstGeom prst="roundRect">
+            <a:avLst/>
+          </a:prstGeom>
+          <a:solidFill>
+            <a:schemeClr val="bg1">
+              <a:lumMod val="95000"/>
+            </a:schemeClr>
+          </a:solidFill>
+          <a:ln w="12700"/>
+        </p:spPr>
+        <p:style>
+          <a:lnRef idx="2">
+            <a:schemeClr val="dk1"/>
+          </a:lnRef>
+          <a:fillRef idx="1">
+            <a:schemeClr val="lt1"/>
+          </a:fillRef>
+          <a:effectRef idx="0">
+            <a:schemeClr val="dk1"/>
+          </a:effectRef>
+          <a:fontRef idx="minor">
+            <a:schemeClr val="dk1"/>
+          </a:fontRef>
+        </p:style>
+        <p:txBody>
+          <a:bodyPr rtlCol="0" anchor="ctr"/>
+          <a:lstStyle/>
+          <a:p>
+            <a:pPr algn="ctr"/>
+            <a:endParaRPr lang="ko-KR" altLang="en-US" sz="1400" dirty="0"/>
+          </a:p>
+        </p:txBody>
+      </p:sp>
+      <p:sp>
+        <p:nvSpPr>
+          <p:cNvPr id="61" name="TextBox 60"/>
+          <p:cNvSpPr txBox="1"/>
+          <p:nvPr/>
+        </p:nvSpPr>
+        <p:spPr>
+          <a:xfrm>
+            <a:off x="5028954" y="1755390"/>
+            <a:ext cx="1588122" cy="307777"/>
+          </a:xfrm>
+          <a:prstGeom prst="rect">
+            <a:avLst/>
+          </a:prstGeom>
+          <a:solidFill>
+            <a:schemeClr val="accent3">
+              <a:lumMod val="20000"/>
+              <a:lumOff val="80000"/>
+            </a:schemeClr>
+          </a:solidFill>
+        </p:spPr>
+        <p:txBody>
+          <a:bodyPr wrap="square" rtlCol="0">
+            <a:spAutoFit/>
+          </a:bodyPr>
+          <a:lstStyle/>
+          <a:p>
+            <a:pPr algn="ctr"/>
+            <a:r>
+              <a:rPr lang="ko-KR" altLang="en-US" sz="1400" dirty="0" smtClean="0"/>
+              <a:t>요청 페이지</a:t>
+            </a:r>
+            <a:endParaRPr lang="ko-KR" altLang="en-US" sz="1400" dirty="0"/>
+          </a:p>
+        </p:txBody>
+      </p:sp>
+      <p:sp>
+        <p:nvSpPr>
+          <p:cNvPr id="62" name="TextBox 61"/>
+          <p:cNvSpPr txBox="1"/>
+          <p:nvPr/>
+        </p:nvSpPr>
+        <p:spPr>
+          <a:xfrm>
+            <a:off x="5117532" y="2277054"/>
+            <a:ext cx="1207566" cy="307777"/>
+          </a:xfrm>
+          <a:prstGeom prst="rect">
+            <a:avLst/>
+          </a:prstGeom>
+          <a:noFill/>
+        </p:spPr>
+        <p:txBody>
+          <a:bodyPr wrap="square" rtlCol="0">
+            <a:spAutoFit/>
+          </a:bodyPr>
+          <a:lstStyle/>
+          <a:p>
+            <a:pPr algn="ctr"/>
+            <a:r>
+              <a:rPr lang="ko-KR" altLang="en-US" sz="1400" dirty="0" smtClean="0"/>
+              <a:t>내</a:t>
+            </a:r>
+            <a:r>
+              <a:rPr lang="ko-KR" altLang="en-US" sz="1400" dirty="0"/>
+              <a:t>용</a:t>
+            </a:r>
+          </a:p>
+        </p:txBody>
+      </p:sp>
+      <p:sp>
+        <p:nvSpPr>
+          <p:cNvPr id="64" name="모서리가 둥근 직사각형 63"/>
+          <p:cNvSpPr/>
+          <p:nvPr/>
+        </p:nvSpPr>
+        <p:spPr>
+          <a:xfrm>
+            <a:off x="5281818" y="4419686"/>
+            <a:ext cx="936104" cy="744509"/>
+          </a:xfrm>
+          <a:prstGeom prst="roundRect">
+            <a:avLst/>
+          </a:prstGeom>
+          <a:solidFill>
+            <a:schemeClr val="bg1">
+              <a:lumMod val="95000"/>
+            </a:schemeClr>
+          </a:solidFill>
+          <a:ln w="12700"/>
+        </p:spPr>
+        <p:style>
+          <a:lnRef idx="2">
+            <a:schemeClr val="dk1"/>
+          </a:lnRef>
+          <a:fillRef idx="1">
+            <a:schemeClr val="lt1"/>
+          </a:fillRef>
+          <a:effectRef idx="0">
+            <a:schemeClr val="dk1"/>
+          </a:effectRef>
+          <a:fontRef idx="minor">
+            <a:schemeClr val="dk1"/>
+          </a:fontRef>
+        </p:style>
+        <p:txBody>
+          <a:bodyPr rtlCol="0" anchor="ctr"/>
+          <a:lstStyle/>
+          <a:p>
+            <a:pPr algn="ctr"/>
+            <a:r>
+              <a:rPr lang="ko-KR" altLang="en-US" sz="1400" dirty="0" smtClean="0"/>
+              <a:t>결과입니다</a:t>
+            </a:r>
+            <a:r>
+              <a:rPr lang="en-US" altLang="ko-KR" sz="1400" dirty="0" smtClean="0"/>
+              <a:t>.</a:t>
+            </a:r>
+            <a:endParaRPr lang="ko-KR" altLang="en-US" sz="1400" dirty="0"/>
+          </a:p>
+        </p:txBody>
+      </p:sp>
+      <p:sp>
+        <p:nvSpPr>
+          <p:cNvPr id="66" name="TextBox 65"/>
+          <p:cNvSpPr txBox="1"/>
+          <p:nvPr/>
+        </p:nvSpPr>
+        <p:spPr>
+          <a:xfrm>
+            <a:off x="7689304" y="1755390"/>
+            <a:ext cx="1588122" cy="307777"/>
+          </a:xfrm>
+          <a:prstGeom prst="rect">
+            <a:avLst/>
+          </a:prstGeom>
+          <a:solidFill>
+            <a:schemeClr val="accent3">
+              <a:lumMod val="20000"/>
+              <a:lumOff val="80000"/>
+            </a:schemeClr>
+          </a:solidFill>
+        </p:spPr>
+        <p:txBody>
+          <a:bodyPr wrap="square" rtlCol="0">
+            <a:spAutoFit/>
+          </a:bodyPr>
+          <a:lstStyle/>
+          <a:p>
+            <a:pPr algn="ctr"/>
+            <a:r>
+              <a:rPr lang="ko-KR" altLang="en-US" sz="1400" dirty="0" smtClean="0"/>
+              <a:t>웹 서버</a:t>
+            </a:r>
+            <a:endParaRPr lang="ko-KR" altLang="en-US" sz="1400" dirty="0"/>
+          </a:p>
+        </p:txBody>
+      </p:sp>
+      <p:sp>
+        <p:nvSpPr>
+          <p:cNvPr id="67" name="TextBox 66"/>
+          <p:cNvSpPr txBox="1"/>
+          <p:nvPr/>
+        </p:nvSpPr>
+        <p:spPr>
+          <a:xfrm>
+            <a:off x="7724720" y="2674985"/>
+            <a:ext cx="1588122" cy="307777"/>
+          </a:xfrm>
+          <a:prstGeom prst="rect">
+            <a:avLst/>
+          </a:prstGeom>
+          <a:solidFill>
+            <a:schemeClr val="accent3">
+              <a:lumMod val="20000"/>
+              <a:lumOff val="80000"/>
+            </a:schemeClr>
+          </a:solidFill>
+          <a:ln>
+            <a:solidFill>
+              <a:schemeClr val="accent3">
+                <a:lumMod val="40000"/>
+                <a:lumOff val="60000"/>
+              </a:schemeClr>
+            </a:solidFill>
+          </a:ln>
+        </p:spPr>
+        <p:txBody>
+          <a:bodyPr wrap="square" rtlCol="0">
+            <a:spAutoFit/>
+          </a:bodyPr>
+          <a:lstStyle/>
+          <a:p>
+            <a:pPr algn="ctr"/>
+            <a:r>
+              <a:rPr lang="ko-KR" altLang="en-US" sz="1400" dirty="0" smtClean="0"/>
+              <a:t>요청 받음</a:t>
+            </a:r>
+            <a:endParaRPr lang="ko-KR" altLang="en-US" sz="1400" dirty="0"/>
+          </a:p>
+        </p:txBody>
+      </p:sp>
+      <p:sp>
+        <p:nvSpPr>
+          <p:cNvPr id="68" name="TextBox 67"/>
+          <p:cNvSpPr txBox="1"/>
+          <p:nvPr/>
+        </p:nvSpPr>
+        <p:spPr>
+          <a:xfrm>
+            <a:off x="7724720" y="3536426"/>
+            <a:ext cx="1588122" cy="523220"/>
+          </a:xfrm>
+          <a:prstGeom prst="rect">
+            <a:avLst/>
+          </a:prstGeom>
+          <a:solidFill>
+            <a:schemeClr val="accent3">
+              <a:lumMod val="20000"/>
+              <a:lumOff val="80000"/>
+            </a:schemeClr>
+          </a:solidFill>
+          <a:ln>
+            <a:solidFill>
+              <a:schemeClr val="accent3">
+                <a:lumMod val="40000"/>
+                <a:lumOff val="60000"/>
+              </a:schemeClr>
+            </a:solidFill>
+          </a:ln>
+        </p:spPr>
+        <p:txBody>
+          <a:bodyPr wrap="square" rtlCol="0">
+            <a:spAutoFit/>
+          </a:bodyPr>
+          <a:lstStyle/>
+          <a:p>
+            <a:pPr algn="ctr"/>
+            <a:r>
+              <a:rPr lang="ko-KR" altLang="en-US" sz="1400" dirty="0" smtClean="0"/>
+              <a:t>요청 처리</a:t>
+            </a:r>
+            <a:endParaRPr lang="en-US" altLang="ko-KR" sz="1400" dirty="0" smtClean="0"/>
+          </a:p>
+          <a:p>
+            <a:pPr algn="ctr"/>
+            <a:r>
+              <a:rPr lang="en-US" altLang="ko-KR" sz="1400" dirty="0" smtClean="0"/>
+              <a:t>(JSP/ASP/~)</a:t>
+            </a:r>
+            <a:endParaRPr lang="ko-KR" altLang="en-US" sz="1400" dirty="0"/>
+          </a:p>
+        </p:txBody>
+      </p:sp>
+      <p:sp>
+        <p:nvSpPr>
+          <p:cNvPr id="69" name="TextBox 68"/>
+          <p:cNvSpPr txBox="1"/>
+          <p:nvPr/>
+        </p:nvSpPr>
+        <p:spPr>
+          <a:xfrm>
+            <a:off x="7724720" y="4563702"/>
+            <a:ext cx="1588122" cy="523220"/>
+          </a:xfrm>
+          <a:prstGeom prst="rect">
+            <a:avLst/>
+          </a:prstGeom>
+          <a:solidFill>
+            <a:schemeClr val="accent3">
+              <a:lumMod val="20000"/>
+              <a:lumOff val="80000"/>
+            </a:schemeClr>
+          </a:solidFill>
+          <a:ln>
+            <a:solidFill>
+              <a:schemeClr val="accent3">
+                <a:lumMod val="40000"/>
+                <a:lumOff val="60000"/>
+              </a:schemeClr>
+            </a:solidFill>
+          </a:ln>
+        </p:spPr>
+        <p:txBody>
+          <a:bodyPr wrap="square" rtlCol="0">
+            <a:spAutoFit/>
+          </a:bodyPr>
+          <a:lstStyle/>
+          <a:p>
+            <a:pPr algn="ctr"/>
+            <a:r>
+              <a:rPr lang="en-US" altLang="ko-KR" sz="1400" dirty="0" smtClean="0"/>
+              <a:t>XML </a:t>
+            </a:r>
+            <a:r>
+              <a:rPr lang="ko-KR" altLang="en-US" sz="1400" dirty="0" smtClean="0"/>
+              <a:t>또는</a:t>
+            </a:r>
+            <a:endParaRPr lang="en-US" altLang="ko-KR" sz="1400" dirty="0" smtClean="0"/>
+          </a:p>
+          <a:p>
+            <a:pPr algn="ctr"/>
+            <a:r>
+              <a:rPr lang="en-US" altLang="ko-KR" sz="1400" dirty="0" smtClean="0"/>
+              <a:t>JSON </a:t>
+            </a:r>
+            <a:r>
+              <a:rPr lang="ko-KR" altLang="en-US" sz="1400" dirty="0" smtClean="0"/>
+              <a:t>생성</a:t>
+            </a:r>
+            <a:endParaRPr lang="ko-KR" altLang="en-US" sz="1400" dirty="0"/>
+          </a:p>
+        </p:txBody>
+      </p:sp>
+      <p:cxnSp>
+        <p:nvCxnSpPr>
+          <p:cNvPr id="70" name="직선 화살표 연결선 69"/>
+          <p:cNvCxnSpPr/>
+          <p:nvPr/>
+        </p:nvCxnSpPr>
+        <p:spPr>
+          <a:xfrm>
+            <a:off x="6177136" y="2825524"/>
+            <a:ext cx="463270" cy="3349"/>
+          </a:xfrm>
+          <a:prstGeom prst="straightConnector1">
+            <a:avLst/>
+          </a:prstGeom>
+          <a:ln w="28575">
+            <a:solidFill>
+              <a:srgbClr val="C00000"/>
+            </a:solidFill>
+            <a:tailEnd type="triangle"/>
+          </a:ln>
+        </p:spPr>
+        <p:style>
+          <a:lnRef idx="1">
+            <a:schemeClr val="accent1"/>
+          </a:lnRef>
+          <a:fillRef idx="0">
+            <a:schemeClr val="accent1"/>
+          </a:fillRef>
+          <a:effectRef idx="0">
+            <a:schemeClr val="accent1"/>
+          </a:effectRef>
+          <a:fontRef idx="minor">
+            <a:schemeClr val="tx1"/>
+          </a:fontRef>
+        </p:style>
+      </p:cxnSp>
+      <p:cxnSp>
+        <p:nvCxnSpPr>
+          <p:cNvPr id="71" name="직선 화살표 연결선 70"/>
+          <p:cNvCxnSpPr/>
+          <p:nvPr/>
+        </p:nvCxnSpPr>
+        <p:spPr>
+          <a:xfrm>
+            <a:off x="8527733" y="3006596"/>
+            <a:ext cx="0" cy="476986"/>
+          </a:xfrm>
+          <a:prstGeom prst="straightConnector1">
+            <a:avLst/>
+          </a:prstGeom>
+          <a:ln w="28575">
+            <a:solidFill>
+              <a:srgbClr val="C00000"/>
+            </a:solidFill>
+            <a:tailEnd type="triangle"/>
+          </a:ln>
+        </p:spPr>
+        <p:style>
+          <a:lnRef idx="1">
+            <a:schemeClr val="accent1"/>
+          </a:lnRef>
+          <a:fillRef idx="0">
+            <a:schemeClr val="accent1"/>
+          </a:fillRef>
+          <a:effectRef idx="0">
+            <a:schemeClr val="accent1"/>
+          </a:effectRef>
+          <a:fontRef idx="minor">
+            <a:schemeClr val="tx1"/>
+          </a:fontRef>
+        </p:style>
+      </p:cxnSp>
+      <p:cxnSp>
+        <p:nvCxnSpPr>
+          <p:cNvPr id="72" name="직선 화살표 연결선 71"/>
+          <p:cNvCxnSpPr/>
+          <p:nvPr/>
+        </p:nvCxnSpPr>
+        <p:spPr>
+          <a:xfrm>
+            <a:off x="8527733" y="4059646"/>
+            <a:ext cx="0" cy="433374"/>
+          </a:xfrm>
+          <a:prstGeom prst="straightConnector1">
+            <a:avLst/>
+          </a:prstGeom>
+          <a:ln w="28575">
+            <a:solidFill>
+              <a:srgbClr val="C00000"/>
+            </a:solidFill>
+            <a:tailEnd type="triangle"/>
+          </a:ln>
+        </p:spPr>
+        <p:style>
+          <a:lnRef idx="1">
+            <a:schemeClr val="accent1"/>
+          </a:lnRef>
+          <a:fillRef idx="0">
+            <a:schemeClr val="accent1"/>
+          </a:fillRef>
+          <a:effectRef idx="0">
+            <a:schemeClr val="accent1"/>
+          </a:effectRef>
+          <a:fontRef idx="minor">
+            <a:schemeClr val="tx1"/>
+          </a:fontRef>
+        </p:style>
+      </p:cxnSp>
+      <p:cxnSp>
+        <p:nvCxnSpPr>
+          <p:cNvPr id="73" name="직선 화살표 연결선 72"/>
+          <p:cNvCxnSpPr/>
+          <p:nvPr/>
+        </p:nvCxnSpPr>
+        <p:spPr>
+          <a:xfrm flipH="1" flipV="1">
+            <a:off x="6177136" y="4789249"/>
+            <a:ext cx="511015" cy="2692"/>
+          </a:xfrm>
+          <a:prstGeom prst="straightConnector1">
+            <a:avLst/>
+          </a:prstGeom>
+          <a:ln w="28575">
+            <a:solidFill>
+              <a:srgbClr val="C00000"/>
+            </a:solidFill>
+            <a:tailEnd type="triangle"/>
+          </a:ln>
+        </p:spPr>
+        <p:style>
+          <a:lnRef idx="1">
+            <a:schemeClr val="accent1"/>
+          </a:lnRef>
+          <a:fillRef idx="0">
+            <a:schemeClr val="accent1"/>
+          </a:fillRef>
+          <a:effectRef idx="0">
+            <a:schemeClr val="accent1"/>
+          </a:effectRef>
+          <a:fontRef idx="minor">
+            <a:schemeClr val="tx1"/>
+          </a:fontRef>
+        </p:style>
+      </p:cxnSp>
+      <p:sp>
+        <p:nvSpPr>
+          <p:cNvPr id="76" name="직사각형 75"/>
+          <p:cNvSpPr/>
+          <p:nvPr/>
+        </p:nvSpPr>
+        <p:spPr>
+          <a:xfrm>
+            <a:off x="6617076" y="2174166"/>
+            <a:ext cx="712188" cy="3250707"/>
+          </a:xfrm>
+          <a:prstGeom prst="rect">
+            <a:avLst/>
+          </a:prstGeom>
+          <a:solidFill>
+            <a:schemeClr val="bg1">
+              <a:lumMod val="65000"/>
+            </a:schemeClr>
+          </a:solidFill>
+          <a:ln w="12700"/>
+        </p:spPr>
+        <p:style>
+          <a:lnRef idx="2">
+            <a:schemeClr val="accent1">
+              <a:shade val="50000"/>
+            </a:schemeClr>
+          </a:lnRef>
+          <a:fillRef idx="1">
+            <a:schemeClr val="accent1"/>
+          </a:fillRef>
+          <a:effectRef idx="0">
+            <a:schemeClr val="accent1"/>
+          </a:effectRef>
+          <a:fontRef idx="minor">
+            <a:schemeClr val="lt1"/>
+          </a:fontRef>
+        </p:style>
+        <p:txBody>
+          <a:bodyPr rtlCol="0" anchor="ctr"/>
+          <a:lstStyle/>
+          <a:p>
+            <a:pPr algn="ctr"/>
+            <a:endParaRPr lang="ko-KR" altLang="en-US"/>
+          </a:p>
+        </p:txBody>
+      </p:sp>
+      <p:sp>
+        <p:nvSpPr>
+          <p:cNvPr id="77" name="TextBox 76"/>
+          <p:cNvSpPr txBox="1"/>
+          <p:nvPr/>
+        </p:nvSpPr>
+        <p:spPr>
+          <a:xfrm>
+            <a:off x="6037066" y="3555590"/>
+            <a:ext cx="1724246" cy="307777"/>
+          </a:xfrm>
+          <a:prstGeom prst="rect">
+            <a:avLst/>
+          </a:prstGeom>
+          <a:noFill/>
+        </p:spPr>
+        <p:txBody>
+          <a:bodyPr wrap="square" rtlCol="0">
+            <a:spAutoFit/>
+          </a:bodyPr>
+          <a:lstStyle/>
+          <a:p>
+            <a:pPr algn="ctr"/>
+            <a:r>
+              <a:rPr lang="en-US" altLang="ko-KR" sz="1400" dirty="0" err="1" smtClean="0"/>
+              <a:t>XMLHttpRequest</a:t>
+            </a:r>
+            <a:endParaRPr lang="ko-KR" altLang="en-US" sz="1400" dirty="0"/>
+          </a:p>
+        </p:txBody>
+      </p:sp>
+      <p:cxnSp>
+        <p:nvCxnSpPr>
+          <p:cNvPr id="78" name="직선 화살표 연결선 77"/>
+          <p:cNvCxnSpPr/>
+          <p:nvPr/>
+        </p:nvCxnSpPr>
+        <p:spPr>
+          <a:xfrm>
+            <a:off x="7298042" y="2825524"/>
+            <a:ext cx="463270" cy="3349"/>
+          </a:xfrm>
+          <a:prstGeom prst="straightConnector1">
+            <a:avLst/>
+          </a:prstGeom>
+          <a:ln w="28575">
+            <a:solidFill>
+              <a:srgbClr val="C00000"/>
+            </a:solidFill>
+            <a:tailEnd type="triangle"/>
+          </a:ln>
+        </p:spPr>
+        <p:style>
+          <a:lnRef idx="1">
+            <a:schemeClr val="accent1"/>
+          </a:lnRef>
+          <a:fillRef idx="0">
+            <a:schemeClr val="accent1"/>
+          </a:fillRef>
+          <a:effectRef idx="0">
+            <a:schemeClr val="accent1"/>
+          </a:effectRef>
+          <a:fontRef idx="minor">
+            <a:schemeClr val="tx1"/>
+          </a:fontRef>
+        </p:style>
+      </p:cxnSp>
+      <p:cxnSp>
+        <p:nvCxnSpPr>
+          <p:cNvPr id="81" name="직선 화살표 연결선 80"/>
+          <p:cNvCxnSpPr/>
+          <p:nvPr/>
+        </p:nvCxnSpPr>
+        <p:spPr>
+          <a:xfrm flipH="1">
+            <a:off x="7243437" y="4785900"/>
+            <a:ext cx="463270" cy="3349"/>
+          </a:xfrm>
+          <a:prstGeom prst="straightConnector1">
+            <a:avLst/>
+          </a:prstGeom>
+          <a:ln w="28575">
+            <a:solidFill>
+              <a:srgbClr val="C00000"/>
+            </a:solidFill>
+            <a:tailEnd type="triangle"/>
+          </a:ln>
+        </p:spPr>
+        <p:style>
+          <a:lnRef idx="1">
+            <a:schemeClr val="accent1"/>
+          </a:lnRef>
+          <a:fillRef idx="0">
+            <a:schemeClr val="accent1"/>
+          </a:fillRef>
+          <a:effectRef idx="0">
+            <a:schemeClr val="accent1"/>
+          </a:effectRef>
+          <a:fontRef idx="minor">
+            <a:schemeClr val="tx1"/>
+          </a:fontRef>
+        </p:style>
+      </p:cxnSp>
+      <p:sp>
+        <p:nvSpPr>
+          <p:cNvPr id="82" name="TextBox 81"/>
+          <p:cNvSpPr txBox="1"/>
+          <p:nvPr/>
+        </p:nvSpPr>
+        <p:spPr>
+          <a:xfrm>
+            <a:off x="937122" y="5571814"/>
+            <a:ext cx="3515768" cy="830997"/>
+          </a:xfrm>
+          <a:prstGeom prst="rect">
+            <a:avLst/>
+          </a:prstGeom>
+          <a:noFill/>
+        </p:spPr>
+        <p:txBody>
+          <a:bodyPr wrap="square" rtlCol="0">
+            <a:spAutoFit/>
+          </a:bodyPr>
+          <a:lstStyle/>
+          <a:p>
+            <a:r>
+              <a:rPr lang="ko-KR" altLang="en-US" sz="1600" dirty="0" smtClean="0"/>
+              <a:t>새로운 페이지를 생성하여 </a:t>
+            </a:r>
+            <a:r>
+              <a:rPr lang="en-US" altLang="ko-KR" sz="1600" dirty="0" smtClean="0"/>
+              <a:t>HTML</a:t>
+            </a:r>
+            <a:r>
+              <a:rPr lang="ko-KR" altLang="en-US" sz="1600" dirty="0" smtClean="0"/>
+              <a:t>의 중복코드가 발생</a:t>
+            </a:r>
+            <a:r>
+              <a:rPr lang="en-US" altLang="ko-KR" sz="1600" dirty="0" smtClean="0"/>
+              <a:t>. </a:t>
+            </a:r>
+            <a:r>
+              <a:rPr lang="ko-KR" altLang="en-US" sz="1600" dirty="0" smtClean="0"/>
+              <a:t>사용자와의 대화를 </a:t>
+            </a:r>
+            <a:r>
+              <a:rPr lang="ko-KR" altLang="en-US" sz="1600" dirty="0" err="1" smtClean="0"/>
+              <a:t>어렵게함</a:t>
+            </a:r>
+            <a:endParaRPr lang="ko-KR" altLang="en-US" sz="1600" dirty="0"/>
+          </a:p>
+        </p:txBody>
+      </p:sp>
+      <p:sp>
+        <p:nvSpPr>
+          <p:cNvPr id="83" name="TextBox 82"/>
+          <p:cNvSpPr txBox="1"/>
+          <p:nvPr/>
+        </p:nvSpPr>
+        <p:spPr>
+          <a:xfrm>
+            <a:off x="5215286" y="5571814"/>
+            <a:ext cx="3842170" cy="830997"/>
+          </a:xfrm>
+          <a:prstGeom prst="rect">
+            <a:avLst/>
+          </a:prstGeom>
+          <a:noFill/>
+        </p:spPr>
+        <p:txBody>
+          <a:bodyPr wrap="square" rtlCol="0">
+            <a:spAutoFit/>
+          </a:bodyPr>
+          <a:lstStyle/>
+          <a:p>
+            <a:r>
+              <a:rPr lang="ko-KR" altLang="en-US" sz="1600" dirty="0" smtClean="0"/>
+              <a:t>새로운 데이터만 웹 서버에 요청하여 </a:t>
+            </a:r>
+            <a:r>
+              <a:rPr lang="ko-KR" altLang="en-US" sz="1600" dirty="0" err="1" smtClean="0"/>
+              <a:t>받은후</a:t>
+            </a:r>
+            <a:r>
+              <a:rPr lang="ko-KR" altLang="en-US" sz="1600" dirty="0" smtClean="0"/>
+              <a:t> 클라이언트에서 데이터에 대한 처리를 할 수 있다</a:t>
+            </a:r>
+            <a:r>
+              <a:rPr lang="en-US" altLang="ko-KR" sz="1600" dirty="0" smtClean="0"/>
+              <a:t>.</a:t>
+            </a:r>
+            <a:endParaRPr lang="ko-KR" altLang="en-US" sz="1600" dirty="0"/>
+          </a:p>
+        </p:txBody>
+      </p:sp>
     </p:spTree>
     <p:extLst>
       <p:ext uri="{BB962C8B-B14F-4D97-AF65-F5344CB8AC3E}">
-        <p14:creationId xmlns:p14="http://schemas.microsoft.com/office/powerpoint/2010/main" val="3442127202"/>
+        <p14:creationId xmlns:p14="http://schemas.microsoft.com/office/powerpoint/2010/main" val="4124890249"/>
       </p:ext>
     </p:extLst>
   </p:cSld>
@@ -16155,178 +15917,451 @@
           </a:p>
         </p:txBody>
       </p:sp>
-      <p:pic>
-        <p:nvPicPr>
-          <p:cNvPr id="3" name="그림 2"/>
-          <p:cNvPicPr>
-            <a:picLocks noChangeAspect="1"/>
-          </p:cNvPicPr>
+      <p:sp>
+        <p:nvSpPr>
+          <p:cNvPr id="6" name="직사각형 5"/>
+          <p:cNvSpPr/>
           <p:nvPr/>
-        </p:nvPicPr>
-        <p:blipFill>
-          <a:blip r:embed="rId2">
-            <a:extLst>
-              <a:ext uri="{28A0092B-C50C-407E-A947-70E740481C1C}">
-                <a14:useLocalDpi xmlns:a14="http://schemas.microsoft.com/office/drawing/2010/main" val="0"/>
-              </a:ext>
-            </a:extLst>
-          </a:blip>
-          <a:stretch>
-            <a:fillRect/>
-          </a:stretch>
-        </p:blipFill>
-        <p:spPr>
-          <a:xfrm>
-            <a:off x="1784649" y="2049969"/>
-            <a:ext cx="4331440" cy="2603167"/>
+        </p:nvSpPr>
+        <p:spPr>
+          <a:xfrm>
+            <a:off x="1624062" y="1988840"/>
+            <a:ext cx="6768752" cy="3970318"/>
           </a:xfrm>
           <a:prstGeom prst="rect">
             <a:avLst/>
           </a:prstGeom>
-          <a:ln>
-            <a:solidFill>
-              <a:schemeClr val="bg1">
-                <a:lumMod val="85000"/>
-              </a:schemeClr>
-            </a:solidFill>
-          </a:ln>
-        </p:spPr>
-      </p:pic>
-      <p:pic>
-        <p:nvPicPr>
-          <p:cNvPr id="6" name="그림 5"/>
-          <p:cNvPicPr>
-            <a:picLocks noChangeAspect="1"/>
-          </p:cNvPicPr>
-          <p:nvPr/>
-        </p:nvPicPr>
-        <p:blipFill>
-          <a:blip r:embed="rId3">
-            <a:extLst>
-              <a:ext uri="{28A0092B-C50C-407E-A947-70E740481C1C}">
-                <a14:useLocalDpi xmlns:a14="http://schemas.microsoft.com/office/drawing/2010/main" val="0"/>
-              </a:ext>
-            </a:extLst>
-          </a:blip>
-          <a:stretch>
-            <a:fillRect/>
-          </a:stretch>
-        </p:blipFill>
-        <p:spPr>
-          <a:xfrm>
-            <a:off x="1757030" y="4941168"/>
-            <a:ext cx="6370872" cy="937341"/>
-          </a:xfrm>
-          <a:prstGeom prst="rect">
-            <a:avLst/>
-          </a:prstGeom>
-          <a:ln>
-            <a:solidFill>
-              <a:schemeClr val="bg1">
-                <a:lumMod val="85000"/>
-              </a:schemeClr>
-            </a:solidFill>
-          </a:ln>
-        </p:spPr>
-      </p:pic>
-      <p:sp>
-        <p:nvSpPr>
-          <p:cNvPr id="10" name="TextBox 9"/>
-          <p:cNvSpPr txBox="1"/>
-          <p:nvPr/>
-        </p:nvSpPr>
-        <p:spPr>
-          <a:xfrm>
-            <a:off x="6582897" y="4465850"/>
-            <a:ext cx="1492734" cy="374571"/>
-          </a:xfrm>
-          <a:prstGeom prst="roundRect">
-            <a:avLst/>
-          </a:prstGeom>
-          <a:ln w="19050"/>
-        </p:spPr>
-        <p:style>
-          <a:lnRef idx="2">
-            <a:schemeClr val="accent1"/>
-          </a:lnRef>
-          <a:fillRef idx="1">
-            <a:schemeClr val="lt1"/>
-          </a:fillRef>
-          <a:effectRef idx="0">
-            <a:schemeClr val="accent1"/>
-          </a:effectRef>
-          <a:fontRef idx="minor">
-            <a:schemeClr val="dk1"/>
-          </a:fontRef>
-        </p:style>
-        <p:txBody>
-          <a:bodyPr wrap="square" rtlCol="0">
+          <a:solidFill>
+            <a:schemeClr val="bg1">
+              <a:lumMod val="95000"/>
+            </a:schemeClr>
+          </a:solidFill>
+        </p:spPr>
+        <p:txBody>
+          <a:bodyPr wrap="square">
             <a:spAutoFit/>
           </a:bodyPr>
           <a:lstStyle/>
           <a:p>
-            <a:pPr algn="ctr"/>
-            <a:r>
-              <a:rPr lang="en-US" altLang="ko-KR" sz="1600" dirty="0" err="1"/>
-              <a:t>s</a:t>
-            </a:r>
-            <a:r>
-              <a:rPr lang="en-US" altLang="ko-KR" sz="1600" dirty="0" err="1" smtClean="0"/>
-              <a:t>core.json</a:t>
-            </a:r>
-            <a:endParaRPr lang="ko-KR" altLang="en-US" sz="1600" dirty="0"/>
-          </a:p>
-        </p:txBody>
-      </p:sp>
-      <p:sp>
-        <p:nvSpPr>
-          <p:cNvPr id="12" name="TextBox 11"/>
-          <p:cNvSpPr txBox="1"/>
-          <p:nvPr/>
-        </p:nvSpPr>
-        <p:spPr>
-          <a:xfrm>
-            <a:off x="5787586" y="2492896"/>
-            <a:ext cx="1492734" cy="374571"/>
-          </a:xfrm>
-          <a:prstGeom prst="roundRect">
-            <a:avLst/>
-          </a:prstGeom>
-          <a:ln w="19050"/>
-        </p:spPr>
-        <p:style>
-          <a:lnRef idx="2">
-            <a:schemeClr val="accent1"/>
-          </a:lnRef>
-          <a:fillRef idx="1">
-            <a:schemeClr val="lt1"/>
-          </a:fillRef>
-          <a:effectRef idx="0">
-            <a:schemeClr val="accent1"/>
-          </a:effectRef>
-          <a:fontRef idx="minor">
-            <a:schemeClr val="dk1"/>
-          </a:fontRef>
-        </p:style>
-        <p:txBody>
-          <a:bodyPr wrap="square" rtlCol="0">
-            <a:spAutoFit/>
-          </a:bodyPr>
-          <a:lstStyle/>
-          <a:p>
-            <a:pPr algn="ctr"/>
+            <a:pPr>
+              <a:lnSpc>
+                <a:spcPct val="150000"/>
+              </a:lnSpc>
+            </a:pPr>
+            <a:r>
+              <a:rPr lang="en-US" altLang="ko-KR" b="1" dirty="0"/>
+              <a:t>$.ajax</a:t>
+            </a:r>
+            <a:r>
+              <a:rPr lang="en-US" altLang="ko-KR" dirty="0"/>
+              <a:t>({</a:t>
+            </a:r>
+          </a:p>
+          <a:p>
+            <a:pPr>
+              <a:lnSpc>
+                <a:spcPct val="150000"/>
+              </a:lnSpc>
+            </a:pPr>
+            <a:r>
+              <a:rPr lang="en-US" altLang="ko-KR" dirty="0" smtClean="0">
+                <a:solidFill>
+                  <a:srgbClr val="C00000"/>
+                </a:solidFill>
+              </a:rPr>
+              <a:t>    type</a:t>
+            </a:r>
+            <a:r>
+              <a:rPr lang="en-US" altLang="ko-KR" dirty="0" smtClean="0"/>
+              <a:t>: “</a:t>
+            </a:r>
             <a:r>
               <a:rPr lang="en-US" altLang="ko-KR" sz="1600" dirty="0" smtClean="0"/>
-              <a:t>ajax2.html</a:t>
-            </a:r>
-            <a:endParaRPr lang="ko-KR" altLang="en-US" sz="1600" dirty="0"/>
+              <a:t>post </a:t>
+            </a:r>
+            <a:r>
+              <a:rPr lang="ko-KR" altLang="en-US" sz="1600" dirty="0" smtClean="0"/>
+              <a:t>또는 </a:t>
+            </a:r>
+            <a:r>
+              <a:rPr lang="en-US" altLang="ko-KR" sz="1600" dirty="0" smtClean="0"/>
+              <a:t>get</a:t>
+            </a:r>
+            <a:r>
+              <a:rPr lang="en-US" altLang="ko-KR" dirty="0" smtClean="0"/>
+              <a:t>",  </a:t>
+            </a:r>
+            <a:r>
+              <a:rPr lang="en-US" altLang="ko-KR" dirty="0" smtClean="0">
+                <a:solidFill>
+                  <a:schemeClr val="accent1"/>
+                </a:solidFill>
+              </a:rPr>
+              <a:t>//</a:t>
+            </a:r>
+            <a:r>
+              <a:rPr lang="ko-KR" altLang="en-US" dirty="0" smtClean="0">
+                <a:solidFill>
+                  <a:schemeClr val="accent1"/>
+                </a:solidFill>
+              </a:rPr>
+              <a:t>데이터를 읽어오는 방식</a:t>
+            </a:r>
+            <a:endParaRPr lang="en-US" altLang="ko-KR" dirty="0" smtClean="0">
+              <a:solidFill>
+                <a:schemeClr val="accent1"/>
+              </a:solidFill>
+            </a:endParaRPr>
+          </a:p>
+          <a:p>
+            <a:pPr>
+              <a:lnSpc>
+                <a:spcPct val="150000"/>
+              </a:lnSpc>
+            </a:pPr>
+            <a:r>
+              <a:rPr lang="en-US" altLang="ko-KR" dirty="0"/>
+              <a:t> </a:t>
+            </a:r>
+            <a:r>
+              <a:rPr lang="en-US" altLang="ko-KR" dirty="0" smtClean="0"/>
+              <a:t>   </a:t>
+            </a:r>
+            <a:r>
+              <a:rPr lang="en-US" altLang="ko-KR" dirty="0">
+                <a:solidFill>
+                  <a:srgbClr val="C00000"/>
+                </a:solidFill>
+              </a:rPr>
+              <a:t>url</a:t>
+            </a:r>
+            <a:r>
+              <a:rPr lang="en-US" altLang="ko-KR" dirty="0"/>
+              <a:t>: “</a:t>
+            </a:r>
+            <a:r>
+              <a:rPr lang="ko-KR" altLang="en-US" sz="1600" dirty="0"/>
+              <a:t>요청할 </a:t>
+            </a:r>
+            <a:r>
+              <a:rPr lang="en-US" altLang="ko-KR" sz="1600" dirty="0"/>
+              <a:t>URL</a:t>
+            </a:r>
+            <a:r>
+              <a:rPr lang="en-US" altLang="ko-KR" dirty="0" smtClean="0"/>
+              <a:t>",       </a:t>
+            </a:r>
+            <a:r>
+              <a:rPr lang="en-US" altLang="ko-KR" dirty="0" smtClean="0">
+                <a:solidFill>
+                  <a:schemeClr val="accent1"/>
+                </a:solidFill>
+              </a:rPr>
+              <a:t>//</a:t>
+            </a:r>
+            <a:r>
+              <a:rPr lang="ko-KR" altLang="en-US" dirty="0" smtClean="0">
+                <a:solidFill>
+                  <a:schemeClr val="accent1"/>
+                </a:solidFill>
+              </a:rPr>
+              <a:t>요청할 </a:t>
+            </a:r>
+            <a:r>
+              <a:rPr lang="en-US" altLang="ko-KR" dirty="0" err="1" smtClean="0">
+                <a:solidFill>
+                  <a:schemeClr val="accent1"/>
+                </a:solidFill>
+              </a:rPr>
+              <a:t>url</a:t>
+            </a:r>
+            <a:r>
+              <a:rPr lang="en-US" altLang="ko-KR" dirty="0" smtClean="0">
+                <a:solidFill>
+                  <a:schemeClr val="accent1"/>
+                </a:solidFill>
+              </a:rPr>
+              <a:t>, </a:t>
+            </a:r>
+            <a:r>
+              <a:rPr lang="ko-KR" altLang="en-US" dirty="0" smtClean="0">
+                <a:solidFill>
+                  <a:schemeClr val="accent1"/>
+                </a:solidFill>
+              </a:rPr>
+              <a:t>또는 파일명</a:t>
+            </a:r>
+            <a:endParaRPr lang="en-US" altLang="ko-KR" dirty="0">
+              <a:solidFill>
+                <a:schemeClr val="accent1"/>
+              </a:solidFill>
+            </a:endParaRPr>
+          </a:p>
+          <a:p>
+            <a:pPr>
+              <a:lnSpc>
+                <a:spcPct val="150000"/>
+              </a:lnSpc>
+            </a:pPr>
+            <a:r>
+              <a:rPr lang="en-US" altLang="ko-KR" dirty="0" smtClean="0">
+                <a:solidFill>
+                  <a:srgbClr val="C00000"/>
+                </a:solidFill>
+              </a:rPr>
+              <a:t>    </a:t>
+            </a:r>
+            <a:r>
+              <a:rPr lang="en-US" altLang="ko-KR" dirty="0" err="1" smtClean="0">
+                <a:solidFill>
+                  <a:srgbClr val="C00000"/>
+                </a:solidFill>
+              </a:rPr>
+              <a:t>dataType</a:t>
+            </a:r>
+            <a:r>
+              <a:rPr lang="en-US" altLang="ko-KR" dirty="0" smtClean="0"/>
+              <a:t>:  “</a:t>
+            </a:r>
+            <a:r>
+              <a:rPr lang="en-US" altLang="ko-KR" dirty="0" err="1" smtClean="0"/>
+              <a:t>json</a:t>
+            </a:r>
+            <a:r>
+              <a:rPr lang="en-US" altLang="ko-KR" dirty="0" smtClean="0"/>
+              <a:t>” ,     </a:t>
+            </a:r>
+            <a:r>
+              <a:rPr lang="en-US" altLang="ko-KR" dirty="0" smtClean="0">
+                <a:solidFill>
+                  <a:schemeClr val="accent1"/>
+                </a:solidFill>
+              </a:rPr>
+              <a:t>//＂</a:t>
+            </a:r>
+            <a:r>
+              <a:rPr lang="ko-KR" altLang="en-US" sz="1600" dirty="0" smtClean="0">
+                <a:solidFill>
+                  <a:schemeClr val="accent1"/>
+                </a:solidFill>
+              </a:rPr>
+              <a:t>서버에서 </a:t>
+            </a:r>
+            <a:r>
+              <a:rPr lang="ko-KR" altLang="en-US" sz="1600" dirty="0" err="1" smtClean="0">
+                <a:solidFill>
+                  <a:schemeClr val="accent1"/>
+                </a:solidFill>
+              </a:rPr>
+              <a:t>전송받을</a:t>
+            </a:r>
+            <a:r>
+              <a:rPr lang="ko-KR" altLang="en-US" sz="1600" dirty="0" smtClean="0">
+                <a:solidFill>
+                  <a:schemeClr val="accent1"/>
+                </a:solidFill>
+              </a:rPr>
+              <a:t> 데이터형식</a:t>
+            </a:r>
+            <a:r>
+              <a:rPr lang="en-US" altLang="ko-KR" dirty="0" smtClean="0">
+                <a:solidFill>
+                  <a:schemeClr val="accent1"/>
+                </a:solidFill>
+              </a:rPr>
+              <a:t>",</a:t>
+            </a:r>
+            <a:endParaRPr lang="en-US" altLang="ko-KR" dirty="0">
+              <a:solidFill>
+                <a:schemeClr val="accent1"/>
+              </a:solidFill>
+            </a:endParaRPr>
+          </a:p>
+          <a:p>
+            <a:pPr>
+              <a:lnSpc>
+                <a:spcPct val="150000"/>
+              </a:lnSpc>
+            </a:pPr>
+            <a:r>
+              <a:rPr lang="en-US" altLang="ko-KR" dirty="0" smtClean="0">
+                <a:solidFill>
+                  <a:srgbClr val="C00000"/>
+                </a:solidFill>
+              </a:rPr>
+              <a:t>    success</a:t>
+            </a:r>
+            <a:r>
+              <a:rPr lang="en-US" altLang="ko-KR" dirty="0" smtClean="0"/>
+              <a:t>: </a:t>
+            </a:r>
+            <a:r>
+              <a:rPr lang="en-US" altLang="ko-KR" b="1" dirty="0" smtClean="0"/>
+              <a:t>function(data){</a:t>
+            </a:r>
+            <a:endParaRPr lang="en-US" altLang="ko-KR" b="1" dirty="0"/>
+          </a:p>
+          <a:p>
+            <a:r>
+              <a:rPr lang="en-US" altLang="ko-KR" dirty="0" smtClean="0"/>
+              <a:t>        </a:t>
+            </a:r>
+            <a:r>
+              <a:rPr lang="en-US" altLang="ko-KR" sz="1600" dirty="0">
+                <a:solidFill>
+                  <a:srgbClr val="C00000"/>
+                </a:solidFill>
+              </a:rPr>
+              <a:t> data</a:t>
+            </a:r>
+            <a:r>
+              <a:rPr lang="en-US" altLang="ko-KR" sz="1600" dirty="0"/>
+              <a:t>: {</a:t>
+            </a:r>
+            <a:r>
+              <a:rPr lang="ko-KR" altLang="en-US" sz="1600" dirty="0"/>
+              <a:t>서버로 전송할 데이터</a:t>
+            </a:r>
+            <a:r>
+              <a:rPr lang="en-US" altLang="ko-KR" sz="1600" dirty="0" smtClean="0"/>
+              <a:t>}, </a:t>
+            </a:r>
+            <a:r>
+              <a:rPr lang="en-US" altLang="ko-KR" sz="1600" dirty="0" smtClean="0">
+                <a:solidFill>
+                  <a:schemeClr val="accent1"/>
+                </a:solidFill>
+              </a:rPr>
+              <a:t>// </a:t>
+            </a:r>
+            <a:r>
+              <a:rPr lang="ko-KR" altLang="en-US" sz="1600" dirty="0" smtClean="0">
+                <a:solidFill>
+                  <a:schemeClr val="accent1"/>
+                </a:solidFill>
+              </a:rPr>
+              <a:t>정상 요청</a:t>
+            </a:r>
+            <a:r>
+              <a:rPr lang="en-US" altLang="ko-KR" sz="1600" dirty="0" smtClean="0">
+                <a:solidFill>
+                  <a:schemeClr val="accent1"/>
+                </a:solidFill>
+              </a:rPr>
+              <a:t>, </a:t>
+            </a:r>
+            <a:r>
+              <a:rPr lang="ko-KR" altLang="en-US" sz="1600" dirty="0" smtClean="0">
+                <a:solidFill>
+                  <a:schemeClr val="accent1"/>
+                </a:solidFill>
+              </a:rPr>
+              <a:t>응답 시 처리</a:t>
+            </a:r>
+            <a:endParaRPr lang="en-US" altLang="ko-KR" dirty="0">
+              <a:solidFill>
+                <a:schemeClr val="accent1"/>
+              </a:solidFill>
+            </a:endParaRPr>
+          </a:p>
+          <a:p>
+            <a:r>
+              <a:rPr lang="en-US" altLang="ko-KR" dirty="0" smtClean="0"/>
+              <a:t>    },</a:t>
+            </a:r>
+            <a:endParaRPr lang="en-US" altLang="ko-KR" dirty="0"/>
+          </a:p>
+          <a:p>
+            <a:r>
+              <a:rPr lang="en-US" altLang="ko-KR" dirty="0" smtClean="0">
+                <a:solidFill>
+                  <a:srgbClr val="C00000"/>
+                </a:solidFill>
+              </a:rPr>
+              <a:t>    error</a:t>
+            </a:r>
+            <a:r>
+              <a:rPr lang="en-US" altLang="ko-KR" dirty="0" smtClean="0"/>
+              <a:t>: </a:t>
+            </a:r>
+            <a:r>
+              <a:rPr lang="en-US" altLang="ko-KR" b="1" dirty="0" smtClean="0"/>
+              <a:t>function(</a:t>
+            </a:r>
+            <a:r>
+              <a:rPr lang="en-US" altLang="ko-KR" b="1" dirty="0" err="1" smtClean="0"/>
+              <a:t>xhr</a:t>
+            </a:r>
+            <a:r>
+              <a:rPr lang="en-US" altLang="ko-KR" b="1" dirty="0" smtClean="0"/>
+              <a:t>){</a:t>
+            </a:r>
+            <a:endParaRPr lang="en-US" altLang="ko-KR" b="1" dirty="0"/>
+          </a:p>
+          <a:p>
+            <a:r>
+              <a:rPr lang="en-US" altLang="ko-KR" dirty="0"/>
+              <a:t> </a:t>
+            </a:r>
+            <a:r>
+              <a:rPr lang="en-US" altLang="ko-KR" dirty="0" smtClean="0"/>
+              <a:t>       </a:t>
+            </a:r>
+            <a:r>
+              <a:rPr lang="en-US" altLang="ko-KR" sz="1600" dirty="0" smtClean="0">
+                <a:solidFill>
+                  <a:schemeClr val="accent1"/>
+                </a:solidFill>
+              </a:rPr>
+              <a:t>// </a:t>
+            </a:r>
+            <a:r>
+              <a:rPr lang="ko-KR" altLang="en-US" sz="1600" dirty="0" smtClean="0">
+                <a:solidFill>
+                  <a:schemeClr val="accent1"/>
+                </a:solidFill>
+              </a:rPr>
+              <a:t>오류 발생 시 </a:t>
+            </a:r>
+            <a:r>
+              <a:rPr lang="ko-KR" altLang="en-US" sz="1600" dirty="0">
+                <a:solidFill>
+                  <a:schemeClr val="accent1"/>
+                </a:solidFill>
+              </a:rPr>
+              <a:t>처리</a:t>
+            </a:r>
+            <a:endParaRPr lang="en-US" altLang="ko-KR" sz="1600" dirty="0" smtClean="0">
+              <a:solidFill>
+                <a:schemeClr val="accent1"/>
+              </a:solidFill>
+            </a:endParaRPr>
+          </a:p>
+          <a:p>
+            <a:r>
+              <a:rPr lang="en-US" altLang="ko-KR" dirty="0" smtClean="0"/>
+              <a:t>    },</a:t>
+            </a:r>
+            <a:endParaRPr lang="en-US" altLang="ko-KR" dirty="0"/>
+          </a:p>
+          <a:p>
+            <a:pPr>
+              <a:lnSpc>
+                <a:spcPct val="150000"/>
+              </a:lnSpc>
+            </a:pPr>
+            <a:r>
+              <a:rPr lang="en-US" altLang="ko-KR" dirty="0" smtClean="0"/>
+              <a:t>});</a:t>
+            </a:r>
+            <a:endParaRPr lang="ko-KR" altLang="en-US" dirty="0"/>
           </a:p>
         </p:txBody>
       </p:sp>
     </p:spTree>
     <p:extLst>
       <p:ext uri="{BB962C8B-B14F-4D97-AF65-F5344CB8AC3E}">
-        <p14:creationId xmlns:p14="http://schemas.microsoft.com/office/powerpoint/2010/main" val="2117345685"/>
+        <p14:creationId xmlns:p14="http://schemas.microsoft.com/office/powerpoint/2010/main" val="3634415324"/>
       </p:ext>
     </p:extLst>
   </p:cSld>
@@ -16517,8 +16552,8 @@
         </p:blipFill>
         <p:spPr>
           <a:xfrm>
-            <a:off x="1640632" y="1897133"/>
-            <a:ext cx="5553431" cy="4536504"/>
+            <a:off x="1450623" y="4523651"/>
+            <a:ext cx="6081287" cy="937341"/>
           </a:xfrm>
           <a:prstGeom prst="rect">
             <a:avLst/>
@@ -16532,10 +16567,256 @@
           </a:ln>
         </p:spPr>
       </p:pic>
+      <p:sp>
+        <p:nvSpPr>
+          <p:cNvPr id="8" name="TextBox 7"/>
+          <p:cNvSpPr txBox="1"/>
+          <p:nvPr/>
+        </p:nvSpPr>
+        <p:spPr>
+          <a:xfrm>
+            <a:off x="6785543" y="4992321"/>
+            <a:ext cx="1492734" cy="374571"/>
+          </a:xfrm>
+          <a:prstGeom prst="roundRect">
+            <a:avLst/>
+          </a:prstGeom>
+          <a:ln w="19050"/>
+        </p:spPr>
+        <p:style>
+          <a:lnRef idx="2">
+            <a:schemeClr val="accent1"/>
+          </a:lnRef>
+          <a:fillRef idx="1">
+            <a:schemeClr val="lt1"/>
+          </a:fillRef>
+          <a:effectRef idx="0">
+            <a:schemeClr val="accent1"/>
+          </a:effectRef>
+          <a:fontRef idx="minor">
+            <a:schemeClr val="dk1"/>
+          </a:fontRef>
+        </p:style>
+        <p:txBody>
+          <a:bodyPr wrap="square" rtlCol="0">
+            <a:spAutoFit/>
+          </a:bodyPr>
+          <a:lstStyle/>
+          <a:p>
+            <a:pPr algn="ctr"/>
+            <a:r>
+              <a:rPr lang="en-US" altLang="ko-KR" sz="1600" dirty="0"/>
+              <a:t>a</a:t>
+            </a:r>
+            <a:r>
+              <a:rPr lang="en-US" altLang="ko-KR" sz="1600" dirty="0" smtClean="0"/>
+              <a:t>jax1.html</a:t>
+            </a:r>
+            <a:endParaRPr lang="ko-KR" altLang="en-US" sz="1600" dirty="0"/>
+          </a:p>
+        </p:txBody>
+      </p:sp>
+      <p:pic>
+        <p:nvPicPr>
+          <p:cNvPr id="7" name="그림 6"/>
+          <p:cNvPicPr>
+            <a:picLocks noChangeAspect="1"/>
+          </p:cNvPicPr>
+          <p:nvPr/>
+        </p:nvPicPr>
+        <p:blipFill>
+          <a:blip r:embed="rId3">
+            <a:extLst>
+              <a:ext uri="{28A0092B-C50C-407E-A947-70E740481C1C}">
+                <a14:useLocalDpi xmlns:a14="http://schemas.microsoft.com/office/drawing/2010/main" val="0"/>
+              </a:ext>
+            </a:extLst>
+          </a:blip>
+          <a:stretch>
+            <a:fillRect/>
+          </a:stretch>
+        </p:blipFill>
+        <p:spPr>
+          <a:xfrm>
+            <a:off x="1424608" y="4030388"/>
+            <a:ext cx="2736304" cy="323924"/>
+          </a:xfrm>
+          <a:prstGeom prst="rect">
+            <a:avLst/>
+          </a:prstGeom>
+          <a:ln>
+            <a:solidFill>
+              <a:schemeClr val="bg1">
+                <a:lumMod val="85000"/>
+              </a:schemeClr>
+            </a:solidFill>
+          </a:ln>
+        </p:spPr>
+      </p:pic>
+      <p:sp>
+        <p:nvSpPr>
+          <p:cNvPr id="10" name="TextBox 9"/>
+          <p:cNvSpPr txBox="1"/>
+          <p:nvPr/>
+        </p:nvSpPr>
+        <p:spPr>
+          <a:xfrm>
+            <a:off x="4448944" y="4005064"/>
+            <a:ext cx="1152128" cy="374571"/>
+          </a:xfrm>
+          <a:prstGeom prst="roundRect">
+            <a:avLst/>
+          </a:prstGeom>
+          <a:ln w="19050"/>
+        </p:spPr>
+        <p:style>
+          <a:lnRef idx="2">
+            <a:schemeClr val="accent1"/>
+          </a:lnRef>
+          <a:fillRef idx="1">
+            <a:schemeClr val="lt1"/>
+          </a:fillRef>
+          <a:effectRef idx="0">
+            <a:schemeClr val="accent1"/>
+          </a:effectRef>
+          <a:fontRef idx="minor">
+            <a:schemeClr val="dk1"/>
+          </a:fontRef>
+        </p:style>
+        <p:txBody>
+          <a:bodyPr wrap="square" rtlCol="0">
+            <a:spAutoFit/>
+          </a:bodyPr>
+          <a:lstStyle/>
+          <a:p>
+            <a:pPr algn="ctr"/>
+            <a:r>
+              <a:rPr lang="en-US" altLang="ko-KR" sz="1600" dirty="0" smtClean="0"/>
+              <a:t>test.txt</a:t>
+            </a:r>
+            <a:endParaRPr lang="ko-KR" altLang="en-US" sz="1600" dirty="0"/>
+          </a:p>
+        </p:txBody>
+      </p:sp>
+      <p:pic>
+        <p:nvPicPr>
+          <p:cNvPr id="9" name="그림 8"/>
+          <p:cNvPicPr>
+            <a:picLocks noChangeAspect="1"/>
+          </p:cNvPicPr>
+          <p:nvPr/>
+        </p:nvPicPr>
+        <p:blipFill>
+          <a:blip r:embed="rId4">
+            <a:extLst>
+              <a:ext uri="{28A0092B-C50C-407E-A947-70E740481C1C}">
+                <a14:useLocalDpi xmlns:a14="http://schemas.microsoft.com/office/drawing/2010/main" val="0"/>
+              </a:ext>
+            </a:extLst>
+          </a:blip>
+          <a:stretch>
+            <a:fillRect/>
+          </a:stretch>
+        </p:blipFill>
+        <p:spPr>
+          <a:xfrm>
+            <a:off x="822557" y="2218091"/>
+            <a:ext cx="4534293" cy="1066893"/>
+          </a:xfrm>
+          <a:prstGeom prst="rect">
+            <a:avLst/>
+          </a:prstGeom>
+          <a:ln>
+            <a:solidFill>
+              <a:schemeClr val="bg1">
+                <a:lumMod val="85000"/>
+              </a:schemeClr>
+            </a:solidFill>
+          </a:ln>
+        </p:spPr>
+      </p:pic>
+      <p:pic>
+        <p:nvPicPr>
+          <p:cNvPr id="12" name="그림 11"/>
+          <p:cNvPicPr>
+            <a:picLocks noChangeAspect="1"/>
+          </p:cNvPicPr>
+          <p:nvPr/>
+        </p:nvPicPr>
+        <p:blipFill>
+          <a:blip r:embed="rId5">
+            <a:extLst>
+              <a:ext uri="{28A0092B-C50C-407E-A947-70E740481C1C}">
+                <a14:useLocalDpi xmlns:a14="http://schemas.microsoft.com/office/drawing/2010/main" val="0"/>
+              </a:ext>
+            </a:extLst>
+          </a:blip>
+          <a:stretch>
+            <a:fillRect/>
+          </a:stretch>
+        </p:blipFill>
+        <p:spPr>
+          <a:xfrm>
+            <a:off x="6003191" y="2218091"/>
+            <a:ext cx="3345470" cy="1005927"/>
+          </a:xfrm>
+          <a:prstGeom prst="rect">
+            <a:avLst/>
+          </a:prstGeom>
+          <a:ln>
+            <a:solidFill>
+              <a:schemeClr val="bg1">
+                <a:lumMod val="85000"/>
+              </a:schemeClr>
+            </a:solidFill>
+          </a:ln>
+        </p:spPr>
+      </p:pic>
+      <p:sp>
+        <p:nvSpPr>
+          <p:cNvPr id="13" name="오른쪽 화살표 12"/>
+          <p:cNvSpPr/>
+          <p:nvPr/>
+        </p:nvSpPr>
+        <p:spPr>
+          <a:xfrm>
+            <a:off x="5529064" y="2620184"/>
+            <a:ext cx="360040" cy="131353"/>
+          </a:xfrm>
+          <a:prstGeom prst="rightArrow">
+            <a:avLst/>
+          </a:prstGeom>
+          <a:ln w="12700"/>
+        </p:spPr>
+        <p:style>
+          <a:lnRef idx="2">
+            <a:schemeClr val="accent1">
+              <a:shade val="50000"/>
+            </a:schemeClr>
+          </a:lnRef>
+          <a:fillRef idx="1">
+            <a:schemeClr val="accent1"/>
+          </a:fillRef>
+          <a:effectRef idx="0">
+            <a:schemeClr val="accent1"/>
+          </a:effectRef>
+          <a:fontRef idx="minor">
+            <a:schemeClr val="lt1"/>
+          </a:fontRef>
+        </p:style>
+        <p:txBody>
+          <a:bodyPr rtlCol="0" anchor="ctr"/>
+          <a:lstStyle/>
+          <a:p>
+            <a:pPr algn="ctr"/>
+            <a:endParaRPr lang="ko-KR" altLang="en-US"/>
+          </a:p>
+        </p:txBody>
+      </p:sp>
     </p:spTree>
     <p:extLst>
       <p:ext uri="{BB962C8B-B14F-4D97-AF65-F5344CB8AC3E}">
-        <p14:creationId xmlns:p14="http://schemas.microsoft.com/office/powerpoint/2010/main" val="3371362905"/>
+        <p14:creationId xmlns:p14="http://schemas.microsoft.com/office/powerpoint/2010/main" val="3268067567"/>
       </p:ext>
     </p:extLst>
   </p:cSld>
@@ -16719,6 +17000,1043 @@
     <p:extLst>
       <p:ext uri="{BB962C8B-B14F-4D97-AF65-F5344CB8AC3E}">
         <p14:creationId xmlns:p14="http://schemas.microsoft.com/office/powerpoint/2010/main" val="180093365"/>
+      </p:ext>
+    </p:extLst>
+  </p:cSld>
+  <p:clrMapOvr>
+    <a:masterClrMapping/>
+  </p:clrMapOvr>
+  <p:timing>
+    <p:tnLst>
+      <p:par>
+        <p:cTn id="1" dur="indefinite" restart="never" nodeType="tmRoot"/>
+      </p:par>
+    </p:tnLst>
+  </p:timing>
+</p:sld>
+</file>
+
+<file path=ppt/slides/slide40.xml><?xml version="1.0" encoding="utf-8"?>
+<p:sld xmlns:a="http://schemas.openxmlformats.org/drawingml/2006/main" xmlns:r="http://schemas.openxmlformats.org/officeDocument/2006/relationships" xmlns:p="http://schemas.openxmlformats.org/presentationml/2006/main">
+  <p:cSld>
+    <p:spTree>
+      <p:nvGrpSpPr>
+        <p:cNvPr id="1" name=""/>
+        <p:cNvGrpSpPr/>
+        <p:nvPr/>
+      </p:nvGrpSpPr>
+      <p:grpSpPr>
+        <a:xfrm>
+          <a:off x="0" y="0"/>
+          <a:ext cx="0" cy="0"/>
+          <a:chOff x="0" y="0"/>
+          <a:chExt cx="0" cy="0"/>
+        </a:xfrm>
+      </p:grpSpPr>
+      <p:sp>
+        <p:nvSpPr>
+          <p:cNvPr id="2" name="제목 1"/>
+          <p:cNvSpPr>
+            <a:spLocks noGrp="1"/>
+          </p:cNvSpPr>
+          <p:nvPr>
+            <p:ph type="title"/>
+          </p:nvPr>
+        </p:nvSpPr>
+        <p:spPr>
+          <a:xfrm>
+            <a:off x="416497" y="197768"/>
+            <a:ext cx="6412780" cy="854968"/>
+          </a:xfrm>
+        </p:spPr>
+        <p:txBody>
+          <a:bodyPr>
+            <a:noAutofit/>
+          </a:bodyPr>
+          <a:lstStyle/>
+          <a:p>
+            <a:pPr algn="ctr"/>
+            <a:r>
+              <a:rPr lang="en-US" altLang="ko-KR" sz="2800" dirty="0"/>
+              <a:t>Ajax </a:t>
+            </a:r>
+            <a:r>
+              <a:rPr lang="ko-KR" altLang="en-US" sz="2800" dirty="0" smtClean="0"/>
+              <a:t>사용</a:t>
+            </a:r>
+            <a:r>
+              <a:rPr lang="ko-KR" altLang="en-US" sz="2800" dirty="0"/>
+              <a:t>법</a:t>
+            </a:r>
+          </a:p>
+        </p:txBody>
+      </p:sp>
+      <p:sp>
+        <p:nvSpPr>
+          <p:cNvPr id="4" name="슬라이드 번호 개체 틀 3"/>
+          <p:cNvSpPr>
+            <a:spLocks noGrp="1"/>
+          </p:cNvSpPr>
+          <p:nvPr>
+            <p:ph type="sldNum" sz="quarter" idx="12"/>
+          </p:nvPr>
+        </p:nvSpPr>
+        <p:spPr/>
+        <p:txBody>
+          <a:bodyPr/>
+          <a:lstStyle/>
+          <a:p>
+            <a:fld id="{1BDE3FE7-3AEA-4B05-AC5A-802D1816ACF0}" type="slidenum">
+              <a:rPr lang="ko-KR" altLang="en-US" smtClean="0"/>
+              <a:t>40</a:t>
+            </a:fld>
+            <a:endParaRPr lang="ko-KR" altLang="en-US"/>
+          </a:p>
+        </p:txBody>
+      </p:sp>
+      <p:sp>
+        <p:nvSpPr>
+          <p:cNvPr id="11" name="TextBox 10"/>
+          <p:cNvSpPr txBox="1"/>
+          <p:nvPr/>
+        </p:nvSpPr>
+        <p:spPr>
+          <a:xfrm>
+            <a:off x="867978" y="1290826"/>
+            <a:ext cx="8280920" cy="553998"/>
+          </a:xfrm>
+          <a:prstGeom prst="rect">
+            <a:avLst/>
+          </a:prstGeom>
+          <a:noFill/>
+        </p:spPr>
+        <p:txBody>
+          <a:bodyPr wrap="square" rtlCol="0">
+            <a:spAutoFit/>
+          </a:bodyPr>
+          <a:lstStyle/>
+          <a:p>
+            <a:pPr>
+              <a:lnSpc>
+                <a:spcPct val="150000"/>
+              </a:lnSpc>
+            </a:pPr>
+            <a:r>
+              <a:rPr lang="ko-KR" altLang="en-US" sz="2000" dirty="0"/>
+              <a:t> </a:t>
+            </a:r>
+            <a:r>
+              <a:rPr lang="en-US" altLang="ko-KR" sz="2000" b="1" dirty="0" smtClean="0"/>
+              <a:t>jQuery(</a:t>
+            </a:r>
+            <a:r>
+              <a:rPr lang="ko-KR" altLang="en-US" sz="2000" b="1" dirty="0" smtClean="0"/>
+              <a:t>제이쿼리</a:t>
+            </a:r>
+            <a:r>
+              <a:rPr lang="en-US" altLang="ko-KR" sz="2000" b="1" dirty="0" smtClean="0"/>
+              <a:t>)</a:t>
+            </a:r>
+            <a:r>
+              <a:rPr lang="ko-KR" altLang="en-US" sz="2000" b="1" dirty="0"/>
+              <a:t> </a:t>
+            </a:r>
+            <a:r>
+              <a:rPr lang="en-US" altLang="ko-KR" sz="2000" b="1" dirty="0" smtClean="0"/>
+              <a:t>Ajax </a:t>
+            </a:r>
+            <a:r>
+              <a:rPr lang="ko-KR" altLang="en-US" sz="2000" b="1" dirty="0" smtClean="0"/>
+              <a:t>사용법 </a:t>
+            </a:r>
+            <a:r>
+              <a:rPr lang="en-US" altLang="ko-KR" sz="2000" b="1" dirty="0" smtClean="0"/>
+              <a:t>– </a:t>
+            </a:r>
+            <a:r>
+              <a:rPr lang="ko-KR" altLang="en-US" sz="2000" b="1" dirty="0" smtClean="0"/>
+              <a:t>객체 </a:t>
+            </a:r>
+            <a:r>
+              <a:rPr lang="ko-KR" altLang="en-US" sz="2000" b="1" dirty="0" err="1" smtClean="0"/>
+              <a:t>자료형</a:t>
+            </a:r>
+            <a:r>
+              <a:rPr lang="en-US" altLang="ko-KR" sz="1600" dirty="0" smtClean="0"/>
+              <a:t>   </a:t>
+            </a:r>
+          </a:p>
+        </p:txBody>
+      </p:sp>
+      <p:pic>
+        <p:nvPicPr>
+          <p:cNvPr id="6" name="그림 5"/>
+          <p:cNvPicPr>
+            <a:picLocks noChangeAspect="1"/>
+          </p:cNvPicPr>
+          <p:nvPr/>
+        </p:nvPicPr>
+        <p:blipFill>
+          <a:blip r:embed="rId2">
+            <a:extLst>
+              <a:ext uri="{28A0092B-C50C-407E-A947-70E740481C1C}">
+                <a14:useLocalDpi xmlns:a14="http://schemas.microsoft.com/office/drawing/2010/main" val="0"/>
+              </a:ext>
+            </a:extLst>
+          </a:blip>
+          <a:stretch>
+            <a:fillRect/>
+          </a:stretch>
+        </p:blipFill>
+        <p:spPr>
+          <a:xfrm>
+            <a:off x="1352600" y="2204864"/>
+            <a:ext cx="6984776" cy="2594124"/>
+          </a:xfrm>
+          <a:prstGeom prst="rect">
+            <a:avLst/>
+          </a:prstGeom>
+          <a:ln>
+            <a:solidFill>
+              <a:schemeClr val="bg1">
+                <a:lumMod val="85000"/>
+              </a:schemeClr>
+            </a:solidFill>
+          </a:ln>
+        </p:spPr>
+      </p:pic>
+      <p:sp>
+        <p:nvSpPr>
+          <p:cNvPr id="8" name="TextBox 7"/>
+          <p:cNvSpPr txBox="1"/>
+          <p:nvPr/>
+        </p:nvSpPr>
+        <p:spPr>
+          <a:xfrm>
+            <a:off x="7329264" y="2564904"/>
+            <a:ext cx="1492734" cy="374571"/>
+          </a:xfrm>
+          <a:prstGeom prst="roundRect">
+            <a:avLst/>
+          </a:prstGeom>
+          <a:ln w="19050"/>
+        </p:spPr>
+        <p:style>
+          <a:lnRef idx="2">
+            <a:schemeClr val="accent1"/>
+          </a:lnRef>
+          <a:fillRef idx="1">
+            <a:schemeClr val="lt1"/>
+          </a:fillRef>
+          <a:effectRef idx="0">
+            <a:schemeClr val="accent1"/>
+          </a:effectRef>
+          <a:fontRef idx="minor">
+            <a:schemeClr val="dk1"/>
+          </a:fontRef>
+        </p:style>
+        <p:txBody>
+          <a:bodyPr wrap="square" rtlCol="0">
+            <a:spAutoFit/>
+          </a:bodyPr>
+          <a:lstStyle/>
+          <a:p>
+            <a:pPr algn="ctr"/>
+            <a:r>
+              <a:rPr lang="en-US" altLang="ko-KR" sz="1600" dirty="0"/>
+              <a:t>a</a:t>
+            </a:r>
+            <a:r>
+              <a:rPr lang="en-US" altLang="ko-KR" sz="1600" dirty="0" smtClean="0"/>
+              <a:t>jax1.html</a:t>
+            </a:r>
+            <a:endParaRPr lang="ko-KR" altLang="en-US" sz="1600" dirty="0"/>
+          </a:p>
+        </p:txBody>
+      </p:sp>
+    </p:spTree>
+    <p:extLst>
+      <p:ext uri="{BB962C8B-B14F-4D97-AF65-F5344CB8AC3E}">
+        <p14:creationId xmlns:p14="http://schemas.microsoft.com/office/powerpoint/2010/main" val="2880870435"/>
+      </p:ext>
+    </p:extLst>
+  </p:cSld>
+  <p:clrMapOvr>
+    <a:masterClrMapping/>
+  </p:clrMapOvr>
+  <p:timing>
+    <p:tnLst>
+      <p:par>
+        <p:cTn id="1" dur="indefinite" restart="never" nodeType="tmRoot"/>
+      </p:par>
+    </p:tnLst>
+  </p:timing>
+</p:sld>
+</file>
+
+<file path=ppt/slides/slide41.xml><?xml version="1.0" encoding="utf-8"?>
+<p:sld xmlns:a="http://schemas.openxmlformats.org/drawingml/2006/main" xmlns:r="http://schemas.openxmlformats.org/officeDocument/2006/relationships" xmlns:p="http://schemas.openxmlformats.org/presentationml/2006/main">
+  <p:cSld>
+    <p:spTree>
+      <p:nvGrpSpPr>
+        <p:cNvPr id="1" name=""/>
+        <p:cNvGrpSpPr/>
+        <p:nvPr/>
+      </p:nvGrpSpPr>
+      <p:grpSpPr>
+        <a:xfrm>
+          <a:off x="0" y="0"/>
+          <a:ext cx="0" cy="0"/>
+          <a:chOff x="0" y="0"/>
+          <a:chExt cx="0" cy="0"/>
+        </a:xfrm>
+      </p:grpSpPr>
+      <p:sp>
+        <p:nvSpPr>
+          <p:cNvPr id="2" name="제목 1"/>
+          <p:cNvSpPr>
+            <a:spLocks noGrp="1"/>
+          </p:cNvSpPr>
+          <p:nvPr>
+            <p:ph type="title"/>
+          </p:nvPr>
+        </p:nvSpPr>
+        <p:spPr>
+          <a:xfrm>
+            <a:off x="416497" y="197768"/>
+            <a:ext cx="6412780" cy="854968"/>
+          </a:xfrm>
+        </p:spPr>
+        <p:txBody>
+          <a:bodyPr>
+            <a:noAutofit/>
+          </a:bodyPr>
+          <a:lstStyle/>
+          <a:p>
+            <a:pPr algn="ctr"/>
+            <a:r>
+              <a:rPr lang="en-US" altLang="ko-KR" sz="2800" dirty="0"/>
+              <a:t>Ajax </a:t>
+            </a:r>
+            <a:r>
+              <a:rPr lang="ko-KR" altLang="en-US" sz="2800" dirty="0" smtClean="0"/>
+              <a:t>사용</a:t>
+            </a:r>
+            <a:r>
+              <a:rPr lang="ko-KR" altLang="en-US" sz="2800" dirty="0"/>
+              <a:t>법</a:t>
+            </a:r>
+          </a:p>
+        </p:txBody>
+      </p:sp>
+      <p:sp>
+        <p:nvSpPr>
+          <p:cNvPr id="4" name="슬라이드 번호 개체 틀 3"/>
+          <p:cNvSpPr>
+            <a:spLocks noGrp="1"/>
+          </p:cNvSpPr>
+          <p:nvPr>
+            <p:ph type="sldNum" sz="quarter" idx="12"/>
+          </p:nvPr>
+        </p:nvSpPr>
+        <p:spPr/>
+        <p:txBody>
+          <a:bodyPr/>
+          <a:lstStyle/>
+          <a:p>
+            <a:fld id="{1BDE3FE7-3AEA-4B05-AC5A-802D1816ACF0}" type="slidenum">
+              <a:rPr lang="ko-KR" altLang="en-US" smtClean="0"/>
+              <a:t>41</a:t>
+            </a:fld>
+            <a:endParaRPr lang="ko-KR" altLang="en-US"/>
+          </a:p>
+        </p:txBody>
+      </p:sp>
+      <p:sp>
+        <p:nvSpPr>
+          <p:cNvPr id="11" name="TextBox 10"/>
+          <p:cNvSpPr txBox="1"/>
+          <p:nvPr/>
+        </p:nvSpPr>
+        <p:spPr>
+          <a:xfrm>
+            <a:off x="867978" y="1290826"/>
+            <a:ext cx="8280920" cy="553998"/>
+          </a:xfrm>
+          <a:prstGeom prst="rect">
+            <a:avLst/>
+          </a:prstGeom>
+          <a:noFill/>
+        </p:spPr>
+        <p:txBody>
+          <a:bodyPr wrap="square" rtlCol="0">
+            <a:spAutoFit/>
+          </a:bodyPr>
+          <a:lstStyle/>
+          <a:p>
+            <a:pPr>
+              <a:lnSpc>
+                <a:spcPct val="150000"/>
+              </a:lnSpc>
+            </a:pPr>
+            <a:r>
+              <a:rPr lang="ko-KR" altLang="en-US" sz="2000" dirty="0"/>
+              <a:t> </a:t>
+            </a:r>
+            <a:r>
+              <a:rPr lang="en-US" altLang="ko-KR" sz="2000" b="1" dirty="0" smtClean="0"/>
+              <a:t>jQuery(</a:t>
+            </a:r>
+            <a:r>
+              <a:rPr lang="ko-KR" altLang="en-US" sz="2000" b="1" dirty="0" smtClean="0"/>
+              <a:t>제이쿼리</a:t>
+            </a:r>
+            <a:r>
+              <a:rPr lang="en-US" altLang="ko-KR" sz="2000" b="1" dirty="0" smtClean="0"/>
+              <a:t>)</a:t>
+            </a:r>
+            <a:r>
+              <a:rPr lang="ko-KR" altLang="en-US" sz="2000" b="1" dirty="0"/>
+              <a:t> </a:t>
+            </a:r>
+            <a:r>
+              <a:rPr lang="en-US" altLang="ko-KR" sz="2000" b="1" dirty="0" smtClean="0"/>
+              <a:t>Ajax </a:t>
+            </a:r>
+            <a:r>
+              <a:rPr lang="ko-KR" altLang="en-US" sz="2000" b="1" dirty="0" smtClean="0"/>
+              <a:t>사용법 </a:t>
+            </a:r>
+            <a:r>
+              <a:rPr lang="en-US" altLang="ko-KR" sz="2000" b="1" dirty="0" smtClean="0"/>
+              <a:t>– </a:t>
+            </a:r>
+            <a:r>
+              <a:rPr lang="ko-KR" altLang="en-US" sz="2000" b="1" dirty="0" smtClean="0"/>
+              <a:t>객체 </a:t>
+            </a:r>
+            <a:r>
+              <a:rPr lang="ko-KR" altLang="en-US" sz="2000" b="1" dirty="0" err="1" smtClean="0"/>
+              <a:t>자료형</a:t>
+            </a:r>
+            <a:r>
+              <a:rPr lang="en-US" altLang="ko-KR" sz="1600" dirty="0" smtClean="0"/>
+              <a:t>   </a:t>
+            </a:r>
+          </a:p>
+        </p:txBody>
+      </p:sp>
+      <p:pic>
+        <p:nvPicPr>
+          <p:cNvPr id="5" name="그림 4"/>
+          <p:cNvPicPr>
+            <a:picLocks noChangeAspect="1"/>
+          </p:cNvPicPr>
+          <p:nvPr/>
+        </p:nvPicPr>
+        <p:blipFill rotWithShape="1">
+          <a:blip r:embed="rId2">
+            <a:extLst>
+              <a:ext uri="{28A0092B-C50C-407E-A947-70E740481C1C}">
+                <a14:useLocalDpi xmlns:a14="http://schemas.microsoft.com/office/drawing/2010/main" val="0"/>
+              </a:ext>
+            </a:extLst>
+          </a:blip>
+          <a:srcRect r="48637" b="72581"/>
+          <a:stretch/>
+        </p:blipFill>
+        <p:spPr>
+          <a:xfrm>
+            <a:off x="1494356" y="1999410"/>
+            <a:ext cx="5654675" cy="1285574"/>
+          </a:xfrm>
+          <a:prstGeom prst="rect">
+            <a:avLst/>
+          </a:prstGeom>
+        </p:spPr>
+      </p:pic>
+      <p:pic>
+        <p:nvPicPr>
+          <p:cNvPr id="9" name="그림 8"/>
+          <p:cNvPicPr>
+            <a:picLocks noChangeAspect="1"/>
+          </p:cNvPicPr>
+          <p:nvPr/>
+        </p:nvPicPr>
+        <p:blipFill rotWithShape="1">
+          <a:blip r:embed="rId2">
+            <a:extLst>
+              <a:ext uri="{28A0092B-C50C-407E-A947-70E740481C1C}">
+                <a14:useLocalDpi xmlns:a14="http://schemas.microsoft.com/office/drawing/2010/main" val="0"/>
+              </a:ext>
+            </a:extLst>
+          </a:blip>
+          <a:srcRect l="51359"/>
+          <a:stretch/>
+        </p:blipFill>
+        <p:spPr>
+          <a:xfrm>
+            <a:off x="3512840" y="3489992"/>
+            <a:ext cx="3291481" cy="2881885"/>
+          </a:xfrm>
+          <a:prstGeom prst="rect">
+            <a:avLst/>
+          </a:prstGeom>
+        </p:spPr>
+      </p:pic>
+    </p:spTree>
+    <p:extLst>
+      <p:ext uri="{BB962C8B-B14F-4D97-AF65-F5344CB8AC3E}">
+        <p14:creationId xmlns:p14="http://schemas.microsoft.com/office/powerpoint/2010/main" val="3442127202"/>
+      </p:ext>
+    </p:extLst>
+  </p:cSld>
+  <p:clrMapOvr>
+    <a:masterClrMapping/>
+  </p:clrMapOvr>
+  <p:timing>
+    <p:tnLst>
+      <p:par>
+        <p:cTn id="1" dur="indefinite" restart="never" nodeType="tmRoot"/>
+      </p:par>
+    </p:tnLst>
+  </p:timing>
+</p:sld>
+</file>
+
+<file path=ppt/slides/slide42.xml><?xml version="1.0" encoding="utf-8"?>
+<p:sld xmlns:a="http://schemas.openxmlformats.org/drawingml/2006/main" xmlns:r="http://schemas.openxmlformats.org/officeDocument/2006/relationships" xmlns:p="http://schemas.openxmlformats.org/presentationml/2006/main">
+  <p:cSld>
+    <p:spTree>
+      <p:nvGrpSpPr>
+        <p:cNvPr id="1" name=""/>
+        <p:cNvGrpSpPr/>
+        <p:nvPr/>
+      </p:nvGrpSpPr>
+      <p:grpSpPr>
+        <a:xfrm>
+          <a:off x="0" y="0"/>
+          <a:ext cx="0" cy="0"/>
+          <a:chOff x="0" y="0"/>
+          <a:chExt cx="0" cy="0"/>
+        </a:xfrm>
+      </p:grpSpPr>
+      <p:sp>
+        <p:nvSpPr>
+          <p:cNvPr id="2" name="제목 1"/>
+          <p:cNvSpPr>
+            <a:spLocks noGrp="1"/>
+          </p:cNvSpPr>
+          <p:nvPr>
+            <p:ph type="title"/>
+          </p:nvPr>
+        </p:nvSpPr>
+        <p:spPr>
+          <a:xfrm>
+            <a:off x="416497" y="197768"/>
+            <a:ext cx="6412780" cy="854968"/>
+          </a:xfrm>
+        </p:spPr>
+        <p:txBody>
+          <a:bodyPr>
+            <a:noAutofit/>
+          </a:bodyPr>
+          <a:lstStyle/>
+          <a:p>
+            <a:pPr algn="ctr"/>
+            <a:r>
+              <a:rPr lang="en-US" altLang="ko-KR" sz="2800" dirty="0"/>
+              <a:t>Ajax </a:t>
+            </a:r>
+            <a:r>
+              <a:rPr lang="ko-KR" altLang="en-US" sz="2800" dirty="0" smtClean="0"/>
+              <a:t>사용</a:t>
+            </a:r>
+            <a:r>
+              <a:rPr lang="ko-KR" altLang="en-US" sz="2800" dirty="0"/>
+              <a:t>법</a:t>
+            </a:r>
+          </a:p>
+        </p:txBody>
+      </p:sp>
+      <p:sp>
+        <p:nvSpPr>
+          <p:cNvPr id="4" name="슬라이드 번호 개체 틀 3"/>
+          <p:cNvSpPr>
+            <a:spLocks noGrp="1"/>
+          </p:cNvSpPr>
+          <p:nvPr>
+            <p:ph type="sldNum" sz="quarter" idx="12"/>
+          </p:nvPr>
+        </p:nvSpPr>
+        <p:spPr/>
+        <p:txBody>
+          <a:bodyPr/>
+          <a:lstStyle/>
+          <a:p>
+            <a:fld id="{1BDE3FE7-3AEA-4B05-AC5A-802D1816ACF0}" type="slidenum">
+              <a:rPr lang="ko-KR" altLang="en-US" smtClean="0"/>
+              <a:t>42</a:t>
+            </a:fld>
+            <a:endParaRPr lang="ko-KR" altLang="en-US"/>
+          </a:p>
+        </p:txBody>
+      </p:sp>
+      <p:sp>
+        <p:nvSpPr>
+          <p:cNvPr id="11" name="TextBox 10"/>
+          <p:cNvSpPr txBox="1"/>
+          <p:nvPr/>
+        </p:nvSpPr>
+        <p:spPr>
+          <a:xfrm>
+            <a:off x="867978" y="1290826"/>
+            <a:ext cx="8280920" cy="553998"/>
+          </a:xfrm>
+          <a:prstGeom prst="rect">
+            <a:avLst/>
+          </a:prstGeom>
+          <a:noFill/>
+        </p:spPr>
+        <p:txBody>
+          <a:bodyPr wrap="square" rtlCol="0">
+            <a:spAutoFit/>
+          </a:bodyPr>
+          <a:lstStyle/>
+          <a:p>
+            <a:pPr>
+              <a:lnSpc>
+                <a:spcPct val="150000"/>
+              </a:lnSpc>
+            </a:pPr>
+            <a:r>
+              <a:rPr lang="ko-KR" altLang="en-US" sz="2000" dirty="0"/>
+              <a:t> </a:t>
+            </a:r>
+            <a:r>
+              <a:rPr lang="en-US" altLang="ko-KR" sz="2000" b="1" dirty="0" smtClean="0"/>
+              <a:t>jQuery(</a:t>
+            </a:r>
+            <a:r>
+              <a:rPr lang="ko-KR" altLang="en-US" sz="2000" b="1" dirty="0" smtClean="0"/>
+              <a:t>제이쿼리</a:t>
+            </a:r>
+            <a:r>
+              <a:rPr lang="en-US" altLang="ko-KR" sz="2000" b="1" dirty="0" smtClean="0"/>
+              <a:t>)</a:t>
+            </a:r>
+            <a:r>
+              <a:rPr lang="ko-KR" altLang="en-US" sz="2000" b="1" dirty="0"/>
+              <a:t> </a:t>
+            </a:r>
+            <a:r>
+              <a:rPr lang="en-US" altLang="ko-KR" sz="2000" b="1" dirty="0" smtClean="0"/>
+              <a:t>Ajax </a:t>
+            </a:r>
+            <a:r>
+              <a:rPr lang="ko-KR" altLang="en-US" sz="2000" b="1" dirty="0" smtClean="0"/>
+              <a:t>사용법 </a:t>
+            </a:r>
+            <a:r>
+              <a:rPr lang="en-US" altLang="ko-KR" sz="2000" b="1" dirty="0" smtClean="0"/>
+              <a:t>– </a:t>
+            </a:r>
+            <a:r>
+              <a:rPr lang="ko-KR" altLang="en-US" sz="2000" b="1" dirty="0" smtClean="0"/>
+              <a:t>객체 </a:t>
+            </a:r>
+            <a:r>
+              <a:rPr lang="ko-KR" altLang="en-US" sz="2000" b="1" dirty="0" err="1" smtClean="0"/>
+              <a:t>자료형</a:t>
+            </a:r>
+            <a:r>
+              <a:rPr lang="en-US" altLang="ko-KR" sz="1600" dirty="0" smtClean="0"/>
+              <a:t>   </a:t>
+            </a:r>
+          </a:p>
+        </p:txBody>
+      </p:sp>
+      <p:pic>
+        <p:nvPicPr>
+          <p:cNvPr id="3" name="그림 2"/>
+          <p:cNvPicPr>
+            <a:picLocks noChangeAspect="1"/>
+          </p:cNvPicPr>
+          <p:nvPr/>
+        </p:nvPicPr>
+        <p:blipFill>
+          <a:blip r:embed="rId2">
+            <a:extLst>
+              <a:ext uri="{28A0092B-C50C-407E-A947-70E740481C1C}">
+                <a14:useLocalDpi xmlns:a14="http://schemas.microsoft.com/office/drawing/2010/main" val="0"/>
+              </a:ext>
+            </a:extLst>
+          </a:blip>
+          <a:stretch>
+            <a:fillRect/>
+          </a:stretch>
+        </p:blipFill>
+        <p:spPr>
+          <a:xfrm>
+            <a:off x="1784649" y="2049969"/>
+            <a:ext cx="4331440" cy="2603167"/>
+          </a:xfrm>
+          <a:prstGeom prst="rect">
+            <a:avLst/>
+          </a:prstGeom>
+          <a:ln>
+            <a:solidFill>
+              <a:schemeClr val="bg1">
+                <a:lumMod val="85000"/>
+              </a:schemeClr>
+            </a:solidFill>
+          </a:ln>
+        </p:spPr>
+      </p:pic>
+      <p:pic>
+        <p:nvPicPr>
+          <p:cNvPr id="6" name="그림 5"/>
+          <p:cNvPicPr>
+            <a:picLocks noChangeAspect="1"/>
+          </p:cNvPicPr>
+          <p:nvPr/>
+        </p:nvPicPr>
+        <p:blipFill>
+          <a:blip r:embed="rId3">
+            <a:extLst>
+              <a:ext uri="{28A0092B-C50C-407E-A947-70E740481C1C}">
+                <a14:useLocalDpi xmlns:a14="http://schemas.microsoft.com/office/drawing/2010/main" val="0"/>
+              </a:ext>
+            </a:extLst>
+          </a:blip>
+          <a:stretch>
+            <a:fillRect/>
+          </a:stretch>
+        </p:blipFill>
+        <p:spPr>
+          <a:xfrm>
+            <a:off x="1757030" y="4941168"/>
+            <a:ext cx="6370872" cy="937341"/>
+          </a:xfrm>
+          <a:prstGeom prst="rect">
+            <a:avLst/>
+          </a:prstGeom>
+          <a:ln>
+            <a:solidFill>
+              <a:schemeClr val="bg1">
+                <a:lumMod val="85000"/>
+              </a:schemeClr>
+            </a:solidFill>
+          </a:ln>
+        </p:spPr>
+      </p:pic>
+      <p:sp>
+        <p:nvSpPr>
+          <p:cNvPr id="10" name="TextBox 9"/>
+          <p:cNvSpPr txBox="1"/>
+          <p:nvPr/>
+        </p:nvSpPr>
+        <p:spPr>
+          <a:xfrm>
+            <a:off x="6582897" y="4465850"/>
+            <a:ext cx="1492734" cy="374571"/>
+          </a:xfrm>
+          <a:prstGeom prst="roundRect">
+            <a:avLst/>
+          </a:prstGeom>
+          <a:ln w="19050"/>
+        </p:spPr>
+        <p:style>
+          <a:lnRef idx="2">
+            <a:schemeClr val="accent1"/>
+          </a:lnRef>
+          <a:fillRef idx="1">
+            <a:schemeClr val="lt1"/>
+          </a:fillRef>
+          <a:effectRef idx="0">
+            <a:schemeClr val="accent1"/>
+          </a:effectRef>
+          <a:fontRef idx="minor">
+            <a:schemeClr val="dk1"/>
+          </a:fontRef>
+        </p:style>
+        <p:txBody>
+          <a:bodyPr wrap="square" rtlCol="0">
+            <a:spAutoFit/>
+          </a:bodyPr>
+          <a:lstStyle/>
+          <a:p>
+            <a:pPr algn="ctr"/>
+            <a:r>
+              <a:rPr lang="en-US" altLang="ko-KR" sz="1600" dirty="0" err="1"/>
+              <a:t>s</a:t>
+            </a:r>
+            <a:r>
+              <a:rPr lang="en-US" altLang="ko-KR" sz="1600" dirty="0" err="1" smtClean="0"/>
+              <a:t>core.json</a:t>
+            </a:r>
+            <a:endParaRPr lang="ko-KR" altLang="en-US" sz="1600" dirty="0"/>
+          </a:p>
+        </p:txBody>
+      </p:sp>
+      <p:sp>
+        <p:nvSpPr>
+          <p:cNvPr id="12" name="TextBox 11"/>
+          <p:cNvSpPr txBox="1"/>
+          <p:nvPr/>
+        </p:nvSpPr>
+        <p:spPr>
+          <a:xfrm>
+            <a:off x="5787586" y="2492896"/>
+            <a:ext cx="1492734" cy="374571"/>
+          </a:xfrm>
+          <a:prstGeom prst="roundRect">
+            <a:avLst/>
+          </a:prstGeom>
+          <a:ln w="19050"/>
+        </p:spPr>
+        <p:style>
+          <a:lnRef idx="2">
+            <a:schemeClr val="accent1"/>
+          </a:lnRef>
+          <a:fillRef idx="1">
+            <a:schemeClr val="lt1"/>
+          </a:fillRef>
+          <a:effectRef idx="0">
+            <a:schemeClr val="accent1"/>
+          </a:effectRef>
+          <a:fontRef idx="minor">
+            <a:schemeClr val="dk1"/>
+          </a:fontRef>
+        </p:style>
+        <p:txBody>
+          <a:bodyPr wrap="square" rtlCol="0">
+            <a:spAutoFit/>
+          </a:bodyPr>
+          <a:lstStyle/>
+          <a:p>
+            <a:pPr algn="ctr"/>
+            <a:r>
+              <a:rPr lang="en-US" altLang="ko-KR" sz="1600" dirty="0" smtClean="0"/>
+              <a:t>ajax2.html</a:t>
+            </a:r>
+            <a:endParaRPr lang="ko-KR" altLang="en-US" sz="1600" dirty="0"/>
+          </a:p>
+        </p:txBody>
+      </p:sp>
+    </p:spTree>
+    <p:extLst>
+      <p:ext uri="{BB962C8B-B14F-4D97-AF65-F5344CB8AC3E}">
+        <p14:creationId xmlns:p14="http://schemas.microsoft.com/office/powerpoint/2010/main" val="2117345685"/>
+      </p:ext>
+    </p:extLst>
+  </p:cSld>
+  <p:clrMapOvr>
+    <a:masterClrMapping/>
+  </p:clrMapOvr>
+  <p:timing>
+    <p:tnLst>
+      <p:par>
+        <p:cTn id="1" dur="indefinite" restart="never" nodeType="tmRoot"/>
+      </p:par>
+    </p:tnLst>
+  </p:timing>
+</p:sld>
+</file>
+
+<file path=ppt/slides/slide43.xml><?xml version="1.0" encoding="utf-8"?>
+<p:sld xmlns:a="http://schemas.openxmlformats.org/drawingml/2006/main" xmlns:r="http://schemas.openxmlformats.org/officeDocument/2006/relationships" xmlns:p="http://schemas.openxmlformats.org/presentationml/2006/main">
+  <p:cSld>
+    <p:spTree>
+      <p:nvGrpSpPr>
+        <p:cNvPr id="1" name=""/>
+        <p:cNvGrpSpPr/>
+        <p:nvPr/>
+      </p:nvGrpSpPr>
+      <p:grpSpPr>
+        <a:xfrm>
+          <a:off x="0" y="0"/>
+          <a:ext cx="0" cy="0"/>
+          <a:chOff x="0" y="0"/>
+          <a:chExt cx="0" cy="0"/>
+        </a:xfrm>
+      </p:grpSpPr>
+      <p:sp>
+        <p:nvSpPr>
+          <p:cNvPr id="2" name="제목 1"/>
+          <p:cNvSpPr>
+            <a:spLocks noGrp="1"/>
+          </p:cNvSpPr>
+          <p:nvPr>
+            <p:ph type="title"/>
+          </p:nvPr>
+        </p:nvSpPr>
+        <p:spPr>
+          <a:xfrm>
+            <a:off x="416497" y="197768"/>
+            <a:ext cx="6412780" cy="854968"/>
+          </a:xfrm>
+        </p:spPr>
+        <p:txBody>
+          <a:bodyPr>
+            <a:noAutofit/>
+          </a:bodyPr>
+          <a:lstStyle/>
+          <a:p>
+            <a:pPr algn="ctr"/>
+            <a:r>
+              <a:rPr lang="en-US" altLang="ko-KR" sz="2800" dirty="0"/>
+              <a:t>Ajax </a:t>
+            </a:r>
+            <a:r>
+              <a:rPr lang="ko-KR" altLang="en-US" sz="2800" dirty="0" smtClean="0"/>
+              <a:t>사용</a:t>
+            </a:r>
+            <a:r>
+              <a:rPr lang="ko-KR" altLang="en-US" sz="2800" dirty="0"/>
+              <a:t>법</a:t>
+            </a:r>
+          </a:p>
+        </p:txBody>
+      </p:sp>
+      <p:sp>
+        <p:nvSpPr>
+          <p:cNvPr id="4" name="슬라이드 번호 개체 틀 3"/>
+          <p:cNvSpPr>
+            <a:spLocks noGrp="1"/>
+          </p:cNvSpPr>
+          <p:nvPr>
+            <p:ph type="sldNum" sz="quarter" idx="12"/>
+          </p:nvPr>
+        </p:nvSpPr>
+        <p:spPr/>
+        <p:txBody>
+          <a:bodyPr/>
+          <a:lstStyle/>
+          <a:p>
+            <a:fld id="{1BDE3FE7-3AEA-4B05-AC5A-802D1816ACF0}" type="slidenum">
+              <a:rPr lang="ko-KR" altLang="en-US" smtClean="0"/>
+              <a:t>43</a:t>
+            </a:fld>
+            <a:endParaRPr lang="ko-KR" altLang="en-US"/>
+          </a:p>
+        </p:txBody>
+      </p:sp>
+      <p:sp>
+        <p:nvSpPr>
+          <p:cNvPr id="11" name="TextBox 10"/>
+          <p:cNvSpPr txBox="1"/>
+          <p:nvPr/>
+        </p:nvSpPr>
+        <p:spPr>
+          <a:xfrm>
+            <a:off x="867978" y="1290826"/>
+            <a:ext cx="8280920" cy="553998"/>
+          </a:xfrm>
+          <a:prstGeom prst="rect">
+            <a:avLst/>
+          </a:prstGeom>
+          <a:noFill/>
+        </p:spPr>
+        <p:txBody>
+          <a:bodyPr wrap="square" rtlCol="0">
+            <a:spAutoFit/>
+          </a:bodyPr>
+          <a:lstStyle/>
+          <a:p>
+            <a:pPr>
+              <a:lnSpc>
+                <a:spcPct val="150000"/>
+              </a:lnSpc>
+            </a:pPr>
+            <a:r>
+              <a:rPr lang="ko-KR" altLang="en-US" sz="2000" dirty="0"/>
+              <a:t> </a:t>
+            </a:r>
+            <a:r>
+              <a:rPr lang="en-US" altLang="ko-KR" sz="2000" b="1" dirty="0" smtClean="0"/>
+              <a:t>jQuery(</a:t>
+            </a:r>
+            <a:r>
+              <a:rPr lang="ko-KR" altLang="en-US" sz="2000" b="1" dirty="0" smtClean="0"/>
+              <a:t>제이쿼리</a:t>
+            </a:r>
+            <a:r>
+              <a:rPr lang="en-US" altLang="ko-KR" sz="2000" b="1" dirty="0" smtClean="0"/>
+              <a:t>)</a:t>
+            </a:r>
+            <a:r>
+              <a:rPr lang="ko-KR" altLang="en-US" sz="2000" b="1" dirty="0"/>
+              <a:t> </a:t>
+            </a:r>
+            <a:r>
+              <a:rPr lang="en-US" altLang="ko-KR" sz="2000" b="1" dirty="0" smtClean="0"/>
+              <a:t>Ajax </a:t>
+            </a:r>
+            <a:r>
+              <a:rPr lang="ko-KR" altLang="en-US" sz="2000" b="1" dirty="0" smtClean="0"/>
+              <a:t>사용법 </a:t>
+            </a:r>
+            <a:r>
+              <a:rPr lang="en-US" altLang="ko-KR" sz="2000" b="1" dirty="0" smtClean="0"/>
+              <a:t>– </a:t>
+            </a:r>
+            <a:r>
+              <a:rPr lang="ko-KR" altLang="en-US" sz="2000" b="1" dirty="0" smtClean="0"/>
+              <a:t>객체 </a:t>
+            </a:r>
+            <a:r>
+              <a:rPr lang="ko-KR" altLang="en-US" sz="2000" b="1" dirty="0" err="1" smtClean="0"/>
+              <a:t>자료형</a:t>
+            </a:r>
+            <a:r>
+              <a:rPr lang="en-US" altLang="ko-KR" sz="1600" dirty="0" smtClean="0"/>
+              <a:t>   </a:t>
+            </a:r>
+          </a:p>
+        </p:txBody>
+      </p:sp>
+      <p:pic>
+        <p:nvPicPr>
+          <p:cNvPr id="5" name="그림 4"/>
+          <p:cNvPicPr>
+            <a:picLocks noChangeAspect="1"/>
+          </p:cNvPicPr>
+          <p:nvPr/>
+        </p:nvPicPr>
+        <p:blipFill>
+          <a:blip r:embed="rId2">
+            <a:extLst>
+              <a:ext uri="{28A0092B-C50C-407E-A947-70E740481C1C}">
+                <a14:useLocalDpi xmlns:a14="http://schemas.microsoft.com/office/drawing/2010/main" val="0"/>
+              </a:ext>
+            </a:extLst>
+          </a:blip>
+          <a:stretch>
+            <a:fillRect/>
+          </a:stretch>
+        </p:blipFill>
+        <p:spPr>
+          <a:xfrm>
+            <a:off x="1640632" y="1897133"/>
+            <a:ext cx="5553431" cy="4536504"/>
+          </a:xfrm>
+          <a:prstGeom prst="rect">
+            <a:avLst/>
+          </a:prstGeom>
+          <a:ln>
+            <a:solidFill>
+              <a:schemeClr val="bg1">
+                <a:lumMod val="85000"/>
+              </a:schemeClr>
+            </a:solidFill>
+          </a:ln>
+        </p:spPr>
+      </p:pic>
+    </p:spTree>
+    <p:extLst>
+      <p:ext uri="{BB962C8B-B14F-4D97-AF65-F5344CB8AC3E}">
+        <p14:creationId xmlns:p14="http://schemas.microsoft.com/office/powerpoint/2010/main" val="3371362905"/>
       </p:ext>
     </p:extLst>
   </p:cSld>
@@ -18727,11 +20045,7 @@
                       </a:pPr>
                       <a:r>
                         <a:rPr lang="en-US" altLang="ko-KR" sz="1600" dirty="0" smtClean="0"/>
-                        <a:t>remove</a:t>
-                      </a:r>
-                      <a:r>
-                        <a:rPr lang="en-US" altLang="ko-KR" sz="1600" dirty="0" smtClean="0"/>
-                        <a:t>() </a:t>
+                        <a:t>remove() </a:t>
                       </a:r>
                       <a:r>
                         <a:rPr lang="ko-KR" altLang="en-US" sz="1600" dirty="0" err="1" smtClean="0"/>
